--- a/presentation/nice fonts_migo.pptx
+++ b/presentation/nice fonts_migo.pptx
@@ -9,14 +9,14 @@
   </p:notesMasterIdLst>
   <p:sldIdLst>
     <p:sldId id="270" r:id="rId2"/>
-    <p:sldId id="269" r:id="rId3"/>
-    <p:sldId id="267" r:id="rId4"/>
-    <p:sldId id="261" r:id="rId5"/>
-    <p:sldId id="260" r:id="rId6"/>
+    <p:sldId id="276" r:id="rId3"/>
+    <p:sldId id="277" r:id="rId4"/>
+    <p:sldId id="278" r:id="rId5"/>
+    <p:sldId id="279" r:id="rId6"/>
     <p:sldId id="262" r:id="rId7"/>
     <p:sldId id="266" r:id="rId8"/>
-    <p:sldId id="263" r:id="rId9"/>
-    <p:sldId id="275" r:id="rId10"/>
+    <p:sldId id="280" r:id="rId9"/>
+    <p:sldId id="281" r:id="rId10"/>
     <p:sldId id="273" r:id="rId11"/>
     <p:sldId id="271" r:id="rId12"/>
   </p:sldIdLst>
@@ -592,997 +592,6 @@
 </p:notes>
 </file>
 
-<file path=ppt/notesSlides/notesSlide10.xml><?xml version="1.0" encoding="utf-8"?>
-<p:notes xmlns:a="http://schemas.openxmlformats.org/drawingml/2006/main" xmlns:r="http://schemas.openxmlformats.org/officeDocument/2006/relationships" xmlns:p="http://schemas.openxmlformats.org/presentationml/2006/main">
-  <p:cSld>
-    <p:spTree>
-      <p:nvGrpSpPr>
-        <p:cNvPr id="1" name=""/>
-        <p:cNvGrpSpPr/>
-        <p:nvPr/>
-      </p:nvGrpSpPr>
-      <p:grpSpPr>
-        <a:xfrm>
-          <a:off x="0" y="0"/>
-          <a:ext cx="0" cy="0"/>
-          <a:chOff x="0" y="0"/>
-          <a:chExt cx="0" cy="0"/>
-        </a:xfrm>
-      </p:grpSpPr>
-      <p:sp>
-        <p:nvSpPr>
-          <p:cNvPr id="2" name="Slide Image Placeholder 1"/>
-          <p:cNvSpPr>
-            <a:spLocks noGrp="1" noRot="1" noChangeAspect="1"/>
-          </p:cNvSpPr>
-          <p:nvPr>
-            <p:ph type="sldImg"/>
-          </p:nvPr>
-        </p:nvSpPr>
-        <p:spPr/>
-      </p:sp>
-      <p:sp>
-        <p:nvSpPr>
-          <p:cNvPr id="3" name="Notes Placeholder 2"/>
-          <p:cNvSpPr>
-            <a:spLocks noGrp="1"/>
-          </p:cNvSpPr>
-          <p:nvPr>
-            <p:ph type="body" idx="1"/>
-          </p:nvPr>
-        </p:nvSpPr>
-        <p:spPr/>
-        <p:txBody>
-          <a:bodyPr/>
-          <a:lstStyle/>
-          <a:p>
-            <a:r>
-              <a:rPr lang="de-CH" dirty="0" err="1"/>
-              <a:t>Function</a:t>
-            </a:r>
-            <a:r>
-              <a:rPr lang="de-CH" dirty="0"/>
-              <a:t> </a:t>
-            </a:r>
-            <a:r>
-              <a:rPr lang="de-CH" dirty="0" err="1"/>
-              <a:t>explanation</a:t>
-            </a:r>
-            <a:r>
-              <a:rPr lang="de-CH" dirty="0"/>
-              <a:t>:</a:t>
-            </a:r>
-          </a:p>
-          <a:p>
-            <a:endParaRPr lang="de-CH" dirty="0"/>
-          </a:p>
-          <a:p>
-            <a:r>
-              <a:rPr lang="de-CH" dirty="0"/>
-              <a:t>New variable -&gt; </a:t>
-            </a:r>
-            <a:r>
-              <a:rPr lang="de-CH" dirty="0" err="1"/>
-              <a:t>active</a:t>
-            </a:r>
-            <a:r>
-              <a:rPr lang="de-CH" dirty="0"/>
-              <a:t> </a:t>
-            </a:r>
-            <a:r>
-              <a:rPr lang="de-CH" dirty="0" err="1"/>
-              <a:t>player</a:t>
-            </a:r>
-            <a:endParaRPr lang="de-CH" dirty="0"/>
-          </a:p>
-          <a:p>
-            <a:r>
-              <a:rPr lang="de-CH" dirty="0" err="1"/>
-              <a:t>If</a:t>
-            </a:r>
-            <a:r>
-              <a:rPr lang="de-CH" dirty="0"/>
-              <a:t> </a:t>
-            </a:r>
-            <a:r>
-              <a:rPr lang="de-CH" dirty="0" err="1"/>
-              <a:t>it’s</a:t>
-            </a:r>
-            <a:r>
-              <a:rPr lang="de-CH" dirty="0"/>
-              <a:t> </a:t>
-            </a:r>
-            <a:r>
-              <a:rPr lang="de-CH" dirty="0" err="1"/>
-              <a:t>player</a:t>
-            </a:r>
-            <a:r>
-              <a:rPr lang="de-CH" dirty="0"/>
-              <a:t> 1’s turn: </a:t>
-            </a:r>
-            <a:r>
-              <a:rPr lang="de-CH" dirty="0" err="1"/>
-              <a:t>set</a:t>
-            </a:r>
-            <a:r>
-              <a:rPr lang="de-CH" dirty="0"/>
-              <a:t> </a:t>
-            </a:r>
-            <a:r>
-              <a:rPr lang="de-CH" dirty="0" err="1"/>
-              <a:t>this</a:t>
-            </a:r>
-            <a:r>
-              <a:rPr lang="de-CH" dirty="0"/>
-              <a:t> variable </a:t>
-            </a:r>
-            <a:r>
-              <a:rPr lang="de-CH" dirty="0" err="1"/>
-              <a:t>to</a:t>
-            </a:r>
-            <a:r>
-              <a:rPr lang="de-CH" dirty="0"/>
-              <a:t> 1</a:t>
-            </a:r>
-          </a:p>
-          <a:p>
-            <a:r>
-              <a:rPr lang="de-CH" dirty="0"/>
-              <a:t>Else: </a:t>
-            </a:r>
-            <a:r>
-              <a:rPr lang="de-CH" dirty="0" err="1"/>
-              <a:t>set</a:t>
-            </a:r>
-            <a:r>
-              <a:rPr lang="de-CH" dirty="0"/>
-              <a:t> variable </a:t>
-            </a:r>
-            <a:r>
-              <a:rPr lang="de-CH" dirty="0" err="1"/>
-              <a:t>to</a:t>
-            </a:r>
-            <a:r>
-              <a:rPr lang="de-CH" dirty="0"/>
-              <a:t> 2</a:t>
-            </a:r>
-          </a:p>
-          <a:p>
-            <a:endParaRPr lang="de-CH" dirty="0"/>
-          </a:p>
-          <a:p>
-            <a:r>
-              <a:rPr lang="de-CH" dirty="0" err="1"/>
-              <a:t>We</a:t>
-            </a:r>
-            <a:r>
-              <a:rPr lang="de-CH" dirty="0"/>
-              <a:t> check </a:t>
-            </a:r>
-            <a:r>
-              <a:rPr lang="de-CH" dirty="0" err="1"/>
-              <a:t>horizontally</a:t>
-            </a:r>
-            <a:r>
-              <a:rPr lang="de-CH" dirty="0"/>
-              <a:t>, </a:t>
-            </a:r>
-            <a:r>
-              <a:rPr lang="de-CH" dirty="0" err="1"/>
-              <a:t>vertically</a:t>
-            </a:r>
-            <a:r>
-              <a:rPr lang="de-CH" dirty="0"/>
-              <a:t> </a:t>
-            </a:r>
-            <a:r>
-              <a:rPr lang="de-CH" dirty="0" err="1"/>
-              <a:t>and</a:t>
-            </a:r>
-            <a:r>
-              <a:rPr lang="de-CH" dirty="0"/>
-              <a:t> </a:t>
-            </a:r>
-            <a:r>
-              <a:rPr lang="de-CH" dirty="0" err="1"/>
-              <a:t>horizontally</a:t>
-            </a:r>
-            <a:r>
-              <a:rPr lang="de-CH" dirty="0"/>
-              <a:t>.</a:t>
-            </a:r>
-          </a:p>
-          <a:p>
-            <a:r>
-              <a:rPr lang="de-CH" dirty="0" err="1"/>
-              <a:t>For</a:t>
-            </a:r>
-            <a:r>
-              <a:rPr lang="de-CH" dirty="0"/>
-              <a:t> time </a:t>
-            </a:r>
-            <a:r>
-              <a:rPr lang="de-CH" dirty="0" err="1"/>
-              <a:t>and</a:t>
-            </a:r>
-            <a:r>
-              <a:rPr lang="de-CH" dirty="0"/>
-              <a:t> </a:t>
-            </a:r>
-            <a:r>
-              <a:rPr lang="de-CH" dirty="0" err="1"/>
-              <a:t>space</a:t>
-            </a:r>
-            <a:r>
-              <a:rPr lang="de-CH" dirty="0"/>
-              <a:t> </a:t>
-            </a:r>
-            <a:r>
-              <a:rPr lang="de-CH" dirty="0" err="1"/>
-              <a:t>purposes</a:t>
-            </a:r>
-            <a:r>
-              <a:rPr lang="de-CH" dirty="0"/>
-              <a:t> </a:t>
-            </a:r>
-            <a:r>
-              <a:rPr lang="de-CH" dirty="0" err="1"/>
-              <a:t>we</a:t>
-            </a:r>
-            <a:r>
-              <a:rPr lang="de-CH" dirty="0"/>
-              <a:t> </a:t>
-            </a:r>
-            <a:r>
-              <a:rPr lang="de-CH" dirty="0" err="1"/>
-              <a:t>only</a:t>
-            </a:r>
-            <a:r>
-              <a:rPr lang="de-CH" dirty="0"/>
-              <a:t> </a:t>
-            </a:r>
-            <a:r>
-              <a:rPr lang="de-CH" dirty="0" err="1"/>
-              <a:t>look</a:t>
-            </a:r>
-            <a:r>
-              <a:rPr lang="de-CH" dirty="0"/>
-              <a:t> at </a:t>
-            </a:r>
-            <a:r>
-              <a:rPr lang="de-CH" dirty="0" err="1"/>
-              <a:t>one</a:t>
-            </a:r>
-            <a:r>
-              <a:rPr lang="de-CH" dirty="0"/>
-              <a:t> </a:t>
-            </a:r>
-            <a:r>
-              <a:rPr lang="de-CH" dirty="0" err="1"/>
-              <a:t>case</a:t>
-            </a:r>
-            <a:r>
-              <a:rPr lang="de-CH" dirty="0"/>
-              <a:t>:</a:t>
-            </a:r>
-          </a:p>
-          <a:p>
-            <a:endParaRPr lang="de-CH" dirty="0"/>
-          </a:p>
-          <a:p>
-            <a:r>
-              <a:rPr lang="de-CH" dirty="0"/>
-              <a:t>New variable </a:t>
-            </a:r>
-            <a:r>
-              <a:rPr lang="de-CH" dirty="0" err="1"/>
-              <a:t>which</a:t>
-            </a:r>
-            <a:r>
-              <a:rPr lang="de-CH" dirty="0"/>
-              <a:t> </a:t>
-            </a:r>
-            <a:r>
-              <a:rPr lang="de-CH" dirty="0" err="1"/>
-              <a:t>is</a:t>
-            </a:r>
-            <a:r>
-              <a:rPr lang="de-CH" dirty="0"/>
-              <a:t> </a:t>
-            </a:r>
-            <a:r>
-              <a:rPr lang="de-CH" dirty="0" err="1"/>
-              <a:t>equal</a:t>
-            </a:r>
-            <a:r>
-              <a:rPr lang="de-CH" dirty="0"/>
-              <a:t> </a:t>
-            </a:r>
-            <a:r>
-              <a:rPr lang="de-CH" dirty="0" err="1"/>
-              <a:t>to</a:t>
-            </a:r>
-            <a:r>
-              <a:rPr lang="de-CH" dirty="0"/>
-              <a:t> </a:t>
-            </a:r>
-            <a:r>
-              <a:rPr lang="de-CH" dirty="0" err="1"/>
-              <a:t>active</a:t>
-            </a:r>
-            <a:r>
-              <a:rPr lang="de-CH" dirty="0"/>
-              <a:t> </a:t>
-            </a:r>
-            <a:r>
-              <a:rPr lang="de-CH" dirty="0" err="1"/>
-              <a:t>player</a:t>
-            </a:r>
-            <a:endParaRPr lang="de-CH" dirty="0"/>
-          </a:p>
-          <a:p>
-            <a:r>
-              <a:rPr lang="de-CH" dirty="0"/>
-              <a:t>New variable </a:t>
-            </a:r>
-            <a:r>
-              <a:rPr lang="de-CH" dirty="0" err="1"/>
-              <a:t>which</a:t>
-            </a:r>
-            <a:r>
-              <a:rPr lang="de-CH" dirty="0"/>
-              <a:t> </a:t>
-            </a:r>
-            <a:r>
-              <a:rPr lang="de-CH" dirty="0" err="1"/>
-              <a:t>is</a:t>
-            </a:r>
-            <a:r>
-              <a:rPr lang="de-CH" dirty="0"/>
-              <a:t> </a:t>
-            </a:r>
-            <a:r>
-              <a:rPr lang="de-CH" dirty="0" err="1"/>
-              <a:t>equal</a:t>
-            </a:r>
-            <a:r>
-              <a:rPr lang="de-CH" dirty="0"/>
-              <a:t> </a:t>
-            </a:r>
-            <a:r>
-              <a:rPr lang="de-CH" dirty="0" err="1"/>
-              <a:t>to</a:t>
-            </a:r>
-            <a:r>
-              <a:rPr lang="de-CH" dirty="0"/>
-              <a:t> </a:t>
-            </a:r>
-            <a:r>
-              <a:rPr lang="de-CH" dirty="0" err="1"/>
-              <a:t>the</a:t>
-            </a:r>
-            <a:r>
-              <a:rPr lang="de-CH" dirty="0"/>
-              <a:t> </a:t>
-            </a:r>
-            <a:r>
-              <a:rPr lang="de-CH" dirty="0" err="1"/>
-              <a:t>chosen</a:t>
-            </a:r>
-            <a:r>
-              <a:rPr lang="de-CH" dirty="0"/>
-              <a:t> </a:t>
-            </a:r>
-            <a:r>
-              <a:rPr lang="de-CH" dirty="0" err="1"/>
-              <a:t>column</a:t>
-            </a:r>
-            <a:r>
-              <a:rPr lang="de-CH" dirty="0"/>
-              <a:t> (</a:t>
-            </a:r>
-            <a:r>
-              <a:rPr lang="de-CH" dirty="0" err="1"/>
-              <a:t>column</a:t>
-            </a:r>
-            <a:r>
-              <a:rPr lang="de-CH" dirty="0"/>
-              <a:t> in </a:t>
-            </a:r>
-            <a:r>
-              <a:rPr lang="de-CH" dirty="0" err="1"/>
-              <a:t>which</a:t>
-            </a:r>
-            <a:r>
-              <a:rPr lang="de-CH" dirty="0"/>
-              <a:t> </a:t>
-            </a:r>
-            <a:r>
-              <a:rPr lang="de-CH" dirty="0" err="1"/>
-              <a:t>the</a:t>
-            </a:r>
-            <a:r>
-              <a:rPr lang="de-CH" dirty="0"/>
-              <a:t> </a:t>
-            </a:r>
-            <a:r>
-              <a:rPr lang="de-CH" dirty="0" err="1"/>
-              <a:t>stone</a:t>
-            </a:r>
-            <a:r>
-              <a:rPr lang="de-CH" dirty="0"/>
-              <a:t> was </a:t>
-            </a:r>
-            <a:r>
-              <a:rPr lang="de-CH" dirty="0" err="1"/>
-              <a:t>placed</a:t>
-            </a:r>
-            <a:r>
-              <a:rPr lang="de-CH" dirty="0"/>
-              <a:t>)</a:t>
-            </a:r>
-          </a:p>
-          <a:p>
-            <a:endParaRPr lang="de-CH" dirty="0"/>
-          </a:p>
-          <a:p>
-            <a:r>
-              <a:rPr lang="de-CH" dirty="0" err="1"/>
-              <a:t>While</a:t>
-            </a:r>
-            <a:r>
-              <a:rPr lang="de-CH" dirty="0"/>
-              <a:t> </a:t>
-            </a:r>
-            <a:r>
-              <a:rPr lang="de-CH" dirty="0" err="1"/>
-              <a:t>loop</a:t>
-            </a:r>
-            <a:r>
-              <a:rPr lang="de-CH" dirty="0"/>
-              <a:t>: </a:t>
-            </a:r>
-            <a:r>
-              <a:rPr lang="de-CH" dirty="0" err="1"/>
-              <a:t>we</a:t>
-            </a:r>
-            <a:r>
-              <a:rPr lang="de-CH" dirty="0"/>
-              <a:t> </a:t>
-            </a:r>
-            <a:r>
-              <a:rPr lang="de-CH" dirty="0" err="1"/>
-              <a:t>move</a:t>
-            </a:r>
-            <a:r>
-              <a:rPr lang="de-CH" dirty="0"/>
-              <a:t> </a:t>
-            </a:r>
-            <a:r>
-              <a:rPr lang="de-CH" dirty="0" err="1"/>
-              <a:t>from</a:t>
-            </a:r>
-            <a:r>
-              <a:rPr lang="de-CH" dirty="0"/>
-              <a:t> </a:t>
-            </a:r>
-            <a:r>
-              <a:rPr lang="de-CH" dirty="0" err="1"/>
-              <a:t>column</a:t>
-            </a:r>
-            <a:r>
-              <a:rPr lang="de-CH" dirty="0"/>
-              <a:t> </a:t>
-            </a:r>
-            <a:r>
-              <a:rPr lang="de-CH" dirty="0" err="1"/>
-              <a:t>to</a:t>
-            </a:r>
-            <a:r>
-              <a:rPr lang="de-CH" dirty="0"/>
-              <a:t> </a:t>
-            </a:r>
-            <a:r>
-              <a:rPr lang="de-CH" dirty="0" err="1"/>
-              <a:t>column</a:t>
-            </a:r>
-            <a:r>
-              <a:rPr lang="de-CH" dirty="0"/>
-              <a:t> </a:t>
-            </a:r>
-            <a:r>
-              <a:rPr lang="de-CH" dirty="0" err="1"/>
-              <a:t>for</a:t>
-            </a:r>
-            <a:r>
-              <a:rPr lang="de-CH" dirty="0"/>
-              <a:t> </a:t>
-            </a:r>
-            <a:r>
-              <a:rPr lang="de-CH" dirty="0" err="1"/>
-              <a:t>as</a:t>
-            </a:r>
-            <a:r>
-              <a:rPr lang="de-CH" dirty="0"/>
-              <a:t> </a:t>
-            </a:r>
-            <a:r>
-              <a:rPr lang="de-CH" dirty="0" err="1"/>
-              <a:t>long</a:t>
-            </a:r>
-            <a:r>
-              <a:rPr lang="de-CH" dirty="0"/>
-              <a:t> </a:t>
-            </a:r>
-            <a:r>
-              <a:rPr lang="de-CH" dirty="0" err="1"/>
-              <a:t>as</a:t>
-            </a:r>
-            <a:r>
-              <a:rPr lang="de-CH" dirty="0"/>
-              <a:t> </a:t>
-            </a:r>
-            <a:r>
-              <a:rPr lang="de-CH" dirty="0" err="1"/>
-              <a:t>the</a:t>
-            </a:r>
-            <a:r>
-              <a:rPr lang="de-CH" dirty="0"/>
-              <a:t> </a:t>
-            </a:r>
-            <a:r>
-              <a:rPr lang="de-CH" dirty="0" err="1"/>
-              <a:t>owner</a:t>
-            </a:r>
-            <a:r>
-              <a:rPr lang="de-CH" dirty="0"/>
-              <a:t> </a:t>
-            </a:r>
-            <a:r>
-              <a:rPr lang="de-CH" dirty="0" err="1"/>
-              <a:t>of</a:t>
-            </a:r>
-            <a:r>
-              <a:rPr lang="de-CH" dirty="0"/>
-              <a:t> </a:t>
-            </a:r>
-            <a:r>
-              <a:rPr lang="de-CH" dirty="0" err="1"/>
-              <a:t>the</a:t>
-            </a:r>
-            <a:r>
-              <a:rPr lang="de-CH" dirty="0"/>
-              <a:t> </a:t>
-            </a:r>
-            <a:r>
-              <a:rPr lang="de-CH" dirty="0" err="1"/>
-              <a:t>stone</a:t>
-            </a:r>
-            <a:r>
-              <a:rPr lang="de-CH" dirty="0"/>
-              <a:t> </a:t>
-            </a:r>
-            <a:r>
-              <a:rPr lang="de-CH" dirty="0" err="1"/>
-              <a:t>is</a:t>
-            </a:r>
-            <a:r>
-              <a:rPr lang="de-CH" dirty="0"/>
-              <a:t> </a:t>
-            </a:r>
-            <a:r>
-              <a:rPr lang="de-CH" dirty="0" err="1"/>
-              <a:t>the</a:t>
-            </a:r>
-            <a:r>
-              <a:rPr lang="de-CH" dirty="0"/>
-              <a:t> </a:t>
-            </a:r>
-            <a:r>
-              <a:rPr lang="de-CH" dirty="0" err="1"/>
-              <a:t>active</a:t>
-            </a:r>
-            <a:r>
-              <a:rPr lang="de-CH" dirty="0"/>
-              <a:t> </a:t>
-            </a:r>
-            <a:r>
-              <a:rPr lang="de-CH" dirty="0" err="1"/>
-              <a:t>player</a:t>
-            </a:r>
-            <a:r>
-              <a:rPr lang="de-CH" dirty="0"/>
-              <a:t> </a:t>
-            </a:r>
-            <a:r>
-              <a:rPr lang="de-CH" dirty="0" err="1"/>
-              <a:t>and</a:t>
-            </a:r>
-            <a:r>
-              <a:rPr lang="de-CH" dirty="0"/>
-              <a:t> </a:t>
-            </a:r>
-            <a:r>
-              <a:rPr lang="de-CH" dirty="0" err="1"/>
-              <a:t>the</a:t>
-            </a:r>
-            <a:r>
-              <a:rPr lang="de-CH" dirty="0"/>
-              <a:t> </a:t>
-            </a:r>
-            <a:r>
-              <a:rPr lang="de-CH" dirty="0" err="1"/>
-              <a:t>column</a:t>
-            </a:r>
-            <a:r>
-              <a:rPr lang="de-CH" dirty="0"/>
-              <a:t> </a:t>
-            </a:r>
-            <a:r>
-              <a:rPr lang="de-CH" dirty="0" err="1"/>
-              <a:t>number</a:t>
-            </a:r>
-            <a:r>
-              <a:rPr lang="de-CH" dirty="0"/>
-              <a:t> </a:t>
-            </a:r>
-            <a:r>
-              <a:rPr lang="de-CH" dirty="0" err="1"/>
-              <a:t>is</a:t>
-            </a:r>
-            <a:r>
-              <a:rPr lang="de-CH" dirty="0"/>
-              <a:t> at </a:t>
-            </a:r>
-            <a:r>
-              <a:rPr lang="de-CH" dirty="0" err="1"/>
-              <a:t>the</a:t>
-            </a:r>
-            <a:r>
-              <a:rPr lang="de-CH" dirty="0"/>
-              <a:t> </a:t>
-            </a:r>
-            <a:r>
-              <a:rPr lang="de-CH" dirty="0" err="1"/>
-              <a:t>highest</a:t>
-            </a:r>
-            <a:r>
-              <a:rPr lang="de-CH" dirty="0"/>
-              <a:t> 6. </a:t>
-            </a:r>
-            <a:r>
-              <a:rPr lang="de-CH" dirty="0" err="1"/>
-              <a:t>When</a:t>
-            </a:r>
-            <a:r>
-              <a:rPr lang="de-CH" dirty="0"/>
-              <a:t> all </a:t>
-            </a:r>
-            <a:r>
-              <a:rPr lang="de-CH" dirty="0" err="1"/>
-              <a:t>these</a:t>
-            </a:r>
-            <a:r>
-              <a:rPr lang="de-CH" dirty="0"/>
-              <a:t> </a:t>
-            </a:r>
-            <a:r>
-              <a:rPr lang="de-CH" dirty="0" err="1"/>
-              <a:t>criterias</a:t>
-            </a:r>
-            <a:r>
-              <a:rPr lang="de-CH" dirty="0"/>
-              <a:t> </a:t>
-            </a:r>
-            <a:r>
-              <a:rPr lang="de-CH" dirty="0" err="1"/>
-              <a:t>are</a:t>
-            </a:r>
-            <a:r>
-              <a:rPr lang="de-CH" dirty="0"/>
-              <a:t> </a:t>
-            </a:r>
-            <a:r>
-              <a:rPr lang="de-CH" dirty="0" err="1"/>
-              <a:t>met</a:t>
-            </a:r>
-            <a:r>
-              <a:rPr lang="de-CH" dirty="0"/>
-              <a:t>, </a:t>
-            </a:r>
-            <a:r>
-              <a:rPr lang="de-CH" dirty="0" err="1"/>
-              <a:t>we</a:t>
-            </a:r>
-            <a:r>
-              <a:rPr lang="de-CH" dirty="0"/>
-              <a:t> </a:t>
-            </a:r>
-            <a:r>
-              <a:rPr lang="de-CH" dirty="0" err="1"/>
-              <a:t>add</a:t>
-            </a:r>
-            <a:r>
-              <a:rPr lang="de-CH" dirty="0"/>
-              <a:t> </a:t>
-            </a:r>
-            <a:r>
-              <a:rPr lang="de-CH" dirty="0" err="1"/>
-              <a:t>one</a:t>
-            </a:r>
-            <a:r>
-              <a:rPr lang="de-CH" dirty="0"/>
-              <a:t> </a:t>
-            </a:r>
-            <a:r>
-              <a:rPr lang="de-CH" dirty="0" err="1"/>
-              <a:t>victory</a:t>
-            </a:r>
-            <a:r>
-              <a:rPr lang="de-CH" dirty="0"/>
-              <a:t> </a:t>
-            </a:r>
-            <a:r>
-              <a:rPr lang="de-CH" dirty="0" err="1"/>
-              <a:t>point</a:t>
-            </a:r>
-            <a:endParaRPr lang="de-CH" dirty="0"/>
-          </a:p>
-          <a:p>
-            <a:r>
-              <a:rPr lang="de-CH" dirty="0" err="1"/>
-              <a:t>Having</a:t>
-            </a:r>
-            <a:r>
-              <a:rPr lang="de-CH" dirty="0"/>
-              <a:t> 4 (</a:t>
-            </a:r>
-            <a:r>
-              <a:rPr lang="de-CH" dirty="0" err="1"/>
-              <a:t>or</a:t>
-            </a:r>
-            <a:r>
-              <a:rPr lang="de-CH" dirty="0"/>
-              <a:t> </a:t>
-            </a:r>
-            <a:r>
-              <a:rPr lang="de-CH" dirty="0" err="1"/>
-              <a:t>more</a:t>
-            </a:r>
-            <a:r>
-              <a:rPr lang="de-CH" dirty="0"/>
-              <a:t>) </a:t>
-            </a:r>
-            <a:r>
-              <a:rPr lang="de-CH" dirty="0" err="1"/>
-              <a:t>victory</a:t>
-            </a:r>
-            <a:r>
-              <a:rPr lang="de-CH" dirty="0"/>
-              <a:t> </a:t>
-            </a:r>
-            <a:r>
-              <a:rPr lang="de-CH" dirty="0" err="1"/>
-              <a:t>points</a:t>
-            </a:r>
-            <a:r>
-              <a:rPr lang="de-CH" dirty="0"/>
-              <a:t> </a:t>
-            </a:r>
-            <a:r>
-              <a:rPr lang="de-CH" dirty="0" err="1"/>
-              <a:t>starts</a:t>
-            </a:r>
-            <a:r>
-              <a:rPr lang="de-CH" dirty="0"/>
-              <a:t> </a:t>
-            </a:r>
-            <a:r>
-              <a:rPr lang="de-CH" dirty="0" err="1"/>
-              <a:t>the</a:t>
-            </a:r>
-            <a:r>
-              <a:rPr lang="de-CH" dirty="0"/>
-              <a:t> </a:t>
-            </a:r>
-            <a:r>
-              <a:rPr lang="de-CH" dirty="0" err="1"/>
-              <a:t>playerWon</a:t>
-            </a:r>
-            <a:r>
-              <a:rPr lang="de-CH" dirty="0"/>
-              <a:t> </a:t>
-            </a:r>
-            <a:r>
-              <a:rPr lang="de-CH" dirty="0" err="1"/>
-              <a:t>function</a:t>
-            </a:r>
-            <a:r>
-              <a:rPr lang="de-CH" dirty="0"/>
-              <a:t> (not on </a:t>
-            </a:r>
-            <a:r>
-              <a:rPr lang="de-CH" dirty="0" err="1"/>
-              <a:t>this</a:t>
-            </a:r>
-            <a:r>
-              <a:rPr lang="de-CH" dirty="0"/>
-              <a:t> </a:t>
-            </a:r>
-            <a:r>
-              <a:rPr lang="de-CH" dirty="0" err="1"/>
-              <a:t>slide</a:t>
-            </a:r>
-            <a:r>
-              <a:rPr lang="de-CH" dirty="0"/>
-              <a:t>)</a:t>
-            </a:r>
-          </a:p>
-          <a:p>
-            <a:endParaRPr lang="de-CH" dirty="0"/>
-          </a:p>
-          <a:p>
-            <a:r>
-              <a:rPr lang="de-CH" dirty="0"/>
-              <a:t>The SC </a:t>
-            </a:r>
-            <a:r>
-              <a:rPr lang="de-CH" dirty="0" err="1"/>
-              <a:t>does</a:t>
-            </a:r>
-            <a:r>
-              <a:rPr lang="de-CH" dirty="0"/>
-              <a:t> </a:t>
-            </a:r>
-            <a:r>
-              <a:rPr lang="de-CH" dirty="0" err="1"/>
-              <a:t>this</a:t>
-            </a:r>
-            <a:r>
-              <a:rPr lang="de-CH" dirty="0"/>
-              <a:t> </a:t>
-            </a:r>
-            <a:r>
-              <a:rPr lang="de-CH" dirty="0" err="1"/>
-              <a:t>horizontally</a:t>
-            </a:r>
-            <a:r>
-              <a:rPr lang="de-CH" dirty="0"/>
-              <a:t> (</a:t>
-            </a:r>
-            <a:r>
-              <a:rPr lang="de-CH" dirty="0" err="1"/>
-              <a:t>left</a:t>
-            </a:r>
-            <a:r>
-              <a:rPr lang="de-CH" dirty="0"/>
-              <a:t>, </a:t>
-            </a:r>
-            <a:r>
-              <a:rPr lang="de-CH" dirty="0" err="1"/>
-              <a:t>right</a:t>
-            </a:r>
-            <a:r>
-              <a:rPr lang="de-CH" dirty="0"/>
-              <a:t>), </a:t>
-            </a:r>
-            <a:r>
-              <a:rPr lang="de-CH" dirty="0" err="1"/>
-              <a:t>vertically</a:t>
-            </a:r>
-            <a:r>
-              <a:rPr lang="de-CH" dirty="0"/>
-              <a:t> (down) </a:t>
-            </a:r>
-            <a:r>
-              <a:rPr lang="de-CH" dirty="0" err="1"/>
-              <a:t>and</a:t>
-            </a:r>
-            <a:r>
-              <a:rPr lang="de-CH" dirty="0"/>
-              <a:t> </a:t>
-            </a:r>
-            <a:r>
-              <a:rPr lang="de-CH" dirty="0" err="1"/>
-              <a:t>diagonally</a:t>
-            </a:r>
-            <a:r>
-              <a:rPr lang="de-CH" dirty="0"/>
-              <a:t> (all </a:t>
-            </a:r>
-            <a:r>
-              <a:rPr lang="de-CH" dirty="0" err="1"/>
-              <a:t>directions</a:t>
-            </a:r>
-            <a:r>
-              <a:rPr lang="de-CH" dirty="0"/>
-              <a:t>).</a:t>
-            </a:r>
-          </a:p>
-          <a:p>
-            <a:endParaRPr lang="de-CH" dirty="0"/>
-          </a:p>
-          <a:p>
-            <a:endParaRPr lang="de-CH" dirty="0"/>
-          </a:p>
-          <a:p>
-            <a:r>
-              <a:rPr lang="de-CH" dirty="0"/>
-              <a:t>QUESTION FROM MG: Wie versteht der SC, wenn wir einen Stein in der Mitte der Siegesstrasse legen?</a:t>
-            </a:r>
-          </a:p>
-          <a:p>
-            <a:r>
-              <a:rPr lang="de-CH" dirty="0" err="1"/>
-              <a:t>zB</a:t>
-            </a:r>
-            <a:r>
-              <a:rPr lang="de-CH" dirty="0"/>
-              <a:t>: 011_10 -&gt; 011110. sucht der </a:t>
-            </a:r>
-            <a:r>
-              <a:rPr lang="de-CH" dirty="0" err="1"/>
-              <a:t>contract</a:t>
-            </a:r>
-            <a:r>
-              <a:rPr lang="de-CH" dirty="0"/>
-              <a:t> jetzt nicht nur von _ aus nach rechts (und entdeckt 2 </a:t>
-            </a:r>
-            <a:r>
-              <a:rPr lang="de-CH" dirty="0" err="1"/>
-              <a:t>victorypoints</a:t>
-            </a:r>
-            <a:r>
-              <a:rPr lang="de-CH" dirty="0"/>
-              <a:t>?), verwirft das ganze, sucht wieder nach links (und entdeckt 3 </a:t>
-            </a:r>
-            <a:r>
-              <a:rPr lang="de-CH" dirty="0" err="1"/>
-              <a:t>victorypoints</a:t>
-            </a:r>
-            <a:r>
-              <a:rPr lang="de-CH" dirty="0"/>
-              <a:t>?)?</a:t>
-            </a:r>
-          </a:p>
-        </p:txBody>
-      </p:sp>
-      <p:sp>
-        <p:nvSpPr>
-          <p:cNvPr id="4" name="Slide Number Placeholder 3"/>
-          <p:cNvSpPr>
-            <a:spLocks noGrp="1"/>
-          </p:cNvSpPr>
-          <p:nvPr>
-            <p:ph type="sldNum" sz="quarter" idx="5"/>
-          </p:nvPr>
-        </p:nvSpPr>
-        <p:spPr/>
-        <p:txBody>
-          <a:bodyPr/>
-          <a:lstStyle/>
-          <a:p>
-            <a:fld id="{F079726E-9332-8945-9B56-DA4499D9CAE0}" type="slidenum">
-              <a:rPr lang="de-CH" smtClean="0"/>
-              <a:t>10</a:t>
-            </a:fld>
-            <a:endParaRPr lang="de-CH"/>
-          </a:p>
-        </p:txBody>
-      </p:sp>
-    </p:spTree>
-    <p:extLst>
-      <p:ext uri="{BB962C8B-B14F-4D97-AF65-F5344CB8AC3E}">
-        <p14:creationId xmlns:p14="http://schemas.microsoft.com/office/powerpoint/2010/main" val="1060718210"/>
-      </p:ext>
-    </p:extLst>
-  </p:cSld>
-  <p:clrMapOvr>
-    <a:masterClrMapping/>
-  </p:clrMapOvr>
-</p:notes>
-</file>
-
 <file path=ppt/notesSlides/notesSlide2.xml><?xml version="1.0" encoding="utf-8"?>
 <p:notes xmlns:a="http://schemas.openxmlformats.org/drawingml/2006/main" xmlns:r="http://schemas.openxmlformats.org/officeDocument/2006/relationships" xmlns:p="http://schemas.openxmlformats.org/presentationml/2006/main">
   <p:cSld>
@@ -1629,7 +638,22 @@
           <a:p>
             <a:r>
               <a:rPr lang="de-CH" dirty="0" err="1"/>
-              <a:t>Playing</a:t>
+              <a:t>Explain</a:t>
+            </a:r>
+            <a:r>
+              <a:rPr lang="de-CH" dirty="0"/>
+              <a:t> OUR </a:t>
+            </a:r>
+            <a:r>
+              <a:rPr lang="de-CH" dirty="0" err="1"/>
+              <a:t>rules</a:t>
+            </a:r>
+            <a:endParaRPr lang="de-CH" dirty="0"/>
+          </a:p>
+          <a:p>
+            <a:r>
+              <a:rPr lang="de-CH" dirty="0" err="1"/>
+              <a:t>Possiblity</a:t>
             </a:r>
             <a:r>
               <a:rPr lang="de-CH" dirty="0"/>
@@ -1637,15 +661,7 @@
             </a:r>
             <a:r>
               <a:rPr lang="de-CH" dirty="0" err="1"/>
-              <a:t>with</a:t>
-            </a:r>
-            <a:r>
-              <a:rPr lang="de-CH" dirty="0"/>
-              <a:t> a </a:t>
-            </a:r>
-            <a:r>
-              <a:rPr lang="de-CH" dirty="0" err="1"/>
-              <a:t>grid</a:t>
+              <a:t>to</a:t>
             </a:r>
             <a:r>
               <a:rPr lang="de-CH" dirty="0"/>
@@ -1653,11 +669,105 @@
             </a:r>
             <a:r>
               <a:rPr lang="de-CH" dirty="0" err="1"/>
-              <a:t>is</a:t>
-            </a:r>
-            <a:r>
-              <a:rPr lang="de-CH" dirty="0"/>
-              <a:t> not </a:t>
+              <a:t>win</a:t>
+            </a:r>
+            <a:r>
+              <a:rPr lang="de-CH" dirty="0"/>
+              <a:t> (BLUE)</a:t>
+            </a:r>
+          </a:p>
+          <a:p>
+            <a:r>
+              <a:rPr lang="de-CH" dirty="0"/>
+              <a:t>Special </a:t>
+            </a:r>
+            <a:r>
+              <a:rPr lang="de-CH" dirty="0" err="1"/>
+              <a:t>case</a:t>
+            </a:r>
+            <a:r>
+              <a:rPr lang="de-CH" dirty="0"/>
+              <a:t>: </a:t>
+            </a:r>
+            <a:r>
+              <a:rPr lang="de-CH" dirty="0" err="1"/>
+              <a:t>there</a:t>
+            </a:r>
+            <a:r>
+              <a:rPr lang="de-CH" dirty="0"/>
+              <a:t> </a:t>
+            </a:r>
+            <a:r>
+              <a:rPr lang="de-CH" dirty="0" err="1"/>
+              <a:t>may</a:t>
+            </a:r>
+            <a:r>
+              <a:rPr lang="de-CH" dirty="0"/>
+              <a:t> </a:t>
+            </a:r>
+            <a:r>
+              <a:rPr lang="de-CH" dirty="0" err="1"/>
+              <a:t>be</a:t>
+            </a:r>
+            <a:r>
+              <a:rPr lang="de-CH" dirty="0"/>
+              <a:t> 5 in a </a:t>
+            </a:r>
+            <a:r>
+              <a:rPr lang="de-CH" dirty="0" err="1"/>
+              <a:t>row</a:t>
+            </a:r>
+            <a:r>
+              <a:rPr lang="de-CH" dirty="0"/>
+              <a:t>! </a:t>
+            </a:r>
+            <a:r>
+              <a:rPr lang="de-CH" dirty="0" err="1"/>
+              <a:t>Make</a:t>
+            </a:r>
+            <a:r>
+              <a:rPr lang="de-CH" dirty="0"/>
+              <a:t> </a:t>
+            </a:r>
+            <a:r>
+              <a:rPr lang="de-CH" dirty="0" err="1"/>
+              <a:t>sure</a:t>
+            </a:r>
+            <a:r>
+              <a:rPr lang="de-CH" dirty="0"/>
+              <a:t> </a:t>
+            </a:r>
+            <a:r>
+              <a:rPr lang="de-CH" dirty="0" err="1"/>
+              <a:t>the</a:t>
+            </a:r>
+            <a:r>
+              <a:rPr lang="de-CH" dirty="0"/>
+              <a:t> </a:t>
+            </a:r>
+            <a:r>
+              <a:rPr lang="de-CH" dirty="0" err="1"/>
+              <a:t>contract</a:t>
+            </a:r>
+            <a:r>
+              <a:rPr lang="de-CH" dirty="0"/>
+              <a:t> </a:t>
+            </a:r>
+            <a:r>
+              <a:rPr lang="de-CH" dirty="0" err="1"/>
+              <a:t>allows</a:t>
+            </a:r>
+            <a:r>
+              <a:rPr lang="de-CH" dirty="0"/>
+              <a:t> </a:t>
+            </a:r>
+            <a:r>
+              <a:rPr lang="de-CH" dirty="0" err="1"/>
+              <a:t>this</a:t>
+            </a:r>
+            <a:r>
+              <a:rPr lang="de-CH" dirty="0"/>
+              <a:t> </a:t>
             </a:r>
             <a:r>
               <a:rPr lang="de-CH" dirty="0" err="1"/>
@@ -1669,11 +779,11 @@
             </a:r>
             <a:r>
               <a:rPr lang="de-CH" dirty="0" err="1"/>
-              <a:t>fun</a:t>
-            </a:r>
-            <a:r>
-              <a:rPr lang="de-CH" dirty="0"/>
-              <a:t> -&gt; front-end</a:t>
+              <a:t>well</a:t>
+            </a:r>
+            <a:r>
+              <a:rPr lang="de-CH" dirty="0"/>
+              <a:t>!</a:t>
             </a:r>
           </a:p>
         </p:txBody>
@@ -1695,7 +805,7 @@
           <a:p>
             <a:fld id="{F079726E-9332-8945-9B56-DA4499D9CAE0}" type="slidenum">
               <a:rPr lang="de-CH" smtClean="0"/>
-              <a:t>2</a:t>
+              <a:t>6</a:t>
             </a:fld>
             <a:endParaRPr lang="de-CH"/>
           </a:p>
@@ -1704,7 +814,7 @@
     </p:spTree>
     <p:extLst>
       <p:ext uri="{BB962C8B-B14F-4D97-AF65-F5344CB8AC3E}">
-        <p14:creationId xmlns:p14="http://schemas.microsoft.com/office/powerpoint/2010/main" val="2845285426"/>
+        <p14:creationId xmlns:p14="http://schemas.microsoft.com/office/powerpoint/2010/main" val="3705695672"/>
       </p:ext>
     </p:extLst>
   </p:cSld>
@@ -1759,28 +869,8 @@
           <a:lstStyle/>
           <a:p>
             <a:r>
-              <a:rPr lang="de-CH" dirty="0"/>
-              <a:t>Play </a:t>
-            </a:r>
-            <a:r>
-              <a:rPr lang="de-CH" dirty="0" err="1"/>
-              <a:t>for</a:t>
-            </a:r>
-            <a:r>
-              <a:rPr lang="de-CH" dirty="0"/>
-              <a:t> ETH </a:t>
-            </a:r>
-            <a:r>
-              <a:rPr lang="de-CH" dirty="0" err="1"/>
-              <a:t>with</a:t>
-            </a:r>
-            <a:r>
-              <a:rPr lang="de-CH" dirty="0"/>
-              <a:t> a </a:t>
-            </a:r>
-            <a:r>
-              <a:rPr lang="de-CH" dirty="0" err="1"/>
-              <a:t>few</a:t>
+              <a:rPr lang="de-CH" dirty="0" err="1"/>
+              <a:t>Possibility</a:t>
             </a:r>
             <a:r>
               <a:rPr lang="de-CH" dirty="0"/>
@@ -1788,9 +878,122 @@
             </a:r>
             <a:r>
               <a:rPr lang="de-CH" dirty="0" err="1"/>
-              <a:t>adjustments</a:t>
-            </a:r>
-            <a:endParaRPr lang="de-CH" dirty="0"/>
+              <a:t>to</a:t>
+            </a:r>
+            <a:r>
+              <a:rPr lang="de-CH" dirty="0"/>
+              <a:t> </a:t>
+            </a:r>
+            <a:r>
+              <a:rPr lang="de-CH" dirty="0" err="1"/>
+              <a:t>win</a:t>
+            </a:r>
+            <a:r>
+              <a:rPr lang="de-CH" dirty="0"/>
+              <a:t> (RED)</a:t>
+            </a:r>
+          </a:p>
+          <a:p>
+            <a:r>
+              <a:rPr lang="de-CH" dirty="0"/>
+              <a:t>Special Case: </a:t>
+            </a:r>
+            <a:r>
+              <a:rPr lang="de-CH" dirty="0" err="1"/>
+              <a:t>player</a:t>
+            </a:r>
+            <a:r>
+              <a:rPr lang="de-CH" dirty="0"/>
+              <a:t> </a:t>
+            </a:r>
+            <a:r>
+              <a:rPr lang="de-CH" dirty="0" err="1"/>
+              <a:t>wins</a:t>
+            </a:r>
+            <a:r>
+              <a:rPr lang="de-CH" dirty="0"/>
+              <a:t> in </a:t>
+            </a:r>
+            <a:r>
+              <a:rPr lang="de-CH" dirty="0" err="1"/>
+              <a:t>two</a:t>
+            </a:r>
+            <a:r>
+              <a:rPr lang="de-CH" dirty="0"/>
+              <a:t> </a:t>
+            </a:r>
+            <a:r>
+              <a:rPr lang="de-CH" dirty="0" err="1"/>
+              <a:t>ways</a:t>
+            </a:r>
+            <a:r>
+              <a:rPr lang="de-CH" dirty="0"/>
+              <a:t>. </a:t>
+            </a:r>
+            <a:r>
+              <a:rPr lang="de-CH" dirty="0" err="1"/>
+              <a:t>Make</a:t>
+            </a:r>
+            <a:r>
+              <a:rPr lang="de-CH" dirty="0"/>
+              <a:t> </a:t>
+            </a:r>
+            <a:r>
+              <a:rPr lang="de-CH" dirty="0" err="1"/>
+              <a:t>sure</a:t>
+            </a:r>
+            <a:r>
+              <a:rPr lang="de-CH" dirty="0"/>
+              <a:t> </a:t>
+            </a:r>
+            <a:r>
+              <a:rPr lang="de-CH" dirty="0" err="1"/>
+              <a:t>the</a:t>
+            </a:r>
+            <a:r>
+              <a:rPr lang="de-CH" dirty="0"/>
+              <a:t> </a:t>
+            </a:r>
+            <a:r>
+              <a:rPr lang="de-CH" dirty="0" err="1"/>
+              <a:t>contract</a:t>
+            </a:r>
+            <a:r>
+              <a:rPr lang="de-CH" dirty="0"/>
+              <a:t> </a:t>
+            </a:r>
+            <a:r>
+              <a:rPr lang="de-CH" dirty="0" err="1"/>
+              <a:t>doesn’t</a:t>
+            </a:r>
+            <a:r>
+              <a:rPr lang="de-CH" dirty="0"/>
+              <a:t> do </a:t>
+            </a:r>
+            <a:r>
+              <a:rPr lang="de-CH" dirty="0" err="1"/>
+              <a:t>anything</a:t>
+            </a:r>
+            <a:r>
+              <a:rPr lang="de-CH" dirty="0"/>
+              <a:t> </a:t>
+            </a:r>
+            <a:r>
+              <a:rPr lang="de-CH" dirty="0" err="1"/>
+              <a:t>twice</a:t>
+            </a:r>
+            <a:r>
+              <a:rPr lang="de-CH" dirty="0"/>
+              <a:t>... (like a </a:t>
+            </a:r>
+            <a:r>
+              <a:rPr lang="de-CH" dirty="0" err="1"/>
+              <a:t>payout</a:t>
+            </a:r>
+            <a:r>
+              <a:rPr lang="de-CH" dirty="0"/>
+              <a:t>)</a:t>
+            </a:r>
           </a:p>
         </p:txBody>
       </p:sp>
@@ -1811,7 +1014,7 @@
           <a:p>
             <a:fld id="{F079726E-9332-8945-9B56-DA4499D9CAE0}" type="slidenum">
               <a:rPr lang="de-CH" smtClean="0"/>
-              <a:t>3</a:t>
+              <a:t>7</a:t>
             </a:fld>
             <a:endParaRPr lang="de-CH"/>
           </a:p>
@@ -1820,7 +1023,7 @@
     </p:spTree>
     <p:extLst>
       <p:ext uri="{BB962C8B-B14F-4D97-AF65-F5344CB8AC3E}">
-        <p14:creationId xmlns:p14="http://schemas.microsoft.com/office/powerpoint/2010/main" val="2495335666"/>
+        <p14:creationId xmlns:p14="http://schemas.microsoft.com/office/powerpoint/2010/main" val="2954590792"/>
       </p:ext>
     </p:extLst>
   </p:cSld>
@@ -1874,671 +1077,7 @@
           <a:bodyPr/>
           <a:lstStyle/>
           <a:p>
-            <a:r>
-              <a:rPr lang="de-CH" dirty="0"/>
-              <a:t>Incentive: Winner </a:t>
-            </a:r>
-            <a:r>
-              <a:rPr lang="de-CH" dirty="0" err="1"/>
-              <a:t>receives</a:t>
-            </a:r>
-            <a:r>
-              <a:rPr lang="de-CH" dirty="0"/>
-              <a:t> </a:t>
-            </a:r>
-            <a:r>
-              <a:rPr lang="de-CH" dirty="0" err="1"/>
-              <a:t>his</a:t>
-            </a:r>
-            <a:r>
-              <a:rPr lang="de-CH" dirty="0"/>
-              <a:t> </a:t>
-            </a:r>
-            <a:r>
-              <a:rPr lang="de-CH" dirty="0" err="1"/>
-              <a:t>prize</a:t>
-            </a:r>
-            <a:r>
-              <a:rPr lang="de-CH" dirty="0"/>
-              <a:t> </a:t>
-            </a:r>
-            <a:r>
-              <a:rPr lang="de-CH" dirty="0" err="1"/>
-              <a:t>earlier</a:t>
-            </a:r>
-            <a:r>
-              <a:rPr lang="de-CH" dirty="0"/>
-              <a:t> </a:t>
-            </a:r>
-            <a:r>
-              <a:rPr lang="de-CH" dirty="0" err="1"/>
-              <a:t>when</a:t>
-            </a:r>
-            <a:r>
-              <a:rPr lang="de-CH" dirty="0"/>
-              <a:t> </a:t>
-            </a:r>
-            <a:r>
-              <a:rPr lang="de-CH" dirty="0" err="1"/>
-              <a:t>the</a:t>
-            </a:r>
-            <a:r>
-              <a:rPr lang="de-CH" dirty="0"/>
-              <a:t> loser </a:t>
-            </a:r>
-            <a:r>
-              <a:rPr lang="de-CH" dirty="0" err="1"/>
-              <a:t>gives</a:t>
-            </a:r>
-            <a:r>
-              <a:rPr lang="de-CH" dirty="0"/>
-              <a:t> </a:t>
-            </a:r>
-            <a:r>
-              <a:rPr lang="de-CH" dirty="0" err="1"/>
-              <a:t>up</a:t>
-            </a:r>
-            <a:r>
-              <a:rPr lang="de-CH" dirty="0"/>
-              <a:t> -&gt; so, </a:t>
-            </a:r>
-            <a:r>
-              <a:rPr lang="de-CH" dirty="0" err="1"/>
-              <a:t>we</a:t>
-            </a:r>
-            <a:r>
-              <a:rPr lang="de-CH" dirty="0"/>
-              <a:t> </a:t>
-            </a:r>
-            <a:r>
-              <a:rPr lang="de-CH" dirty="0" err="1"/>
-              <a:t>give</a:t>
-            </a:r>
-            <a:r>
-              <a:rPr lang="de-CH" dirty="0"/>
-              <a:t> </a:t>
-            </a:r>
-            <a:r>
-              <a:rPr lang="de-CH" dirty="0" err="1"/>
-              <a:t>the</a:t>
-            </a:r>
-            <a:r>
-              <a:rPr lang="de-CH" dirty="0"/>
-              <a:t> loser a </a:t>
-            </a:r>
-            <a:r>
-              <a:rPr lang="de-CH" dirty="0" err="1"/>
-              <a:t>small</a:t>
-            </a:r>
-            <a:r>
-              <a:rPr lang="de-CH" dirty="0"/>
-              <a:t> </a:t>
-            </a:r>
-            <a:r>
-              <a:rPr lang="de-CH" dirty="0" err="1"/>
-              <a:t>payout</a:t>
-            </a:r>
-            <a:r>
-              <a:rPr lang="de-CH" dirty="0"/>
-              <a:t> (</a:t>
-            </a:r>
-            <a:r>
-              <a:rPr lang="de-CH" dirty="0" err="1"/>
-              <a:t>sending</a:t>
-            </a:r>
-            <a:r>
-              <a:rPr lang="de-CH" dirty="0"/>
-              <a:t> </a:t>
-            </a:r>
-            <a:r>
-              <a:rPr lang="de-CH" dirty="0" err="1"/>
-              <a:t>the</a:t>
-            </a:r>
-            <a:r>
-              <a:rPr lang="de-CH" dirty="0"/>
-              <a:t> «</a:t>
-            </a:r>
-            <a:r>
-              <a:rPr lang="de-CH" dirty="0" err="1"/>
-              <a:t>give</a:t>
-            </a:r>
-            <a:r>
-              <a:rPr lang="de-CH" dirty="0"/>
-              <a:t> </a:t>
-            </a:r>
-            <a:r>
-              <a:rPr lang="de-CH" dirty="0" err="1"/>
-              <a:t>up</a:t>
-            </a:r>
-            <a:r>
-              <a:rPr lang="de-CH" dirty="0"/>
-              <a:t>» </a:t>
-            </a:r>
-            <a:r>
-              <a:rPr lang="de-CH" dirty="0" err="1"/>
-              <a:t>transaction</a:t>
-            </a:r>
-            <a:r>
-              <a:rPr lang="de-CH" dirty="0"/>
-              <a:t> </a:t>
-            </a:r>
-            <a:r>
-              <a:rPr lang="de-CH" dirty="0" err="1"/>
-              <a:t>should</a:t>
-            </a:r>
-            <a:r>
-              <a:rPr lang="de-CH" dirty="0"/>
-              <a:t> not </a:t>
-            </a:r>
-            <a:r>
-              <a:rPr lang="de-CH" dirty="0" err="1"/>
-              <a:t>be</a:t>
-            </a:r>
-            <a:r>
-              <a:rPr lang="de-CH" dirty="0"/>
-              <a:t> a </a:t>
-            </a:r>
-            <a:r>
-              <a:rPr lang="de-CH" dirty="0" err="1"/>
-              <a:t>penalty</a:t>
-            </a:r>
-            <a:r>
-              <a:rPr lang="de-CH" dirty="0"/>
-              <a:t>)</a:t>
-            </a:r>
-          </a:p>
-          <a:p>
-            <a:r>
-              <a:rPr lang="de-CH" dirty="0" err="1"/>
-              <a:t>Restriction</a:t>
-            </a:r>
-            <a:r>
-              <a:rPr lang="de-CH" dirty="0"/>
-              <a:t>: </a:t>
-            </a:r>
-            <a:r>
-              <a:rPr lang="de-CH" dirty="0" err="1"/>
-              <a:t>bet</a:t>
-            </a:r>
-            <a:r>
-              <a:rPr lang="de-CH" dirty="0"/>
-              <a:t> </a:t>
-            </a:r>
-            <a:r>
-              <a:rPr lang="de-CH" dirty="0" err="1"/>
-              <a:t>from</a:t>
-            </a:r>
-            <a:r>
-              <a:rPr lang="de-CH" dirty="0"/>
-              <a:t> 0.01 </a:t>
-            </a:r>
-            <a:r>
-              <a:rPr lang="de-CH" dirty="0" err="1"/>
-              <a:t>to</a:t>
-            </a:r>
-            <a:r>
-              <a:rPr lang="de-CH" dirty="0"/>
-              <a:t> 5 </a:t>
-            </a:r>
-            <a:r>
-              <a:rPr lang="de-CH" dirty="0" err="1"/>
-              <a:t>eth</a:t>
-            </a:r>
-            <a:r>
-              <a:rPr lang="de-CH" dirty="0"/>
-              <a:t>, </a:t>
-            </a:r>
-            <a:r>
-              <a:rPr lang="de-CH" dirty="0" err="1"/>
-              <a:t>game</a:t>
-            </a:r>
-            <a:r>
-              <a:rPr lang="de-CH" dirty="0"/>
-              <a:t> </a:t>
-            </a:r>
-            <a:r>
-              <a:rPr lang="de-CH" dirty="0" err="1"/>
-              <a:t>should</a:t>
-            </a:r>
-            <a:r>
-              <a:rPr lang="de-CH" dirty="0"/>
-              <a:t> </a:t>
-            </a:r>
-            <a:r>
-              <a:rPr lang="de-CH" dirty="0" err="1"/>
-              <a:t>be</a:t>
-            </a:r>
-            <a:r>
-              <a:rPr lang="de-CH" dirty="0"/>
-              <a:t> </a:t>
-            </a:r>
-            <a:r>
-              <a:rPr lang="de-CH" dirty="0" err="1"/>
-              <a:t>worth</a:t>
-            </a:r>
-            <a:r>
-              <a:rPr lang="de-CH" dirty="0"/>
-              <a:t> </a:t>
-            </a:r>
-            <a:r>
-              <a:rPr lang="de-CH" dirty="0" err="1"/>
-              <a:t>it</a:t>
-            </a:r>
-            <a:r>
-              <a:rPr lang="de-CH" dirty="0"/>
-              <a:t>, </a:t>
-            </a:r>
-            <a:r>
-              <a:rPr lang="de-CH" dirty="0" err="1"/>
-              <a:t>prize</a:t>
-            </a:r>
-            <a:r>
-              <a:rPr lang="de-CH" dirty="0"/>
-              <a:t> </a:t>
-            </a:r>
-            <a:r>
-              <a:rPr lang="de-CH" dirty="0" err="1"/>
-              <a:t>can’t</a:t>
-            </a:r>
-            <a:r>
-              <a:rPr lang="de-CH" dirty="0"/>
-              <a:t> </a:t>
-            </a:r>
-            <a:r>
-              <a:rPr lang="de-CH" dirty="0" err="1"/>
-              <a:t>be</a:t>
-            </a:r>
-            <a:r>
-              <a:rPr lang="de-CH" dirty="0"/>
-              <a:t> </a:t>
-            </a:r>
-            <a:r>
-              <a:rPr lang="de-CH" dirty="0" err="1"/>
-              <a:t>smaller</a:t>
-            </a:r>
-            <a:r>
-              <a:rPr lang="de-CH" dirty="0"/>
-              <a:t> </a:t>
-            </a:r>
-            <a:r>
-              <a:rPr lang="de-CH" dirty="0" err="1"/>
-              <a:t>than</a:t>
-            </a:r>
-            <a:r>
-              <a:rPr lang="de-CH" dirty="0"/>
-              <a:t> </a:t>
-            </a:r>
-            <a:r>
-              <a:rPr lang="de-CH" dirty="0" err="1"/>
-              <a:t>transaction</a:t>
-            </a:r>
-            <a:r>
-              <a:rPr lang="de-CH" dirty="0"/>
-              <a:t> </a:t>
-            </a:r>
-            <a:r>
-              <a:rPr lang="de-CH" dirty="0" err="1"/>
-              <a:t>cost</a:t>
-            </a:r>
-            <a:r>
-              <a:rPr lang="de-CH" dirty="0"/>
-              <a:t> </a:t>
-            </a:r>
-            <a:r>
-              <a:rPr lang="de-CH" dirty="0" err="1"/>
-              <a:t>for</a:t>
-            </a:r>
-            <a:r>
-              <a:rPr lang="de-CH" dirty="0"/>
-              <a:t> </a:t>
-            </a:r>
-            <a:r>
-              <a:rPr lang="de-CH" dirty="0" err="1"/>
-              <a:t>turns</a:t>
-            </a:r>
-            <a:r>
-              <a:rPr lang="de-CH" dirty="0"/>
-              <a:t>. </a:t>
-            </a:r>
-            <a:r>
-              <a:rPr lang="de-CH" dirty="0" err="1"/>
-              <a:t>There</a:t>
-            </a:r>
-            <a:r>
-              <a:rPr lang="de-CH" dirty="0"/>
-              <a:t> </a:t>
-            </a:r>
-            <a:r>
-              <a:rPr lang="de-CH" dirty="0" err="1"/>
-              <a:t>may</a:t>
-            </a:r>
-            <a:r>
-              <a:rPr lang="de-CH" dirty="0"/>
-              <a:t> </a:t>
-            </a:r>
-            <a:r>
-              <a:rPr lang="de-CH" dirty="0" err="1"/>
-              <a:t>be</a:t>
-            </a:r>
-            <a:r>
-              <a:rPr lang="de-CH" dirty="0"/>
-              <a:t> a </a:t>
-            </a:r>
-            <a:r>
-              <a:rPr lang="de-CH" dirty="0" err="1"/>
-              <a:t>tiny</a:t>
-            </a:r>
-            <a:r>
-              <a:rPr lang="de-CH" dirty="0"/>
-              <a:t> </a:t>
-            </a:r>
-            <a:r>
-              <a:rPr lang="de-CH" dirty="0" err="1"/>
-              <a:t>chance</a:t>
-            </a:r>
-            <a:r>
-              <a:rPr lang="de-CH" dirty="0"/>
-              <a:t> </a:t>
-            </a:r>
-            <a:r>
-              <a:rPr lang="de-CH" dirty="0" err="1"/>
-              <a:t>for</a:t>
-            </a:r>
-            <a:r>
-              <a:rPr lang="de-CH" dirty="0"/>
-              <a:t> a </a:t>
-            </a:r>
-            <a:r>
-              <a:rPr lang="de-CH" dirty="0" err="1"/>
-              <a:t>miner</a:t>
-            </a:r>
-            <a:r>
-              <a:rPr lang="de-CH" dirty="0"/>
-              <a:t> </a:t>
-            </a:r>
-            <a:r>
-              <a:rPr lang="de-CH" dirty="0" err="1"/>
-              <a:t>to</a:t>
-            </a:r>
-            <a:r>
-              <a:rPr lang="de-CH" dirty="0"/>
-              <a:t> </a:t>
-            </a:r>
-            <a:r>
-              <a:rPr lang="de-CH" dirty="0" err="1"/>
-              <a:t>act</a:t>
-            </a:r>
-            <a:r>
-              <a:rPr lang="de-CH" dirty="0"/>
-              <a:t> </a:t>
-            </a:r>
-            <a:r>
-              <a:rPr lang="de-CH" dirty="0" err="1"/>
-              <a:t>badly</a:t>
-            </a:r>
-            <a:r>
-              <a:rPr lang="de-CH" dirty="0"/>
-              <a:t> -&gt; </a:t>
-            </a:r>
-            <a:r>
-              <a:rPr lang="de-CH" dirty="0" err="1"/>
-              <a:t>maximum</a:t>
-            </a:r>
-            <a:r>
-              <a:rPr lang="de-CH" dirty="0"/>
-              <a:t> </a:t>
-            </a:r>
-            <a:r>
-              <a:rPr lang="de-CH" dirty="0" err="1"/>
-              <a:t>eth</a:t>
-            </a:r>
-            <a:r>
-              <a:rPr lang="de-CH" dirty="0"/>
-              <a:t> -&gt; </a:t>
-            </a:r>
-            <a:r>
-              <a:rPr lang="de-CH" dirty="0" err="1"/>
-              <a:t>lower</a:t>
-            </a:r>
-            <a:r>
-              <a:rPr lang="de-CH" dirty="0"/>
-              <a:t> </a:t>
-            </a:r>
-            <a:r>
-              <a:rPr lang="de-CH" dirty="0" err="1"/>
-              <a:t>incentive</a:t>
-            </a:r>
-            <a:r>
-              <a:rPr lang="de-CH" dirty="0"/>
-              <a:t> (</a:t>
-            </a:r>
-            <a:r>
-              <a:rPr lang="de-CH" dirty="0" err="1"/>
-              <a:t>is</a:t>
-            </a:r>
-            <a:r>
-              <a:rPr lang="de-CH" dirty="0"/>
-              <a:t> </a:t>
-            </a:r>
-            <a:r>
-              <a:rPr lang="de-CH" dirty="0" err="1"/>
-              <a:t>this</a:t>
-            </a:r>
-            <a:r>
-              <a:rPr lang="de-CH" dirty="0"/>
-              <a:t> </a:t>
-            </a:r>
-            <a:r>
-              <a:rPr lang="de-CH" dirty="0" err="1"/>
-              <a:t>true</a:t>
-            </a:r>
-            <a:r>
-              <a:rPr lang="de-CH" dirty="0"/>
-              <a:t>?)</a:t>
-            </a:r>
-          </a:p>
-          <a:p>
-            <a:r>
-              <a:rPr lang="de-CH" dirty="0" err="1"/>
-              <a:t>Solved</a:t>
-            </a:r>
-            <a:r>
-              <a:rPr lang="de-CH" dirty="0"/>
-              <a:t> </a:t>
-            </a:r>
-            <a:r>
-              <a:rPr lang="de-CH" dirty="0" err="1"/>
-              <a:t>game</a:t>
-            </a:r>
-            <a:r>
-              <a:rPr lang="de-CH" dirty="0"/>
-              <a:t>: </a:t>
-            </a:r>
-            <a:r>
-              <a:rPr lang="de-CH" dirty="0" err="1"/>
-              <a:t>we</a:t>
-            </a:r>
-            <a:r>
-              <a:rPr lang="de-CH" dirty="0"/>
-              <a:t> </a:t>
-            </a:r>
-            <a:r>
-              <a:rPr lang="de-CH" dirty="0" err="1"/>
-              <a:t>added</a:t>
-            </a:r>
-            <a:r>
-              <a:rPr lang="de-CH" dirty="0"/>
-              <a:t> a </a:t>
-            </a:r>
-            <a:r>
-              <a:rPr lang="de-CH" dirty="0" err="1"/>
-              <a:t>twist</a:t>
-            </a:r>
-            <a:r>
-              <a:rPr lang="de-CH" dirty="0"/>
-              <a:t> </a:t>
-            </a:r>
-            <a:r>
-              <a:rPr lang="de-CH" dirty="0" err="1"/>
-              <a:t>to</a:t>
-            </a:r>
-            <a:r>
-              <a:rPr lang="de-CH" dirty="0"/>
-              <a:t> </a:t>
-            </a:r>
-            <a:r>
-              <a:rPr lang="de-CH" dirty="0" err="1"/>
-              <a:t>the</a:t>
-            </a:r>
-            <a:r>
-              <a:rPr lang="de-CH" dirty="0"/>
-              <a:t> </a:t>
-            </a:r>
-            <a:r>
-              <a:rPr lang="de-CH" dirty="0" err="1"/>
-              <a:t>game</a:t>
-            </a:r>
-            <a:r>
-              <a:rPr lang="de-CH" dirty="0"/>
-              <a:t> </a:t>
-            </a:r>
-            <a:r>
-              <a:rPr lang="de-CH" dirty="0" err="1"/>
-              <a:t>to</a:t>
-            </a:r>
-            <a:r>
-              <a:rPr lang="de-CH" dirty="0"/>
-              <a:t> </a:t>
-            </a:r>
-            <a:r>
-              <a:rPr lang="de-CH" dirty="0" err="1"/>
-              <a:t>make</a:t>
-            </a:r>
-            <a:r>
-              <a:rPr lang="de-CH" dirty="0"/>
-              <a:t> </a:t>
-            </a:r>
-            <a:r>
-              <a:rPr lang="de-CH" dirty="0" err="1"/>
-              <a:t>it</a:t>
-            </a:r>
-            <a:r>
-              <a:rPr lang="de-CH" dirty="0"/>
-              <a:t> </a:t>
-            </a:r>
-            <a:r>
-              <a:rPr lang="de-CH" dirty="0" err="1"/>
-              <a:t>harder</a:t>
-            </a:r>
-            <a:r>
-              <a:rPr lang="de-CH" dirty="0"/>
-              <a:t> </a:t>
-            </a:r>
-            <a:r>
-              <a:rPr lang="de-CH" dirty="0" err="1"/>
-              <a:t>to</a:t>
-            </a:r>
-            <a:r>
-              <a:rPr lang="de-CH" dirty="0"/>
-              <a:t> follow </a:t>
-            </a:r>
-            <a:r>
-              <a:rPr lang="de-CH" dirty="0" err="1"/>
-              <a:t>the</a:t>
-            </a:r>
-            <a:r>
-              <a:rPr lang="de-CH" dirty="0"/>
-              <a:t> «</a:t>
-            </a:r>
-            <a:r>
-              <a:rPr lang="de-CH" dirty="0" err="1"/>
-              <a:t>winning</a:t>
-            </a:r>
-            <a:r>
-              <a:rPr lang="de-CH" dirty="0"/>
-              <a:t> </a:t>
-            </a:r>
-            <a:r>
-              <a:rPr lang="de-CH" dirty="0" err="1"/>
-              <a:t>strategy</a:t>
-            </a:r>
-            <a:r>
-              <a:rPr lang="de-CH" dirty="0"/>
-              <a:t>»</a:t>
-            </a:r>
-          </a:p>
-          <a:p>
             <a:endParaRPr lang="de-CH" dirty="0"/>
-          </a:p>
-          <a:p>
-            <a:r>
-              <a:rPr lang="de-CH" dirty="0"/>
-              <a:t>New </a:t>
-            </a:r>
-            <a:r>
-              <a:rPr lang="de-CH" dirty="0" err="1"/>
-              <a:t>setup</a:t>
-            </a:r>
-            <a:r>
-              <a:rPr lang="de-CH" dirty="0"/>
-              <a:t>: </a:t>
-            </a:r>
-            <a:r>
-              <a:rPr lang="de-CH" dirty="0" err="1"/>
-              <a:t>these</a:t>
-            </a:r>
-            <a:r>
-              <a:rPr lang="de-CH" dirty="0"/>
-              <a:t> </a:t>
-            </a:r>
-            <a:r>
-              <a:rPr lang="de-CH" dirty="0" err="1"/>
-              <a:t>are</a:t>
-            </a:r>
-            <a:r>
-              <a:rPr lang="de-CH" dirty="0"/>
-              <a:t> </a:t>
-            </a:r>
-            <a:r>
-              <a:rPr lang="de-CH" dirty="0" err="1"/>
-              <a:t>set</a:t>
-            </a:r>
-            <a:r>
-              <a:rPr lang="de-CH" dirty="0"/>
-              <a:t> in </a:t>
-            </a:r>
-            <a:r>
-              <a:rPr lang="de-CH" dirty="0" err="1"/>
-              <a:t>stone</a:t>
-            </a:r>
-            <a:r>
-              <a:rPr lang="de-CH" dirty="0"/>
-              <a:t>! New </a:t>
-            </a:r>
-            <a:r>
-              <a:rPr lang="de-CH" dirty="0" err="1"/>
-              <a:t>stones</a:t>
-            </a:r>
-            <a:r>
-              <a:rPr lang="de-CH" dirty="0"/>
-              <a:t> fall </a:t>
-            </a:r>
-            <a:r>
-              <a:rPr lang="de-CH" dirty="0" err="1"/>
-              <a:t>through</a:t>
-            </a:r>
-            <a:r>
-              <a:rPr lang="de-CH" dirty="0"/>
-              <a:t> </a:t>
-            </a:r>
-            <a:r>
-              <a:rPr lang="de-CH" dirty="0" err="1"/>
-              <a:t>these</a:t>
-            </a:r>
-            <a:r>
-              <a:rPr lang="de-CH" dirty="0"/>
-              <a:t>!</a:t>
-            </a:r>
           </a:p>
         </p:txBody>
       </p:sp>
@@ -2559,7 +1098,7 @@
           <a:p>
             <a:fld id="{F079726E-9332-8945-9B56-DA4499D9CAE0}" type="slidenum">
               <a:rPr lang="de-CH" smtClean="0"/>
-              <a:t>4</a:t>
+              <a:t>9</a:t>
             </a:fld>
             <a:endParaRPr lang="de-CH"/>
           </a:p>
@@ -2568,7 +1107,7 @@
     </p:spTree>
     <p:extLst>
       <p:ext uri="{BB962C8B-B14F-4D97-AF65-F5344CB8AC3E}">
-        <p14:creationId xmlns:p14="http://schemas.microsoft.com/office/powerpoint/2010/main" val="800388020"/>
+        <p14:creationId xmlns:p14="http://schemas.microsoft.com/office/powerpoint/2010/main" val="1966241334"/>
       </p:ext>
     </p:extLst>
   </p:cSld>
@@ -2623,8 +1162,888 @@
           <a:lstStyle/>
           <a:p>
             <a:r>
-              <a:rPr lang="de-CH" dirty="0"/>
-              <a:t>The smart </a:t>
+              <a:rPr lang="de-CH" dirty="0" err="1"/>
+              <a:t>Function</a:t>
+            </a:r>
+            <a:r>
+              <a:rPr lang="de-CH" dirty="0"/>
+              <a:t> </a:t>
+            </a:r>
+            <a:r>
+              <a:rPr lang="de-CH" dirty="0" err="1"/>
+              <a:t>explanation</a:t>
+            </a:r>
+            <a:r>
+              <a:rPr lang="de-CH" dirty="0"/>
+              <a:t>:</a:t>
+            </a:r>
+          </a:p>
+          <a:p>
+            <a:endParaRPr lang="de-CH" dirty="0"/>
+          </a:p>
+          <a:p>
+            <a:r>
+              <a:rPr lang="de-CH" dirty="0"/>
+              <a:t>New variable -&gt; </a:t>
+            </a:r>
+            <a:r>
+              <a:rPr lang="de-CH" dirty="0" err="1"/>
+              <a:t>active</a:t>
+            </a:r>
+            <a:r>
+              <a:rPr lang="de-CH" dirty="0"/>
+              <a:t> </a:t>
+            </a:r>
+            <a:r>
+              <a:rPr lang="de-CH" dirty="0" err="1"/>
+              <a:t>player</a:t>
+            </a:r>
+            <a:endParaRPr lang="de-CH" dirty="0"/>
+          </a:p>
+          <a:p>
+            <a:r>
+              <a:rPr lang="de-CH" dirty="0" err="1"/>
+              <a:t>If</a:t>
+            </a:r>
+            <a:r>
+              <a:rPr lang="de-CH" dirty="0"/>
+              <a:t> </a:t>
+            </a:r>
+            <a:r>
+              <a:rPr lang="de-CH" dirty="0" err="1"/>
+              <a:t>it’s</a:t>
+            </a:r>
+            <a:r>
+              <a:rPr lang="de-CH" dirty="0"/>
+              <a:t> </a:t>
+            </a:r>
+            <a:r>
+              <a:rPr lang="de-CH" dirty="0" err="1"/>
+              <a:t>player</a:t>
+            </a:r>
+            <a:r>
+              <a:rPr lang="de-CH" dirty="0"/>
+              <a:t> 1’s turn: </a:t>
+            </a:r>
+            <a:r>
+              <a:rPr lang="de-CH" dirty="0" err="1"/>
+              <a:t>set</a:t>
+            </a:r>
+            <a:r>
+              <a:rPr lang="de-CH" dirty="0"/>
+              <a:t> </a:t>
+            </a:r>
+            <a:r>
+              <a:rPr lang="de-CH" dirty="0" err="1"/>
+              <a:t>this</a:t>
+            </a:r>
+            <a:r>
+              <a:rPr lang="de-CH" dirty="0"/>
+              <a:t> variable </a:t>
+            </a:r>
+            <a:r>
+              <a:rPr lang="de-CH" dirty="0" err="1"/>
+              <a:t>to</a:t>
+            </a:r>
+            <a:r>
+              <a:rPr lang="de-CH" dirty="0"/>
+              <a:t> 1</a:t>
+            </a:r>
+          </a:p>
+          <a:p>
+            <a:r>
+              <a:rPr lang="de-CH" dirty="0"/>
+              <a:t>Else: </a:t>
+            </a:r>
+            <a:r>
+              <a:rPr lang="de-CH" dirty="0" err="1"/>
+              <a:t>set</a:t>
+            </a:r>
+            <a:r>
+              <a:rPr lang="de-CH" dirty="0"/>
+              <a:t> variable </a:t>
+            </a:r>
+            <a:r>
+              <a:rPr lang="de-CH" dirty="0" err="1"/>
+              <a:t>to</a:t>
+            </a:r>
+            <a:r>
+              <a:rPr lang="de-CH" dirty="0"/>
+              <a:t> 2</a:t>
+            </a:r>
+          </a:p>
+          <a:p>
+            <a:endParaRPr lang="de-CH" dirty="0"/>
+          </a:p>
+          <a:p>
+            <a:r>
+              <a:rPr lang="de-CH" dirty="0" err="1"/>
+              <a:t>We</a:t>
+            </a:r>
+            <a:r>
+              <a:rPr lang="de-CH" dirty="0"/>
+              <a:t> check </a:t>
+            </a:r>
+            <a:r>
+              <a:rPr lang="de-CH" dirty="0" err="1"/>
+              <a:t>horizontally</a:t>
+            </a:r>
+            <a:r>
+              <a:rPr lang="de-CH" dirty="0"/>
+              <a:t>, </a:t>
+            </a:r>
+            <a:r>
+              <a:rPr lang="de-CH" dirty="0" err="1"/>
+              <a:t>vertically</a:t>
+            </a:r>
+            <a:r>
+              <a:rPr lang="de-CH" dirty="0"/>
+              <a:t> </a:t>
+            </a:r>
+            <a:r>
+              <a:rPr lang="de-CH" dirty="0" err="1"/>
+              <a:t>and</a:t>
+            </a:r>
+            <a:r>
+              <a:rPr lang="de-CH" dirty="0"/>
+              <a:t> </a:t>
+            </a:r>
+            <a:r>
+              <a:rPr lang="de-CH" dirty="0" err="1"/>
+              <a:t>horizontally</a:t>
+            </a:r>
+            <a:r>
+              <a:rPr lang="de-CH" dirty="0"/>
+              <a:t>.</a:t>
+            </a:r>
+          </a:p>
+          <a:p>
+            <a:r>
+              <a:rPr lang="de-CH" dirty="0" err="1"/>
+              <a:t>For</a:t>
+            </a:r>
+            <a:r>
+              <a:rPr lang="de-CH" dirty="0"/>
+              <a:t> time </a:t>
+            </a:r>
+            <a:r>
+              <a:rPr lang="de-CH" dirty="0" err="1"/>
+              <a:t>and</a:t>
+            </a:r>
+            <a:r>
+              <a:rPr lang="de-CH" dirty="0"/>
+              <a:t> </a:t>
+            </a:r>
+            <a:r>
+              <a:rPr lang="de-CH" dirty="0" err="1"/>
+              <a:t>space</a:t>
+            </a:r>
+            <a:r>
+              <a:rPr lang="de-CH" dirty="0"/>
+              <a:t> </a:t>
+            </a:r>
+            <a:r>
+              <a:rPr lang="de-CH" dirty="0" err="1"/>
+              <a:t>purposes</a:t>
+            </a:r>
+            <a:r>
+              <a:rPr lang="de-CH" dirty="0"/>
+              <a:t> </a:t>
+            </a:r>
+            <a:r>
+              <a:rPr lang="de-CH" dirty="0" err="1"/>
+              <a:t>we</a:t>
+            </a:r>
+            <a:r>
+              <a:rPr lang="de-CH" dirty="0"/>
+              <a:t> </a:t>
+            </a:r>
+            <a:r>
+              <a:rPr lang="de-CH" dirty="0" err="1"/>
+              <a:t>only</a:t>
+            </a:r>
+            <a:r>
+              <a:rPr lang="de-CH" dirty="0"/>
+              <a:t> </a:t>
+            </a:r>
+            <a:r>
+              <a:rPr lang="de-CH" dirty="0" err="1"/>
+              <a:t>look</a:t>
+            </a:r>
+            <a:r>
+              <a:rPr lang="de-CH" dirty="0"/>
+              <a:t> at </a:t>
+            </a:r>
+            <a:r>
+              <a:rPr lang="de-CH" dirty="0" err="1"/>
+              <a:t>one</a:t>
+            </a:r>
+            <a:r>
+              <a:rPr lang="de-CH" dirty="0"/>
+              <a:t> </a:t>
+            </a:r>
+            <a:r>
+              <a:rPr lang="de-CH" dirty="0" err="1"/>
+              <a:t>case</a:t>
+            </a:r>
+            <a:r>
+              <a:rPr lang="de-CH" dirty="0"/>
+              <a:t>:</a:t>
+            </a:r>
+          </a:p>
+          <a:p>
+            <a:endParaRPr lang="de-CH" dirty="0"/>
+          </a:p>
+          <a:p>
+            <a:r>
+              <a:rPr lang="de-CH" dirty="0"/>
+              <a:t>New variable </a:t>
+            </a:r>
+            <a:r>
+              <a:rPr lang="de-CH" dirty="0" err="1"/>
+              <a:t>which</a:t>
+            </a:r>
+            <a:r>
+              <a:rPr lang="de-CH" dirty="0"/>
+              <a:t> </a:t>
+            </a:r>
+            <a:r>
+              <a:rPr lang="de-CH" dirty="0" err="1"/>
+              <a:t>is</a:t>
+            </a:r>
+            <a:r>
+              <a:rPr lang="de-CH" dirty="0"/>
+              <a:t> </a:t>
+            </a:r>
+            <a:r>
+              <a:rPr lang="de-CH" dirty="0" err="1"/>
+              <a:t>equal</a:t>
+            </a:r>
+            <a:r>
+              <a:rPr lang="de-CH" dirty="0"/>
+              <a:t> </a:t>
+            </a:r>
+            <a:r>
+              <a:rPr lang="de-CH" dirty="0" err="1"/>
+              <a:t>to</a:t>
+            </a:r>
+            <a:r>
+              <a:rPr lang="de-CH" dirty="0"/>
+              <a:t> </a:t>
+            </a:r>
+            <a:r>
+              <a:rPr lang="de-CH" dirty="0" err="1"/>
+              <a:t>active</a:t>
+            </a:r>
+            <a:r>
+              <a:rPr lang="de-CH" dirty="0"/>
+              <a:t> </a:t>
+            </a:r>
+            <a:r>
+              <a:rPr lang="de-CH" dirty="0" err="1"/>
+              <a:t>player</a:t>
+            </a:r>
+            <a:endParaRPr lang="de-CH" dirty="0"/>
+          </a:p>
+          <a:p>
+            <a:r>
+              <a:rPr lang="de-CH" dirty="0"/>
+              <a:t>New variable </a:t>
+            </a:r>
+            <a:r>
+              <a:rPr lang="de-CH" dirty="0" err="1"/>
+              <a:t>which</a:t>
+            </a:r>
+            <a:r>
+              <a:rPr lang="de-CH" dirty="0"/>
+              <a:t> </a:t>
+            </a:r>
+            <a:r>
+              <a:rPr lang="de-CH" dirty="0" err="1"/>
+              <a:t>is</a:t>
+            </a:r>
+            <a:r>
+              <a:rPr lang="de-CH" dirty="0"/>
+              <a:t> </a:t>
+            </a:r>
+            <a:r>
+              <a:rPr lang="de-CH" dirty="0" err="1"/>
+              <a:t>equal</a:t>
+            </a:r>
+            <a:r>
+              <a:rPr lang="de-CH" dirty="0"/>
+              <a:t> </a:t>
+            </a:r>
+            <a:r>
+              <a:rPr lang="de-CH" dirty="0" err="1"/>
+              <a:t>to</a:t>
+            </a:r>
+            <a:r>
+              <a:rPr lang="de-CH" dirty="0"/>
+              <a:t> </a:t>
+            </a:r>
+            <a:r>
+              <a:rPr lang="de-CH" dirty="0" err="1"/>
+              <a:t>the</a:t>
+            </a:r>
+            <a:r>
+              <a:rPr lang="de-CH" dirty="0"/>
+              <a:t> </a:t>
+            </a:r>
+            <a:r>
+              <a:rPr lang="de-CH" dirty="0" err="1"/>
+              <a:t>chosen</a:t>
+            </a:r>
+            <a:r>
+              <a:rPr lang="de-CH" dirty="0"/>
+              <a:t> </a:t>
+            </a:r>
+            <a:r>
+              <a:rPr lang="de-CH" dirty="0" err="1"/>
+              <a:t>column</a:t>
+            </a:r>
+            <a:r>
+              <a:rPr lang="de-CH" dirty="0"/>
+              <a:t> (</a:t>
+            </a:r>
+            <a:r>
+              <a:rPr lang="de-CH" dirty="0" err="1"/>
+              <a:t>column</a:t>
+            </a:r>
+            <a:r>
+              <a:rPr lang="de-CH" dirty="0"/>
+              <a:t> in </a:t>
+            </a:r>
+            <a:r>
+              <a:rPr lang="de-CH" dirty="0" err="1"/>
+              <a:t>which</a:t>
+            </a:r>
+            <a:r>
+              <a:rPr lang="de-CH" dirty="0"/>
+              <a:t> </a:t>
+            </a:r>
+            <a:r>
+              <a:rPr lang="de-CH" dirty="0" err="1"/>
+              <a:t>the</a:t>
+            </a:r>
+            <a:r>
+              <a:rPr lang="de-CH" dirty="0"/>
+              <a:t> </a:t>
+            </a:r>
+            <a:r>
+              <a:rPr lang="de-CH" dirty="0" err="1"/>
+              <a:t>stone</a:t>
+            </a:r>
+            <a:r>
+              <a:rPr lang="de-CH" dirty="0"/>
+              <a:t> was </a:t>
+            </a:r>
+            <a:r>
+              <a:rPr lang="de-CH" dirty="0" err="1"/>
+              <a:t>placed</a:t>
+            </a:r>
+            <a:r>
+              <a:rPr lang="de-CH" dirty="0"/>
+              <a:t>)</a:t>
+            </a:r>
+          </a:p>
+          <a:p>
+            <a:endParaRPr lang="de-CH" dirty="0"/>
+          </a:p>
+          <a:p>
+            <a:r>
+              <a:rPr lang="de-CH" dirty="0" err="1"/>
+              <a:t>While</a:t>
+            </a:r>
+            <a:r>
+              <a:rPr lang="de-CH" dirty="0"/>
+              <a:t> </a:t>
+            </a:r>
+            <a:r>
+              <a:rPr lang="de-CH" dirty="0" err="1"/>
+              <a:t>loop</a:t>
+            </a:r>
+            <a:r>
+              <a:rPr lang="de-CH" dirty="0"/>
+              <a:t>: </a:t>
+            </a:r>
+            <a:r>
+              <a:rPr lang="de-CH" dirty="0" err="1"/>
+              <a:t>we</a:t>
+            </a:r>
+            <a:r>
+              <a:rPr lang="de-CH" dirty="0"/>
+              <a:t> </a:t>
+            </a:r>
+            <a:r>
+              <a:rPr lang="de-CH" dirty="0" err="1"/>
+              <a:t>move</a:t>
+            </a:r>
+            <a:r>
+              <a:rPr lang="de-CH" dirty="0"/>
+              <a:t> </a:t>
+            </a:r>
+            <a:r>
+              <a:rPr lang="de-CH" dirty="0" err="1"/>
+              <a:t>from</a:t>
+            </a:r>
+            <a:r>
+              <a:rPr lang="de-CH" dirty="0"/>
+              <a:t> </a:t>
+            </a:r>
+            <a:r>
+              <a:rPr lang="de-CH" dirty="0" err="1"/>
+              <a:t>column</a:t>
+            </a:r>
+            <a:r>
+              <a:rPr lang="de-CH" dirty="0"/>
+              <a:t> </a:t>
+            </a:r>
+            <a:r>
+              <a:rPr lang="de-CH" dirty="0" err="1"/>
+              <a:t>to</a:t>
+            </a:r>
+            <a:r>
+              <a:rPr lang="de-CH" dirty="0"/>
+              <a:t> </a:t>
+            </a:r>
+            <a:r>
+              <a:rPr lang="de-CH" dirty="0" err="1"/>
+              <a:t>column</a:t>
+            </a:r>
+            <a:r>
+              <a:rPr lang="de-CH" dirty="0"/>
+              <a:t> </a:t>
+            </a:r>
+            <a:r>
+              <a:rPr lang="de-CH" dirty="0" err="1"/>
+              <a:t>for</a:t>
+            </a:r>
+            <a:r>
+              <a:rPr lang="de-CH" dirty="0"/>
+              <a:t> </a:t>
+            </a:r>
+            <a:r>
+              <a:rPr lang="de-CH" dirty="0" err="1"/>
+              <a:t>as</a:t>
+            </a:r>
+            <a:r>
+              <a:rPr lang="de-CH" dirty="0"/>
+              <a:t> </a:t>
+            </a:r>
+            <a:r>
+              <a:rPr lang="de-CH" dirty="0" err="1"/>
+              <a:t>long</a:t>
+            </a:r>
+            <a:r>
+              <a:rPr lang="de-CH" dirty="0"/>
+              <a:t> </a:t>
+            </a:r>
+            <a:r>
+              <a:rPr lang="de-CH" dirty="0" err="1"/>
+              <a:t>as</a:t>
+            </a:r>
+            <a:r>
+              <a:rPr lang="de-CH" dirty="0"/>
+              <a:t> </a:t>
+            </a:r>
+            <a:r>
+              <a:rPr lang="de-CH" dirty="0" err="1"/>
+              <a:t>the</a:t>
+            </a:r>
+            <a:r>
+              <a:rPr lang="de-CH" dirty="0"/>
+              <a:t> </a:t>
+            </a:r>
+            <a:r>
+              <a:rPr lang="de-CH" dirty="0" err="1"/>
+              <a:t>owner</a:t>
+            </a:r>
+            <a:r>
+              <a:rPr lang="de-CH" dirty="0"/>
+              <a:t> </a:t>
+            </a:r>
+            <a:r>
+              <a:rPr lang="de-CH" dirty="0" err="1"/>
+              <a:t>of</a:t>
+            </a:r>
+            <a:r>
+              <a:rPr lang="de-CH" dirty="0"/>
+              <a:t> </a:t>
+            </a:r>
+            <a:r>
+              <a:rPr lang="de-CH" dirty="0" err="1"/>
+              <a:t>the</a:t>
+            </a:r>
+            <a:r>
+              <a:rPr lang="de-CH" dirty="0"/>
+              <a:t> </a:t>
+            </a:r>
+            <a:r>
+              <a:rPr lang="de-CH" dirty="0" err="1"/>
+              <a:t>stone</a:t>
+            </a:r>
+            <a:r>
+              <a:rPr lang="de-CH" dirty="0"/>
+              <a:t> </a:t>
+            </a:r>
+            <a:r>
+              <a:rPr lang="de-CH" dirty="0" err="1"/>
+              <a:t>is</a:t>
+            </a:r>
+            <a:r>
+              <a:rPr lang="de-CH" dirty="0"/>
+              <a:t> </a:t>
+            </a:r>
+            <a:r>
+              <a:rPr lang="de-CH" dirty="0" err="1"/>
+              <a:t>the</a:t>
+            </a:r>
+            <a:r>
+              <a:rPr lang="de-CH" dirty="0"/>
+              <a:t> </a:t>
+            </a:r>
+            <a:r>
+              <a:rPr lang="de-CH" dirty="0" err="1"/>
+              <a:t>active</a:t>
+            </a:r>
+            <a:r>
+              <a:rPr lang="de-CH" dirty="0"/>
+              <a:t> </a:t>
+            </a:r>
+            <a:r>
+              <a:rPr lang="de-CH" dirty="0" err="1"/>
+              <a:t>player</a:t>
+            </a:r>
+            <a:r>
+              <a:rPr lang="de-CH" dirty="0"/>
+              <a:t> </a:t>
+            </a:r>
+            <a:r>
+              <a:rPr lang="de-CH" dirty="0" err="1"/>
+              <a:t>and</a:t>
+            </a:r>
+            <a:r>
+              <a:rPr lang="de-CH" dirty="0"/>
+              <a:t> </a:t>
+            </a:r>
+            <a:r>
+              <a:rPr lang="de-CH" dirty="0" err="1"/>
+              <a:t>the</a:t>
+            </a:r>
+            <a:r>
+              <a:rPr lang="de-CH" dirty="0"/>
+              <a:t> </a:t>
+            </a:r>
+            <a:r>
+              <a:rPr lang="de-CH" dirty="0" err="1"/>
+              <a:t>column</a:t>
+            </a:r>
+            <a:r>
+              <a:rPr lang="de-CH" dirty="0"/>
+              <a:t> </a:t>
+            </a:r>
+            <a:r>
+              <a:rPr lang="de-CH" dirty="0" err="1"/>
+              <a:t>number</a:t>
+            </a:r>
+            <a:r>
+              <a:rPr lang="de-CH" dirty="0"/>
+              <a:t> </a:t>
+            </a:r>
+            <a:r>
+              <a:rPr lang="de-CH" dirty="0" err="1"/>
+              <a:t>is</a:t>
+            </a:r>
+            <a:r>
+              <a:rPr lang="de-CH" dirty="0"/>
+              <a:t> at </a:t>
+            </a:r>
+            <a:r>
+              <a:rPr lang="de-CH" dirty="0" err="1"/>
+              <a:t>the</a:t>
+            </a:r>
+            <a:r>
+              <a:rPr lang="de-CH" dirty="0"/>
+              <a:t> </a:t>
+            </a:r>
+            <a:r>
+              <a:rPr lang="de-CH" dirty="0" err="1"/>
+              <a:t>highest</a:t>
+            </a:r>
+            <a:r>
+              <a:rPr lang="de-CH" dirty="0"/>
+              <a:t> 6. </a:t>
+            </a:r>
+            <a:r>
+              <a:rPr lang="de-CH" dirty="0" err="1"/>
+              <a:t>When</a:t>
+            </a:r>
+            <a:r>
+              <a:rPr lang="de-CH" dirty="0"/>
+              <a:t> all </a:t>
+            </a:r>
+            <a:r>
+              <a:rPr lang="de-CH" dirty="0" err="1"/>
+              <a:t>these</a:t>
+            </a:r>
+            <a:r>
+              <a:rPr lang="de-CH" dirty="0"/>
+              <a:t> </a:t>
+            </a:r>
+            <a:r>
+              <a:rPr lang="de-CH" dirty="0" err="1"/>
+              <a:t>criterias</a:t>
+            </a:r>
+            <a:r>
+              <a:rPr lang="de-CH" dirty="0"/>
+              <a:t> </a:t>
+            </a:r>
+            <a:r>
+              <a:rPr lang="de-CH" dirty="0" err="1"/>
+              <a:t>are</a:t>
+            </a:r>
+            <a:r>
+              <a:rPr lang="de-CH" dirty="0"/>
+              <a:t> </a:t>
+            </a:r>
+            <a:r>
+              <a:rPr lang="de-CH" dirty="0" err="1"/>
+              <a:t>met</a:t>
+            </a:r>
+            <a:r>
+              <a:rPr lang="de-CH" dirty="0"/>
+              <a:t>, </a:t>
+            </a:r>
+            <a:r>
+              <a:rPr lang="de-CH" dirty="0" err="1"/>
+              <a:t>we</a:t>
+            </a:r>
+            <a:r>
+              <a:rPr lang="de-CH" dirty="0"/>
+              <a:t> </a:t>
+            </a:r>
+            <a:r>
+              <a:rPr lang="de-CH" dirty="0" err="1"/>
+              <a:t>add</a:t>
+            </a:r>
+            <a:r>
+              <a:rPr lang="de-CH" dirty="0"/>
+              <a:t> </a:t>
+            </a:r>
+            <a:r>
+              <a:rPr lang="de-CH" dirty="0" err="1"/>
+              <a:t>one</a:t>
+            </a:r>
+            <a:r>
+              <a:rPr lang="de-CH" dirty="0"/>
+              <a:t> </a:t>
+            </a:r>
+            <a:r>
+              <a:rPr lang="de-CH" dirty="0" err="1"/>
+              <a:t>victory</a:t>
+            </a:r>
+            <a:r>
+              <a:rPr lang="de-CH" dirty="0"/>
+              <a:t> </a:t>
+            </a:r>
+            <a:r>
+              <a:rPr lang="de-CH" dirty="0" err="1"/>
+              <a:t>point</a:t>
+            </a:r>
+            <a:endParaRPr lang="de-CH" dirty="0"/>
+          </a:p>
+          <a:p>
+            <a:r>
+              <a:rPr lang="de-CH" dirty="0" err="1"/>
+              <a:t>Having</a:t>
+            </a:r>
+            <a:r>
+              <a:rPr lang="de-CH" dirty="0"/>
+              <a:t> 4 (</a:t>
+            </a:r>
+            <a:r>
+              <a:rPr lang="de-CH" dirty="0" err="1"/>
+              <a:t>or</a:t>
+            </a:r>
+            <a:r>
+              <a:rPr lang="de-CH" dirty="0"/>
+              <a:t> </a:t>
+            </a:r>
+            <a:r>
+              <a:rPr lang="de-CH" dirty="0" err="1"/>
+              <a:t>more</a:t>
+            </a:r>
+            <a:r>
+              <a:rPr lang="de-CH" dirty="0"/>
+              <a:t>) </a:t>
+            </a:r>
+            <a:r>
+              <a:rPr lang="de-CH" dirty="0" err="1"/>
+              <a:t>victory</a:t>
+            </a:r>
+            <a:r>
+              <a:rPr lang="de-CH" dirty="0"/>
+              <a:t> </a:t>
+            </a:r>
+            <a:r>
+              <a:rPr lang="de-CH" dirty="0" err="1"/>
+              <a:t>points</a:t>
+            </a:r>
+            <a:r>
+              <a:rPr lang="de-CH" dirty="0"/>
+              <a:t> </a:t>
+            </a:r>
+            <a:r>
+              <a:rPr lang="de-CH" dirty="0" err="1"/>
+              <a:t>starts</a:t>
+            </a:r>
+            <a:r>
+              <a:rPr lang="de-CH" dirty="0"/>
+              <a:t> </a:t>
+            </a:r>
+            <a:r>
+              <a:rPr lang="de-CH" dirty="0" err="1"/>
+              <a:t>the</a:t>
+            </a:r>
+            <a:r>
+              <a:rPr lang="de-CH" dirty="0"/>
+              <a:t> </a:t>
+            </a:r>
+            <a:r>
+              <a:rPr lang="de-CH" dirty="0" err="1"/>
+              <a:t>playerWon</a:t>
+            </a:r>
+            <a:r>
+              <a:rPr lang="de-CH" dirty="0"/>
+              <a:t> </a:t>
+            </a:r>
+            <a:r>
+              <a:rPr lang="de-CH" dirty="0" err="1"/>
+              <a:t>function</a:t>
+            </a:r>
+            <a:r>
+              <a:rPr lang="de-CH" dirty="0"/>
+              <a:t> (not on </a:t>
+            </a:r>
+            <a:r>
+              <a:rPr lang="de-CH" dirty="0" err="1"/>
+              <a:t>this</a:t>
+            </a:r>
+            <a:r>
+              <a:rPr lang="de-CH" dirty="0"/>
+              <a:t> </a:t>
+            </a:r>
+            <a:r>
+              <a:rPr lang="de-CH" dirty="0" err="1"/>
+              <a:t>slide</a:t>
+            </a:r>
+            <a:r>
+              <a:rPr lang="de-CH" dirty="0"/>
+              <a:t>)</a:t>
+            </a:r>
+          </a:p>
+          <a:p>
+            <a:endParaRPr lang="de-CH" dirty="0"/>
+          </a:p>
+          <a:p>
+            <a:r>
+              <a:rPr lang="de-CH" dirty="0"/>
+              <a:t>The SC </a:t>
+            </a:r>
+            <a:r>
+              <a:rPr lang="de-CH" dirty="0" err="1"/>
+              <a:t>does</a:t>
+            </a:r>
+            <a:r>
+              <a:rPr lang="de-CH" dirty="0"/>
+              <a:t> </a:t>
+            </a:r>
+            <a:r>
+              <a:rPr lang="de-CH" dirty="0" err="1"/>
+              <a:t>this</a:t>
+            </a:r>
+            <a:r>
+              <a:rPr lang="de-CH" dirty="0"/>
+              <a:t> </a:t>
+            </a:r>
+            <a:r>
+              <a:rPr lang="de-CH" dirty="0" err="1"/>
+              <a:t>horizontally</a:t>
+            </a:r>
+            <a:r>
+              <a:rPr lang="de-CH" dirty="0"/>
+              <a:t> (</a:t>
+            </a:r>
+            <a:r>
+              <a:rPr lang="de-CH" dirty="0" err="1"/>
+              <a:t>left</a:t>
+            </a:r>
+            <a:r>
+              <a:rPr lang="de-CH" dirty="0"/>
+              <a:t>, </a:t>
+            </a:r>
+            <a:r>
+              <a:rPr lang="de-CH" dirty="0" err="1"/>
+              <a:t>right</a:t>
+            </a:r>
+            <a:r>
+              <a:rPr lang="de-CH" dirty="0"/>
+              <a:t>), </a:t>
+            </a:r>
+            <a:r>
+              <a:rPr lang="de-CH" dirty="0" err="1"/>
+              <a:t>vertically</a:t>
+            </a:r>
+            <a:r>
+              <a:rPr lang="de-CH" dirty="0"/>
+              <a:t> (down) </a:t>
+            </a:r>
+            <a:r>
+              <a:rPr lang="de-CH" dirty="0" err="1"/>
+              <a:t>and</a:t>
+            </a:r>
+            <a:r>
+              <a:rPr lang="de-CH" dirty="0"/>
+              <a:t> </a:t>
+            </a:r>
+            <a:r>
+              <a:rPr lang="de-CH" dirty="0" err="1"/>
+              <a:t>diagonally</a:t>
+            </a:r>
+            <a:r>
+              <a:rPr lang="de-CH" dirty="0"/>
+              <a:t> (all </a:t>
+            </a:r>
+            <a:r>
+              <a:rPr lang="de-CH" dirty="0" err="1"/>
+              <a:t>directions</a:t>
+            </a:r>
+            <a:r>
+              <a:rPr lang="de-CH" dirty="0"/>
+              <a:t>).</a:t>
+            </a:r>
+          </a:p>
+          <a:p>
+            <a:endParaRPr lang="de-CH" dirty="0"/>
+          </a:p>
+          <a:p>
+            <a:endParaRPr lang="de-CH" dirty="0"/>
+          </a:p>
+          <a:p>
+            <a:r>
+              <a:rPr lang="de-CH" dirty="0"/>
+              <a:t>QUESTION FROM MG: Wie versteht der SC, wenn wir einen Stein in der Mitte der Siegesstrasse legen?</a:t>
+            </a:r>
+          </a:p>
+          <a:p>
+            <a:r>
+              <a:rPr lang="de-CH" dirty="0" err="1"/>
+              <a:t>zB</a:t>
+            </a:r>
+            <a:r>
+              <a:rPr lang="de-CH" dirty="0"/>
+              <a:t>: 011_10 -&gt; 011110. sucht der </a:t>
             </a:r>
             <a:r>
               <a:rPr lang="de-CH" dirty="0" err="1"/>
@@ -2632,327 +2051,24 @@
             </a:r>
             <a:r>
               <a:rPr lang="de-CH" dirty="0"/>
-              <a:t> </a:t>
-            </a:r>
-            <a:r>
-              <a:rPr lang="de-CH" dirty="0" err="1"/>
-              <a:t>provides</a:t>
-            </a:r>
-            <a:r>
-              <a:rPr lang="de-CH" dirty="0"/>
-              <a:t> </a:t>
-            </a:r>
-            <a:r>
-              <a:rPr lang="de-CH" dirty="0" err="1"/>
-              <a:t>the</a:t>
-            </a:r>
-            <a:r>
-              <a:rPr lang="de-CH" dirty="0"/>
-              <a:t> </a:t>
-            </a:r>
-            <a:r>
-              <a:rPr lang="de-CH" dirty="0" err="1"/>
-              <a:t>rule</a:t>
-            </a:r>
-            <a:r>
-              <a:rPr lang="de-CH" dirty="0"/>
-              <a:t> </a:t>
-            </a:r>
-            <a:r>
-              <a:rPr lang="de-CH" dirty="0" err="1"/>
-              <a:t>set</a:t>
-            </a:r>
-            <a:r>
-              <a:rPr lang="de-CH" dirty="0"/>
-              <a:t>, </a:t>
-            </a:r>
-            <a:r>
-              <a:rPr lang="de-CH" dirty="0" err="1"/>
-              <a:t>checks</a:t>
-            </a:r>
-            <a:r>
-              <a:rPr lang="de-CH" dirty="0"/>
-              <a:t> </a:t>
-            </a:r>
-            <a:r>
-              <a:rPr lang="de-CH" dirty="0" err="1"/>
-              <a:t>if</a:t>
-            </a:r>
-            <a:r>
-              <a:rPr lang="de-CH" dirty="0"/>
-              <a:t> </a:t>
-            </a:r>
-            <a:r>
-              <a:rPr lang="de-CH" dirty="0" err="1"/>
-              <a:t>both</a:t>
-            </a:r>
-            <a:r>
-              <a:rPr lang="de-CH" dirty="0"/>
-              <a:t> </a:t>
-            </a:r>
-            <a:r>
-              <a:rPr lang="de-CH" dirty="0" err="1"/>
-              <a:t>players</a:t>
-            </a:r>
-            <a:r>
-              <a:rPr lang="de-CH" dirty="0"/>
-              <a:t> </a:t>
-            </a:r>
-            <a:r>
-              <a:rPr lang="de-CH" dirty="0" err="1"/>
-              <a:t>set</a:t>
-            </a:r>
-            <a:r>
-              <a:rPr lang="de-CH" dirty="0"/>
-              <a:t> </a:t>
-            </a:r>
-            <a:r>
-              <a:rPr lang="de-CH" dirty="0" err="1"/>
-              <a:t>the</a:t>
-            </a:r>
-            <a:r>
-              <a:rPr lang="de-CH" dirty="0"/>
-              <a:t> same </a:t>
-            </a:r>
-            <a:r>
-              <a:rPr lang="de-CH" dirty="0" err="1"/>
-              <a:t>bet</a:t>
-            </a:r>
-            <a:r>
-              <a:rPr lang="de-CH" dirty="0"/>
-              <a:t>, </a:t>
-            </a:r>
-            <a:r>
-              <a:rPr lang="de-CH" dirty="0" err="1"/>
-              <a:t>adds</a:t>
-            </a:r>
-            <a:r>
-              <a:rPr lang="de-CH" dirty="0"/>
-              <a:t> 2 </a:t>
-            </a:r>
-            <a:r>
-              <a:rPr lang="de-CH" dirty="0" err="1"/>
-              <a:t>random</a:t>
-            </a:r>
-            <a:r>
-              <a:rPr lang="de-CH" dirty="0"/>
-              <a:t> </a:t>
-            </a:r>
-            <a:r>
-              <a:rPr lang="de-CH" dirty="0" err="1"/>
-              <a:t>stones</a:t>
-            </a:r>
-            <a:r>
-              <a:rPr lang="de-CH" dirty="0"/>
-              <a:t> </a:t>
-            </a:r>
-            <a:r>
-              <a:rPr lang="de-CH" dirty="0" err="1"/>
-              <a:t>and</a:t>
-            </a:r>
-            <a:r>
-              <a:rPr lang="de-CH" dirty="0"/>
-              <a:t> </a:t>
-            </a:r>
-            <a:r>
-              <a:rPr lang="de-CH" dirty="0" err="1"/>
-              <a:t>determines</a:t>
-            </a:r>
-            <a:r>
-              <a:rPr lang="de-CH" dirty="0"/>
-              <a:t> </a:t>
-            </a:r>
-            <a:r>
-              <a:rPr lang="de-CH" dirty="0" err="1"/>
-              <a:t>the</a:t>
-            </a:r>
-            <a:r>
-              <a:rPr lang="de-CH" dirty="0"/>
-              <a:t> </a:t>
-            </a:r>
-            <a:r>
-              <a:rPr lang="de-CH" dirty="0" err="1"/>
-              <a:t>starting</a:t>
-            </a:r>
-            <a:r>
-              <a:rPr lang="de-CH" dirty="0"/>
-              <a:t> </a:t>
-            </a:r>
-            <a:r>
-              <a:rPr lang="de-CH" dirty="0" err="1"/>
-              <a:t>player</a:t>
-            </a:r>
-            <a:r>
-              <a:rPr lang="de-CH" dirty="0"/>
-              <a:t>. </a:t>
-            </a:r>
-            <a:r>
-              <a:rPr lang="de-CH" dirty="0" err="1"/>
-              <a:t>We</a:t>
-            </a:r>
-            <a:r>
-              <a:rPr lang="de-CH" dirty="0"/>
-              <a:t> will </a:t>
-            </a:r>
-            <a:r>
-              <a:rPr lang="de-CH" dirty="0" err="1"/>
-              <a:t>see</a:t>
-            </a:r>
-            <a:r>
-              <a:rPr lang="de-CH" dirty="0"/>
-              <a:t> </a:t>
-            </a:r>
-            <a:r>
-              <a:rPr lang="de-CH" dirty="0" err="1"/>
-              <a:t>that</a:t>
-            </a:r>
-            <a:r>
-              <a:rPr lang="de-CH" dirty="0"/>
-              <a:t> in a </a:t>
-            </a:r>
-            <a:r>
-              <a:rPr lang="de-CH" dirty="0" err="1"/>
-              <a:t>bit</a:t>
-            </a:r>
-            <a:r>
-              <a:rPr lang="de-CH" dirty="0"/>
-              <a:t>, SC </a:t>
-            </a:r>
-            <a:r>
-              <a:rPr lang="de-CH" dirty="0" err="1"/>
-              <a:t>acts</a:t>
-            </a:r>
-            <a:r>
-              <a:rPr lang="de-CH" dirty="0"/>
-              <a:t> </a:t>
-            </a:r>
-            <a:r>
-              <a:rPr lang="de-CH" dirty="0" err="1"/>
-              <a:t>as</a:t>
-            </a:r>
-            <a:r>
-              <a:rPr lang="de-CH" dirty="0"/>
-              <a:t> a </a:t>
-            </a:r>
-            <a:r>
-              <a:rPr lang="de-CH" dirty="0" err="1"/>
-              <a:t>referee</a:t>
-            </a:r>
-            <a:r>
-              <a:rPr lang="de-CH" dirty="0"/>
-              <a:t>: </a:t>
-            </a:r>
-            <a:r>
-              <a:rPr lang="de-CH" dirty="0" err="1"/>
-              <a:t>are</a:t>
-            </a:r>
-            <a:r>
-              <a:rPr lang="de-CH" dirty="0"/>
-              <a:t> all </a:t>
-            </a:r>
-            <a:r>
-              <a:rPr lang="de-CH" dirty="0" err="1"/>
-              <a:t>turns</a:t>
-            </a:r>
-            <a:r>
-              <a:rPr lang="de-CH" dirty="0"/>
-              <a:t> legal?</a:t>
-            </a:r>
-          </a:p>
-          <a:p>
-            <a:r>
-              <a:rPr lang="de-CH" dirty="0" err="1"/>
-              <a:t>It</a:t>
-            </a:r>
-            <a:r>
-              <a:rPr lang="de-CH" dirty="0"/>
-              <a:t> </a:t>
-            </a:r>
-            <a:r>
-              <a:rPr lang="de-CH" dirty="0" err="1"/>
-              <a:t>has</a:t>
-            </a:r>
-            <a:r>
-              <a:rPr lang="de-CH" dirty="0"/>
-              <a:t> </a:t>
-            </a:r>
-            <a:r>
-              <a:rPr lang="de-CH" dirty="0" err="1"/>
-              <a:t>to</a:t>
-            </a:r>
-            <a:r>
-              <a:rPr lang="de-CH" dirty="0"/>
-              <a:t> check </a:t>
-            </a:r>
-            <a:r>
-              <a:rPr lang="de-CH" dirty="0" err="1"/>
-              <a:t>if</a:t>
-            </a:r>
-            <a:r>
-              <a:rPr lang="de-CH" dirty="0"/>
-              <a:t> a </a:t>
-            </a:r>
-            <a:r>
-              <a:rPr lang="de-CH" dirty="0" err="1"/>
-              <a:t>player</a:t>
-            </a:r>
-            <a:r>
-              <a:rPr lang="de-CH" dirty="0"/>
-              <a:t> </a:t>
-            </a:r>
-            <a:r>
-              <a:rPr lang="de-CH" dirty="0" err="1"/>
-              <a:t>has</a:t>
-            </a:r>
-            <a:r>
-              <a:rPr lang="de-CH" dirty="0"/>
-              <a:t> </a:t>
-            </a:r>
-            <a:r>
-              <a:rPr lang="de-CH" dirty="0" err="1"/>
-              <a:t>won</a:t>
-            </a:r>
-            <a:r>
-              <a:rPr lang="de-CH" dirty="0"/>
-              <a:t>! </a:t>
-            </a:r>
-            <a:r>
-              <a:rPr lang="de-CH" dirty="0" err="1"/>
-              <a:t>We</a:t>
-            </a:r>
-            <a:r>
-              <a:rPr lang="de-CH" dirty="0"/>
-              <a:t> will </a:t>
-            </a:r>
-            <a:r>
-              <a:rPr lang="de-CH" dirty="0" err="1"/>
-              <a:t>take</a:t>
-            </a:r>
-            <a:r>
-              <a:rPr lang="de-CH" dirty="0"/>
-              <a:t> a </a:t>
-            </a:r>
-            <a:r>
-              <a:rPr lang="de-CH" dirty="0" err="1"/>
-              <a:t>look</a:t>
-            </a:r>
-            <a:r>
-              <a:rPr lang="de-CH" dirty="0"/>
-              <a:t> at </a:t>
-            </a:r>
-            <a:r>
-              <a:rPr lang="de-CH" dirty="0" err="1"/>
-              <a:t>this</a:t>
-            </a:r>
-            <a:r>
-              <a:rPr lang="de-CH" dirty="0"/>
-              <a:t> </a:t>
-            </a:r>
-            <a:r>
-              <a:rPr lang="de-CH" dirty="0" err="1"/>
-              <a:t>function</a:t>
-            </a:r>
-            <a:endParaRPr lang="de-CH" dirty="0"/>
+              <a:t> jetzt nicht nur von _ aus nach rechts (und entdeckt 2 </a:t>
+            </a:r>
+            <a:r>
+              <a:rPr lang="de-CH" dirty="0" err="1"/>
+              <a:t>victorypoints</a:t>
+            </a:r>
+            <a:r>
+              <a:rPr lang="de-CH" dirty="0"/>
+              <a:t>?), verwirft das ganze, sucht wieder nach links (und entdeckt 3 </a:t>
+            </a:r>
+            <a:r>
+              <a:rPr lang="de-CH" dirty="0" err="1"/>
+              <a:t>victorypoints</a:t>
+            </a:r>
+            <a:r>
+              <a:rPr lang="de-CH" dirty="0"/>
+              <a:t>?)?</a:t>
+            </a:r>
           </a:p>
         </p:txBody>
       </p:sp>
@@ -2973,7 +2089,7 @@
           <a:p>
             <a:fld id="{F079726E-9332-8945-9B56-DA4499D9CAE0}" type="slidenum">
               <a:rPr lang="de-CH" smtClean="0"/>
-              <a:t>5</a:t>
+              <a:t>10</a:t>
             </a:fld>
             <a:endParaRPr lang="de-CH"/>
           </a:p>
@@ -2982,1027 +2098,7 @@
     </p:spTree>
     <p:extLst>
       <p:ext uri="{BB962C8B-B14F-4D97-AF65-F5344CB8AC3E}">
-        <p14:creationId xmlns:p14="http://schemas.microsoft.com/office/powerpoint/2010/main" val="4028892864"/>
-      </p:ext>
-    </p:extLst>
-  </p:cSld>
-  <p:clrMapOvr>
-    <a:masterClrMapping/>
-  </p:clrMapOvr>
-</p:notes>
-</file>
-
-<file path=ppt/notesSlides/notesSlide6.xml><?xml version="1.0" encoding="utf-8"?>
-<p:notes xmlns:a="http://schemas.openxmlformats.org/drawingml/2006/main" xmlns:r="http://schemas.openxmlformats.org/officeDocument/2006/relationships" xmlns:p="http://schemas.openxmlformats.org/presentationml/2006/main">
-  <p:cSld>
-    <p:spTree>
-      <p:nvGrpSpPr>
-        <p:cNvPr id="1" name=""/>
-        <p:cNvGrpSpPr/>
-        <p:nvPr/>
-      </p:nvGrpSpPr>
-      <p:grpSpPr>
-        <a:xfrm>
-          <a:off x="0" y="0"/>
-          <a:ext cx="0" cy="0"/>
-          <a:chOff x="0" y="0"/>
-          <a:chExt cx="0" cy="0"/>
-        </a:xfrm>
-      </p:grpSpPr>
-      <p:sp>
-        <p:nvSpPr>
-          <p:cNvPr id="2" name="Slide Image Placeholder 1"/>
-          <p:cNvSpPr>
-            <a:spLocks noGrp="1" noRot="1" noChangeAspect="1"/>
-          </p:cNvSpPr>
-          <p:nvPr>
-            <p:ph type="sldImg"/>
-          </p:nvPr>
-        </p:nvSpPr>
-        <p:spPr/>
-      </p:sp>
-      <p:sp>
-        <p:nvSpPr>
-          <p:cNvPr id="3" name="Notes Placeholder 2"/>
-          <p:cNvSpPr>
-            <a:spLocks noGrp="1"/>
-          </p:cNvSpPr>
-          <p:nvPr>
-            <p:ph type="body" idx="1"/>
-          </p:nvPr>
-        </p:nvSpPr>
-        <p:spPr/>
-        <p:txBody>
-          <a:bodyPr/>
-          <a:lstStyle/>
-          <a:p>
-            <a:r>
-              <a:rPr lang="de-CH" dirty="0" err="1"/>
-              <a:t>Explain</a:t>
-            </a:r>
-            <a:r>
-              <a:rPr lang="de-CH" dirty="0"/>
-              <a:t> OUR </a:t>
-            </a:r>
-            <a:r>
-              <a:rPr lang="de-CH" dirty="0" err="1"/>
-              <a:t>rules</a:t>
-            </a:r>
-            <a:endParaRPr lang="de-CH" dirty="0"/>
-          </a:p>
-          <a:p>
-            <a:r>
-              <a:rPr lang="de-CH" dirty="0" err="1"/>
-              <a:t>Possiblity</a:t>
-            </a:r>
-            <a:r>
-              <a:rPr lang="de-CH" dirty="0"/>
-              <a:t> </a:t>
-            </a:r>
-            <a:r>
-              <a:rPr lang="de-CH" dirty="0" err="1"/>
-              <a:t>to</a:t>
-            </a:r>
-            <a:r>
-              <a:rPr lang="de-CH" dirty="0"/>
-              <a:t> </a:t>
-            </a:r>
-            <a:r>
-              <a:rPr lang="de-CH" dirty="0" err="1"/>
-              <a:t>win</a:t>
-            </a:r>
-            <a:r>
-              <a:rPr lang="de-CH" dirty="0"/>
-              <a:t> (BLUE)</a:t>
-            </a:r>
-          </a:p>
-          <a:p>
-            <a:r>
-              <a:rPr lang="de-CH" dirty="0"/>
-              <a:t>Special </a:t>
-            </a:r>
-            <a:r>
-              <a:rPr lang="de-CH" dirty="0" err="1"/>
-              <a:t>case</a:t>
-            </a:r>
-            <a:r>
-              <a:rPr lang="de-CH" dirty="0"/>
-              <a:t>: </a:t>
-            </a:r>
-            <a:r>
-              <a:rPr lang="de-CH" dirty="0" err="1"/>
-              <a:t>there</a:t>
-            </a:r>
-            <a:r>
-              <a:rPr lang="de-CH" dirty="0"/>
-              <a:t> </a:t>
-            </a:r>
-            <a:r>
-              <a:rPr lang="de-CH" dirty="0" err="1"/>
-              <a:t>may</a:t>
-            </a:r>
-            <a:r>
-              <a:rPr lang="de-CH" dirty="0"/>
-              <a:t> </a:t>
-            </a:r>
-            <a:r>
-              <a:rPr lang="de-CH" dirty="0" err="1"/>
-              <a:t>be</a:t>
-            </a:r>
-            <a:r>
-              <a:rPr lang="de-CH" dirty="0"/>
-              <a:t> 5 in a </a:t>
-            </a:r>
-            <a:r>
-              <a:rPr lang="de-CH" dirty="0" err="1"/>
-              <a:t>row</a:t>
-            </a:r>
-            <a:r>
-              <a:rPr lang="de-CH" dirty="0"/>
-              <a:t>! </a:t>
-            </a:r>
-            <a:r>
-              <a:rPr lang="de-CH" dirty="0" err="1"/>
-              <a:t>Make</a:t>
-            </a:r>
-            <a:r>
-              <a:rPr lang="de-CH" dirty="0"/>
-              <a:t> </a:t>
-            </a:r>
-            <a:r>
-              <a:rPr lang="de-CH" dirty="0" err="1"/>
-              <a:t>sure</a:t>
-            </a:r>
-            <a:r>
-              <a:rPr lang="de-CH" dirty="0"/>
-              <a:t> </a:t>
-            </a:r>
-            <a:r>
-              <a:rPr lang="de-CH" dirty="0" err="1"/>
-              <a:t>the</a:t>
-            </a:r>
-            <a:r>
-              <a:rPr lang="de-CH" dirty="0"/>
-              <a:t> </a:t>
-            </a:r>
-            <a:r>
-              <a:rPr lang="de-CH" dirty="0" err="1"/>
-              <a:t>contract</a:t>
-            </a:r>
-            <a:r>
-              <a:rPr lang="de-CH" dirty="0"/>
-              <a:t> </a:t>
-            </a:r>
-            <a:r>
-              <a:rPr lang="de-CH" dirty="0" err="1"/>
-              <a:t>allows</a:t>
-            </a:r>
-            <a:r>
-              <a:rPr lang="de-CH" dirty="0"/>
-              <a:t> </a:t>
-            </a:r>
-            <a:r>
-              <a:rPr lang="de-CH" dirty="0" err="1"/>
-              <a:t>this</a:t>
-            </a:r>
-            <a:r>
-              <a:rPr lang="de-CH" dirty="0"/>
-              <a:t> </a:t>
-            </a:r>
-            <a:r>
-              <a:rPr lang="de-CH" dirty="0" err="1"/>
-              <a:t>as</a:t>
-            </a:r>
-            <a:r>
-              <a:rPr lang="de-CH" dirty="0"/>
-              <a:t> </a:t>
-            </a:r>
-            <a:r>
-              <a:rPr lang="de-CH" dirty="0" err="1"/>
-              <a:t>well</a:t>
-            </a:r>
-            <a:r>
-              <a:rPr lang="de-CH" dirty="0"/>
-              <a:t>!</a:t>
-            </a:r>
-          </a:p>
-        </p:txBody>
-      </p:sp>
-      <p:sp>
-        <p:nvSpPr>
-          <p:cNvPr id="4" name="Slide Number Placeholder 3"/>
-          <p:cNvSpPr>
-            <a:spLocks noGrp="1"/>
-          </p:cNvSpPr>
-          <p:nvPr>
-            <p:ph type="sldNum" sz="quarter" idx="5"/>
-          </p:nvPr>
-        </p:nvSpPr>
-        <p:spPr/>
-        <p:txBody>
-          <a:bodyPr/>
-          <a:lstStyle/>
-          <a:p>
-            <a:fld id="{F079726E-9332-8945-9B56-DA4499D9CAE0}" type="slidenum">
-              <a:rPr lang="de-CH" smtClean="0"/>
-              <a:t>6</a:t>
-            </a:fld>
-            <a:endParaRPr lang="de-CH"/>
-          </a:p>
-        </p:txBody>
-      </p:sp>
-    </p:spTree>
-    <p:extLst>
-      <p:ext uri="{BB962C8B-B14F-4D97-AF65-F5344CB8AC3E}">
-        <p14:creationId xmlns:p14="http://schemas.microsoft.com/office/powerpoint/2010/main" val="3705695672"/>
-      </p:ext>
-    </p:extLst>
-  </p:cSld>
-  <p:clrMapOvr>
-    <a:masterClrMapping/>
-  </p:clrMapOvr>
-</p:notes>
-</file>
-
-<file path=ppt/notesSlides/notesSlide7.xml><?xml version="1.0" encoding="utf-8"?>
-<p:notes xmlns:a="http://schemas.openxmlformats.org/drawingml/2006/main" xmlns:r="http://schemas.openxmlformats.org/officeDocument/2006/relationships" xmlns:p="http://schemas.openxmlformats.org/presentationml/2006/main">
-  <p:cSld>
-    <p:spTree>
-      <p:nvGrpSpPr>
-        <p:cNvPr id="1" name=""/>
-        <p:cNvGrpSpPr/>
-        <p:nvPr/>
-      </p:nvGrpSpPr>
-      <p:grpSpPr>
-        <a:xfrm>
-          <a:off x="0" y="0"/>
-          <a:ext cx="0" cy="0"/>
-          <a:chOff x="0" y="0"/>
-          <a:chExt cx="0" cy="0"/>
-        </a:xfrm>
-      </p:grpSpPr>
-      <p:sp>
-        <p:nvSpPr>
-          <p:cNvPr id="2" name="Slide Image Placeholder 1"/>
-          <p:cNvSpPr>
-            <a:spLocks noGrp="1" noRot="1" noChangeAspect="1"/>
-          </p:cNvSpPr>
-          <p:nvPr>
-            <p:ph type="sldImg"/>
-          </p:nvPr>
-        </p:nvSpPr>
-        <p:spPr/>
-      </p:sp>
-      <p:sp>
-        <p:nvSpPr>
-          <p:cNvPr id="3" name="Notes Placeholder 2"/>
-          <p:cNvSpPr>
-            <a:spLocks noGrp="1"/>
-          </p:cNvSpPr>
-          <p:nvPr>
-            <p:ph type="body" idx="1"/>
-          </p:nvPr>
-        </p:nvSpPr>
-        <p:spPr/>
-        <p:txBody>
-          <a:bodyPr/>
-          <a:lstStyle/>
-          <a:p>
-            <a:r>
-              <a:rPr lang="de-CH" dirty="0" err="1"/>
-              <a:t>Possibility</a:t>
-            </a:r>
-            <a:r>
-              <a:rPr lang="de-CH" dirty="0"/>
-              <a:t> </a:t>
-            </a:r>
-            <a:r>
-              <a:rPr lang="de-CH" dirty="0" err="1"/>
-              <a:t>to</a:t>
-            </a:r>
-            <a:r>
-              <a:rPr lang="de-CH" dirty="0"/>
-              <a:t> </a:t>
-            </a:r>
-            <a:r>
-              <a:rPr lang="de-CH" dirty="0" err="1"/>
-              <a:t>win</a:t>
-            </a:r>
-            <a:r>
-              <a:rPr lang="de-CH" dirty="0"/>
-              <a:t> (RED)</a:t>
-            </a:r>
-          </a:p>
-          <a:p>
-            <a:r>
-              <a:rPr lang="de-CH" dirty="0"/>
-              <a:t>Special Case: </a:t>
-            </a:r>
-            <a:r>
-              <a:rPr lang="de-CH" dirty="0" err="1"/>
-              <a:t>player</a:t>
-            </a:r>
-            <a:r>
-              <a:rPr lang="de-CH" dirty="0"/>
-              <a:t> </a:t>
-            </a:r>
-            <a:r>
-              <a:rPr lang="de-CH" dirty="0" err="1"/>
-              <a:t>wins</a:t>
-            </a:r>
-            <a:r>
-              <a:rPr lang="de-CH" dirty="0"/>
-              <a:t> in </a:t>
-            </a:r>
-            <a:r>
-              <a:rPr lang="de-CH" dirty="0" err="1"/>
-              <a:t>two</a:t>
-            </a:r>
-            <a:r>
-              <a:rPr lang="de-CH" dirty="0"/>
-              <a:t> </a:t>
-            </a:r>
-            <a:r>
-              <a:rPr lang="de-CH" dirty="0" err="1"/>
-              <a:t>ways</a:t>
-            </a:r>
-            <a:r>
-              <a:rPr lang="de-CH" dirty="0"/>
-              <a:t>. </a:t>
-            </a:r>
-            <a:r>
-              <a:rPr lang="de-CH" dirty="0" err="1"/>
-              <a:t>Make</a:t>
-            </a:r>
-            <a:r>
-              <a:rPr lang="de-CH" dirty="0"/>
-              <a:t> </a:t>
-            </a:r>
-            <a:r>
-              <a:rPr lang="de-CH" dirty="0" err="1"/>
-              <a:t>sure</a:t>
-            </a:r>
-            <a:r>
-              <a:rPr lang="de-CH" dirty="0"/>
-              <a:t> </a:t>
-            </a:r>
-            <a:r>
-              <a:rPr lang="de-CH" dirty="0" err="1"/>
-              <a:t>the</a:t>
-            </a:r>
-            <a:r>
-              <a:rPr lang="de-CH" dirty="0"/>
-              <a:t> </a:t>
-            </a:r>
-            <a:r>
-              <a:rPr lang="de-CH" dirty="0" err="1"/>
-              <a:t>contract</a:t>
-            </a:r>
-            <a:r>
-              <a:rPr lang="de-CH" dirty="0"/>
-              <a:t> </a:t>
-            </a:r>
-            <a:r>
-              <a:rPr lang="de-CH" dirty="0" err="1"/>
-              <a:t>doesn’t</a:t>
-            </a:r>
-            <a:r>
-              <a:rPr lang="de-CH" dirty="0"/>
-              <a:t> do </a:t>
-            </a:r>
-            <a:r>
-              <a:rPr lang="de-CH" dirty="0" err="1"/>
-              <a:t>anything</a:t>
-            </a:r>
-            <a:r>
-              <a:rPr lang="de-CH" dirty="0"/>
-              <a:t> </a:t>
-            </a:r>
-            <a:r>
-              <a:rPr lang="de-CH" dirty="0" err="1"/>
-              <a:t>twice</a:t>
-            </a:r>
-            <a:r>
-              <a:rPr lang="de-CH" dirty="0"/>
-              <a:t>... (like a </a:t>
-            </a:r>
-            <a:r>
-              <a:rPr lang="de-CH" dirty="0" err="1"/>
-              <a:t>payout</a:t>
-            </a:r>
-            <a:r>
-              <a:rPr lang="de-CH" dirty="0"/>
-              <a:t>)</a:t>
-            </a:r>
-          </a:p>
-        </p:txBody>
-      </p:sp>
-      <p:sp>
-        <p:nvSpPr>
-          <p:cNvPr id="4" name="Slide Number Placeholder 3"/>
-          <p:cNvSpPr>
-            <a:spLocks noGrp="1"/>
-          </p:cNvSpPr>
-          <p:nvPr>
-            <p:ph type="sldNum" sz="quarter" idx="5"/>
-          </p:nvPr>
-        </p:nvSpPr>
-        <p:spPr/>
-        <p:txBody>
-          <a:bodyPr/>
-          <a:lstStyle/>
-          <a:p>
-            <a:fld id="{F079726E-9332-8945-9B56-DA4499D9CAE0}" type="slidenum">
-              <a:rPr lang="de-CH" smtClean="0"/>
-              <a:t>7</a:t>
-            </a:fld>
-            <a:endParaRPr lang="de-CH"/>
-          </a:p>
-        </p:txBody>
-      </p:sp>
-    </p:spTree>
-    <p:extLst>
-      <p:ext uri="{BB962C8B-B14F-4D97-AF65-F5344CB8AC3E}">
-        <p14:creationId xmlns:p14="http://schemas.microsoft.com/office/powerpoint/2010/main" val="2954590792"/>
-      </p:ext>
-    </p:extLst>
-  </p:cSld>
-  <p:clrMapOvr>
-    <a:masterClrMapping/>
-  </p:clrMapOvr>
-</p:notes>
-</file>
-
-<file path=ppt/notesSlides/notesSlide8.xml><?xml version="1.0" encoding="utf-8"?>
-<p:notes xmlns:a="http://schemas.openxmlformats.org/drawingml/2006/main" xmlns:r="http://schemas.openxmlformats.org/officeDocument/2006/relationships" xmlns:p="http://schemas.openxmlformats.org/presentationml/2006/main">
-  <p:cSld>
-    <p:spTree>
-      <p:nvGrpSpPr>
-        <p:cNvPr id="1" name=""/>
-        <p:cNvGrpSpPr/>
-        <p:nvPr/>
-      </p:nvGrpSpPr>
-      <p:grpSpPr>
-        <a:xfrm>
-          <a:off x="0" y="0"/>
-          <a:ext cx="0" cy="0"/>
-          <a:chOff x="0" y="0"/>
-          <a:chExt cx="0" cy="0"/>
-        </a:xfrm>
-      </p:grpSpPr>
-      <p:sp>
-        <p:nvSpPr>
-          <p:cNvPr id="2" name="Slide Image Placeholder 1"/>
-          <p:cNvSpPr>
-            <a:spLocks noGrp="1" noRot="1" noChangeAspect="1"/>
-          </p:cNvSpPr>
-          <p:nvPr>
-            <p:ph type="sldImg"/>
-          </p:nvPr>
-        </p:nvSpPr>
-        <p:spPr/>
-      </p:sp>
-      <p:sp>
-        <p:nvSpPr>
-          <p:cNvPr id="3" name="Notes Placeholder 2"/>
-          <p:cNvSpPr>
-            <a:spLocks noGrp="1"/>
-          </p:cNvSpPr>
-          <p:nvPr>
-            <p:ph type="body" idx="1"/>
-          </p:nvPr>
-        </p:nvSpPr>
-        <p:spPr/>
-        <p:txBody>
-          <a:bodyPr/>
-          <a:lstStyle/>
-          <a:p>
-            <a:pPr marL="171450" indent="-171450">
-              <a:buFont typeface="Arial" panose="020B0604020202020204" pitchFamily="34" charset="0"/>
-              <a:buChar char="•"/>
-            </a:pPr>
-            <a:r>
-              <a:rPr lang="de-CH" dirty="0" err="1"/>
-              <a:t>Use</a:t>
-            </a:r>
-            <a:r>
-              <a:rPr lang="de-CH" dirty="0"/>
-              <a:t> </a:t>
-            </a:r>
-            <a:r>
-              <a:rPr lang="de-CH" dirty="0" err="1"/>
-              <a:t>hash</a:t>
-            </a:r>
-            <a:r>
-              <a:rPr lang="de-CH" dirty="0"/>
-              <a:t> </a:t>
-            </a:r>
-            <a:r>
-              <a:rPr lang="de-CH" dirty="0" err="1"/>
-              <a:t>of</a:t>
-            </a:r>
-            <a:r>
-              <a:rPr lang="de-CH" dirty="0"/>
-              <a:t> block </a:t>
-            </a:r>
-            <a:r>
-              <a:rPr lang="de-CH" dirty="0" err="1"/>
-              <a:t>when</a:t>
-            </a:r>
-            <a:r>
-              <a:rPr lang="de-CH" dirty="0"/>
-              <a:t> </a:t>
-            </a:r>
-            <a:r>
-              <a:rPr lang="de-CH" dirty="0" err="1"/>
-              <a:t>player</a:t>
-            </a:r>
-            <a:r>
-              <a:rPr lang="de-CH" dirty="0"/>
-              <a:t> </a:t>
-            </a:r>
-            <a:r>
-              <a:rPr lang="de-CH" dirty="0" err="1"/>
-              <a:t>two</a:t>
-            </a:r>
-            <a:r>
-              <a:rPr lang="de-CH" dirty="0"/>
-              <a:t> </a:t>
-            </a:r>
-            <a:r>
-              <a:rPr lang="de-CH" dirty="0" err="1"/>
-              <a:t>joins</a:t>
-            </a:r>
-            <a:r>
-              <a:rPr lang="de-CH" dirty="0"/>
-              <a:t> </a:t>
-            </a:r>
-            <a:r>
-              <a:rPr lang="de-CH" dirty="0" err="1"/>
-              <a:t>the</a:t>
-            </a:r>
-            <a:r>
-              <a:rPr lang="de-CH" dirty="0"/>
-              <a:t> </a:t>
-            </a:r>
-            <a:r>
-              <a:rPr lang="de-CH" dirty="0" err="1"/>
-              <a:t>game</a:t>
-            </a:r>
-            <a:r>
-              <a:rPr lang="de-CH" dirty="0"/>
-              <a:t> ex </a:t>
-            </a:r>
-            <a:r>
-              <a:rPr lang="de-CH" dirty="0" err="1"/>
-              <a:t>post</a:t>
-            </a:r>
-            <a:endParaRPr lang="de-CH" dirty="0"/>
-          </a:p>
-          <a:p>
-            <a:pPr marL="171450" indent="-171450">
-              <a:buFont typeface="Arial" panose="020B0604020202020204" pitchFamily="34" charset="0"/>
-              <a:buChar char="•"/>
-            </a:pPr>
-            <a:r>
-              <a:rPr lang="de-CH" dirty="0"/>
-              <a:t>Second </a:t>
-            </a:r>
-            <a:r>
-              <a:rPr lang="de-CH" dirty="0" err="1"/>
-              <a:t>transaction</a:t>
-            </a:r>
-            <a:r>
-              <a:rPr lang="de-CH" dirty="0"/>
-              <a:t> («</a:t>
-            </a:r>
-            <a:r>
-              <a:rPr lang="de-CH" dirty="0" err="1"/>
-              <a:t>start</a:t>
-            </a:r>
-            <a:r>
-              <a:rPr lang="de-CH" dirty="0"/>
-              <a:t> </a:t>
-            </a:r>
-            <a:r>
-              <a:rPr lang="de-CH" dirty="0" err="1"/>
-              <a:t>game</a:t>
-            </a:r>
-            <a:r>
-              <a:rPr lang="de-CH" dirty="0"/>
-              <a:t>») </a:t>
-            </a:r>
-            <a:r>
-              <a:rPr lang="de-CH" dirty="0" err="1"/>
-              <a:t>within</a:t>
-            </a:r>
-            <a:r>
-              <a:rPr lang="de-CH" dirty="0"/>
-              <a:t> 240 </a:t>
-            </a:r>
-            <a:r>
-              <a:rPr lang="de-CH" dirty="0" err="1"/>
-              <a:t>blocks</a:t>
-            </a:r>
-            <a:r>
-              <a:rPr lang="de-CH" dirty="0"/>
-              <a:t> </a:t>
-            </a:r>
-            <a:r>
-              <a:rPr lang="de-CH" dirty="0" err="1"/>
-              <a:t>that</a:t>
-            </a:r>
-            <a:r>
-              <a:rPr lang="de-CH" dirty="0"/>
-              <a:t> </a:t>
-            </a:r>
-            <a:r>
-              <a:rPr lang="de-CH" dirty="0" err="1"/>
-              <a:t>combines</a:t>
-            </a:r>
-            <a:r>
-              <a:rPr lang="de-CH" dirty="0"/>
-              <a:t> </a:t>
-            </a:r>
-            <a:r>
-              <a:rPr lang="de-CH" dirty="0" err="1"/>
-              <a:t>blockhash</a:t>
-            </a:r>
-            <a:r>
-              <a:rPr lang="de-CH" dirty="0"/>
-              <a:t> </a:t>
-            </a:r>
-            <a:r>
-              <a:rPr lang="de-CH" dirty="0" err="1"/>
-              <a:t>of</a:t>
-            </a:r>
-            <a:r>
-              <a:rPr lang="de-CH" dirty="0"/>
-              <a:t> </a:t>
-            </a:r>
-            <a:r>
-              <a:rPr lang="de-CH" dirty="0" err="1"/>
-              <a:t>join</a:t>
-            </a:r>
-            <a:r>
-              <a:rPr lang="de-CH" dirty="0"/>
-              <a:t>-transaction </a:t>
-            </a:r>
-            <a:r>
-              <a:rPr lang="de-CH" dirty="0" err="1"/>
-              <a:t>with</a:t>
-            </a:r>
-            <a:r>
-              <a:rPr lang="de-CH" dirty="0"/>
-              <a:t> </a:t>
-            </a:r>
-            <a:r>
-              <a:rPr lang="de-CH" dirty="0" err="1"/>
-              <a:t>coinbase</a:t>
-            </a:r>
-            <a:r>
-              <a:rPr lang="de-CH" dirty="0"/>
-              <a:t> </a:t>
-            </a:r>
-            <a:r>
-              <a:rPr lang="de-CH" dirty="0" err="1"/>
-              <a:t>address</a:t>
-            </a:r>
-            <a:r>
-              <a:rPr lang="de-CH" dirty="0"/>
-              <a:t> </a:t>
-            </a:r>
-            <a:r>
-              <a:rPr lang="de-CH" dirty="0" err="1"/>
-              <a:t>using</a:t>
-            </a:r>
-            <a:r>
-              <a:rPr lang="de-CH" dirty="0"/>
-              <a:t> XOR (NOT </a:t>
-            </a:r>
-            <a:r>
-              <a:rPr lang="de-CH" dirty="0" err="1"/>
-              <a:t>hash</a:t>
-            </a:r>
-            <a:r>
-              <a:rPr lang="de-CH" dirty="0"/>
-              <a:t>)</a:t>
-            </a:r>
-          </a:p>
-          <a:p>
-            <a:pPr marL="628650" lvl="1" indent="-171450">
-              <a:buFont typeface="Wingdings" pitchFamily="2" charset="2"/>
-              <a:buChar char="Ø"/>
-            </a:pPr>
-            <a:r>
-              <a:rPr lang="de-CH" dirty="0"/>
-              <a:t>Random </a:t>
-            </a:r>
-            <a:r>
-              <a:rPr lang="de-CH" dirty="0" err="1"/>
-              <a:t>seed</a:t>
-            </a:r>
-            <a:endParaRPr lang="de-CH" dirty="0"/>
-          </a:p>
-          <a:p>
-            <a:pPr marL="171450" lvl="0" indent="-171450">
-              <a:buFont typeface="Arial" panose="020B0604020202020204" pitchFamily="34" charset="0"/>
-              <a:buChar char="•"/>
-            </a:pPr>
-            <a:r>
-              <a:rPr lang="de-CH" dirty="0"/>
-              <a:t>Linear </a:t>
-            </a:r>
-            <a:r>
-              <a:rPr lang="de-CH" dirty="0" err="1"/>
-              <a:t>congruential</a:t>
-            </a:r>
-            <a:r>
-              <a:rPr lang="de-CH" dirty="0"/>
-              <a:t> </a:t>
-            </a:r>
-            <a:r>
-              <a:rPr lang="de-CH" dirty="0" err="1"/>
-              <a:t>algorithm</a:t>
-            </a:r>
-            <a:r>
-              <a:rPr lang="de-CH" dirty="0"/>
-              <a:t> </a:t>
-            </a:r>
-            <a:r>
-              <a:rPr lang="de-CH" dirty="0" err="1"/>
-              <a:t>to</a:t>
-            </a:r>
-            <a:r>
-              <a:rPr lang="de-CH" dirty="0"/>
-              <a:t> </a:t>
-            </a:r>
-            <a:r>
-              <a:rPr lang="de-CH" dirty="0" err="1"/>
-              <a:t>derive</a:t>
-            </a:r>
-            <a:r>
-              <a:rPr lang="de-CH" dirty="0"/>
-              <a:t> </a:t>
-            </a:r>
-            <a:r>
-              <a:rPr lang="de-CH" dirty="0" err="1"/>
-              <a:t>n</a:t>
-            </a:r>
-            <a:r>
-              <a:rPr lang="de-CH" dirty="0"/>
-              <a:t> </a:t>
-            </a:r>
-            <a:r>
-              <a:rPr lang="de-CH" dirty="0" err="1"/>
-              <a:t>random</a:t>
-            </a:r>
-            <a:r>
-              <a:rPr lang="de-CH" dirty="0"/>
-              <a:t> </a:t>
-            </a:r>
-            <a:r>
-              <a:rPr lang="de-CH" dirty="0" err="1"/>
-              <a:t>numbers</a:t>
-            </a:r>
-            <a:endParaRPr lang="de-CH" dirty="0"/>
-          </a:p>
-          <a:p>
-            <a:pPr marL="171450" indent="-171450">
-              <a:buFont typeface="Arial" panose="020B0604020202020204" pitchFamily="34" charset="0"/>
-              <a:buChar char="•"/>
-            </a:pPr>
-            <a:endParaRPr lang="de-CH" dirty="0"/>
-          </a:p>
-          <a:p>
-            <a:pPr marL="171450" indent="-171450">
-              <a:buFont typeface="Arial" panose="020B0604020202020204" pitchFamily="34" charset="0"/>
-              <a:buChar char="•"/>
-            </a:pPr>
-            <a:endParaRPr lang="de-CH" dirty="0"/>
-          </a:p>
-          <a:p>
-            <a:pPr marL="171450" marR="0" lvl="0" indent="-171450" algn="l" defTabSz="914400" rtl="0" eaLnBrk="1" fontAlgn="auto" latinLnBrk="0" hangingPunct="1">
-              <a:lnSpc>
-                <a:spcPct val="100000"/>
-              </a:lnSpc>
-              <a:spcBef>
-                <a:spcPts val="0"/>
-              </a:spcBef>
-              <a:spcAft>
-                <a:spcPts val="0"/>
-              </a:spcAft>
-              <a:buClrTx/>
-              <a:buSzTx/>
-              <a:buFont typeface="Arial" panose="020B0604020202020204" pitchFamily="34" charset="0"/>
-              <a:buChar char="•"/>
-              <a:tabLst/>
-              <a:defRPr/>
-            </a:pPr>
-            <a:r>
-              <a:rPr lang="de-CH" sz="1200" dirty="0">
-                <a:latin typeface="Courier" pitchFamily="2" charset="0"/>
-              </a:rPr>
-              <a:t>// Linear </a:t>
-            </a:r>
-            <a:r>
-              <a:rPr lang="de-CH" sz="1200" dirty="0" err="1">
-                <a:latin typeface="Courier" pitchFamily="2" charset="0"/>
-              </a:rPr>
-              <a:t>Congruential</a:t>
-            </a:r>
-            <a:r>
-              <a:rPr lang="de-CH" sz="1200" dirty="0">
-                <a:latin typeface="Courier" pitchFamily="2" charset="0"/>
-              </a:rPr>
-              <a:t> Generator (C++11's </a:t>
-            </a:r>
-            <a:r>
-              <a:rPr lang="de-CH" sz="1200" dirty="0" err="1">
-                <a:latin typeface="Courier" pitchFamily="2" charset="0"/>
-              </a:rPr>
-              <a:t>minstd_rand</a:t>
-            </a:r>
-            <a:r>
-              <a:rPr lang="de-CH" sz="1200" dirty="0">
-                <a:latin typeface="Courier" pitchFamily="2" charset="0"/>
-              </a:rPr>
-              <a:t>: ISO/IEC 14882:2011)</a:t>
-            </a:r>
-          </a:p>
-          <a:p>
-            <a:pPr marL="171450" indent="-171450">
-              <a:buFont typeface="Arial" panose="020B0604020202020204" pitchFamily="34" charset="0"/>
-              <a:buChar char="•"/>
-            </a:pPr>
-            <a:endParaRPr lang="de-CH" dirty="0"/>
-          </a:p>
-        </p:txBody>
-      </p:sp>
-      <p:sp>
-        <p:nvSpPr>
-          <p:cNvPr id="4" name="Slide Number Placeholder 3"/>
-          <p:cNvSpPr>
-            <a:spLocks noGrp="1"/>
-          </p:cNvSpPr>
-          <p:nvPr>
-            <p:ph type="sldNum" sz="quarter" idx="5"/>
-          </p:nvPr>
-        </p:nvSpPr>
-        <p:spPr/>
-        <p:txBody>
-          <a:bodyPr/>
-          <a:lstStyle/>
-          <a:p>
-            <a:fld id="{F079726E-9332-8945-9B56-DA4499D9CAE0}" type="slidenum">
-              <a:rPr lang="de-CH" smtClean="0"/>
-              <a:t>8</a:t>
-            </a:fld>
-            <a:endParaRPr lang="de-CH"/>
-          </a:p>
-        </p:txBody>
-      </p:sp>
-    </p:spTree>
-    <p:extLst>
-      <p:ext uri="{BB962C8B-B14F-4D97-AF65-F5344CB8AC3E}">
-        <p14:creationId xmlns:p14="http://schemas.microsoft.com/office/powerpoint/2010/main" val="1874503172"/>
-      </p:ext>
-    </p:extLst>
-  </p:cSld>
-  <p:clrMapOvr>
-    <a:masterClrMapping/>
-  </p:clrMapOvr>
-</p:notes>
-</file>
-
-<file path=ppt/notesSlides/notesSlide9.xml><?xml version="1.0" encoding="utf-8"?>
-<p:notes xmlns:a="http://schemas.openxmlformats.org/drawingml/2006/main" xmlns:r="http://schemas.openxmlformats.org/officeDocument/2006/relationships" xmlns:p="http://schemas.openxmlformats.org/presentationml/2006/main">
-  <p:cSld>
-    <p:spTree>
-      <p:nvGrpSpPr>
-        <p:cNvPr id="1" name=""/>
-        <p:cNvGrpSpPr/>
-        <p:nvPr/>
-      </p:nvGrpSpPr>
-      <p:grpSpPr>
-        <a:xfrm>
-          <a:off x="0" y="0"/>
-          <a:ext cx="0" cy="0"/>
-          <a:chOff x="0" y="0"/>
-          <a:chExt cx="0" cy="0"/>
-        </a:xfrm>
-      </p:grpSpPr>
-      <p:sp>
-        <p:nvSpPr>
-          <p:cNvPr id="2" name="Slide Image Placeholder 1"/>
-          <p:cNvSpPr>
-            <a:spLocks noGrp="1" noRot="1" noChangeAspect="1"/>
-          </p:cNvSpPr>
-          <p:nvPr>
-            <p:ph type="sldImg"/>
-          </p:nvPr>
-        </p:nvSpPr>
-        <p:spPr/>
-      </p:sp>
-      <p:sp>
-        <p:nvSpPr>
-          <p:cNvPr id="3" name="Notes Placeholder 2"/>
-          <p:cNvSpPr>
-            <a:spLocks noGrp="1"/>
-          </p:cNvSpPr>
-          <p:nvPr>
-            <p:ph type="body" idx="1"/>
-          </p:nvPr>
-        </p:nvSpPr>
-        <p:spPr/>
-        <p:txBody>
-          <a:bodyPr/>
-          <a:lstStyle/>
-          <a:p>
-            <a:pPr marL="0" marR="0" lvl="0" indent="0" algn="l" defTabSz="914400" rtl="0" eaLnBrk="1" fontAlgn="auto" latinLnBrk="0" hangingPunct="1">
-              <a:lnSpc>
-                <a:spcPct val="100000"/>
-              </a:lnSpc>
-              <a:spcBef>
-                <a:spcPts val="0"/>
-              </a:spcBef>
-              <a:spcAft>
-                <a:spcPts val="0"/>
-              </a:spcAft>
-              <a:buClrTx/>
-              <a:buSzTx/>
-              <a:buFont typeface="Arial" panose="020B0604020202020204" pitchFamily="34" charset="0"/>
-              <a:buNone/>
-              <a:tabLst/>
-              <a:defRPr/>
-            </a:pPr>
-            <a:r>
-              <a:rPr lang="de-CH" sz="1200" dirty="0">
-                <a:latin typeface="Courier" pitchFamily="2" charset="0"/>
-              </a:rPr>
-              <a:t>Linear </a:t>
-            </a:r>
-            <a:r>
-              <a:rPr lang="de-CH" sz="1200" dirty="0" err="1">
-                <a:latin typeface="Courier" pitchFamily="2" charset="0"/>
-              </a:rPr>
-              <a:t>Congruential</a:t>
-            </a:r>
-            <a:r>
-              <a:rPr lang="de-CH" sz="1200" dirty="0">
-                <a:latin typeface="Courier" pitchFamily="2" charset="0"/>
-              </a:rPr>
-              <a:t> Generator (C++11's </a:t>
-            </a:r>
-            <a:r>
-              <a:rPr lang="de-CH" sz="1200" dirty="0" err="1">
-                <a:latin typeface="Courier" pitchFamily="2" charset="0"/>
-              </a:rPr>
-              <a:t>minstd_rand</a:t>
-            </a:r>
-            <a:r>
-              <a:rPr lang="de-CH" sz="1200" dirty="0">
-                <a:latin typeface="Courier" pitchFamily="2" charset="0"/>
-              </a:rPr>
-              <a:t>: ISO/IEC 14882:2011)</a:t>
-            </a:r>
-          </a:p>
-          <a:p>
-            <a:pPr marL="171450" indent="-171450">
-              <a:buFont typeface="Arial" panose="020B0604020202020204" pitchFamily="34" charset="0"/>
-              <a:buChar char="•"/>
-            </a:pPr>
-            <a:endParaRPr lang="de-CH" dirty="0"/>
-          </a:p>
-        </p:txBody>
-      </p:sp>
-      <p:sp>
-        <p:nvSpPr>
-          <p:cNvPr id="4" name="Slide Number Placeholder 3"/>
-          <p:cNvSpPr>
-            <a:spLocks noGrp="1"/>
-          </p:cNvSpPr>
-          <p:nvPr>
-            <p:ph type="sldNum" sz="quarter" idx="5"/>
-          </p:nvPr>
-        </p:nvSpPr>
-        <p:spPr/>
-        <p:txBody>
-          <a:bodyPr/>
-          <a:lstStyle/>
-          <a:p>
-            <a:fld id="{F079726E-9332-8945-9B56-DA4499D9CAE0}" type="slidenum">
-              <a:rPr lang="de-CH" smtClean="0"/>
-              <a:t>9</a:t>
-            </a:fld>
-            <a:endParaRPr lang="de-CH"/>
-          </a:p>
-        </p:txBody>
-      </p:sp>
-    </p:spTree>
-    <p:extLst>
-      <p:ext uri="{BB962C8B-B14F-4D97-AF65-F5344CB8AC3E}">
-        <p14:creationId xmlns:p14="http://schemas.microsoft.com/office/powerpoint/2010/main" val="1745228697"/>
+        <p14:creationId xmlns:p14="http://schemas.microsoft.com/office/powerpoint/2010/main" val="1060718210"/>
       </p:ext>
     </p:extLst>
   </p:cSld>
@@ -5213,6 +3309,36 @@
           <a:chExt cx="0" cy="0"/>
         </a:xfrm>
       </p:grpSpPr>
+      <p:pic>
+        <p:nvPicPr>
+          <p:cNvPr id="8" name="Picture 7">
+            <a:extLst>
+              <a:ext uri="{FF2B5EF4-FFF2-40B4-BE49-F238E27FC236}">
+                <a16:creationId xmlns:a16="http://schemas.microsoft.com/office/drawing/2014/main" id="{30B4903A-7855-0D48-A3E4-C6AFBA3A2903}"/>
+              </a:ext>
+            </a:extLst>
+          </p:cNvPr>
+          <p:cNvPicPr>
+            <a:picLocks noChangeAspect="1"/>
+          </p:cNvPicPr>
+          <p:nvPr userDrawn="1"/>
+        </p:nvPicPr>
+        <p:blipFill>
+          <a:blip r:embed="rId2"/>
+          <a:stretch>
+            <a:fillRect/>
+          </a:stretch>
+        </p:blipFill>
+        <p:spPr>
+          <a:xfrm rot="5400000">
+            <a:off x="7580452" y="2246456"/>
+            <a:ext cx="6858001" cy="2365094"/>
+          </a:xfrm>
+          <a:prstGeom prst="rect">
+            <a:avLst/>
+          </a:prstGeom>
+        </p:spPr>
+      </p:pic>
       <p:sp>
         <p:nvSpPr>
           <p:cNvPr id="2" name="Title 1">
@@ -7637,33 +5763,198 @@
       </p:sp>
       <p:sp>
         <p:nvSpPr>
-          <p:cNvPr id="3" name="Content Placeholder 2">
+          <p:cNvPr id="6" name="Content Placeholder 2">
             <a:extLst>
               <a:ext uri="{FF2B5EF4-FFF2-40B4-BE49-F238E27FC236}">
-                <a16:creationId xmlns:a16="http://schemas.microsoft.com/office/drawing/2014/main" id="{A66E1D3F-4330-134B-B974-1FBA1B563683}"/>
+                <a16:creationId xmlns:a16="http://schemas.microsoft.com/office/drawing/2014/main" id="{8442F2A9-93BA-A342-A627-1402FD35B03F}"/>
               </a:ext>
             </a:extLst>
           </p:cNvPr>
-          <p:cNvSpPr>
-            <a:spLocks noGrp="1"/>
-          </p:cNvSpPr>
-          <p:nvPr>
-            <p:ph idx="1"/>
-          </p:nvPr>
+          <p:cNvSpPr txBox="1">
+            <a:spLocks/>
+          </p:cNvSpPr>
+          <p:nvPr/>
         </p:nvSpPr>
         <p:spPr>
           <a:xfrm>
             <a:off x="838200" y="1690688"/>
             <a:ext cx="9029700" cy="4486275"/>
           </a:xfrm>
+          <a:prstGeom prst="rect">
+            <a:avLst/>
+          </a:prstGeom>
         </p:spPr>
         <p:txBody>
-          <a:bodyPr>
+          <a:bodyPr vert="horz" lIns="91440" tIns="45720" rIns="91440" bIns="45720" rtlCol="0">
             <a:noAutofit/>
           </a:bodyPr>
-          <a:lstStyle/>
+          <a:lstStyle>
+            <a:lvl1pPr marL="228600" indent="-228600" algn="l" defTabSz="914400" rtl="0" eaLnBrk="1" latinLnBrk="0" hangingPunct="1">
+              <a:lnSpc>
+                <a:spcPct val="90000"/>
+              </a:lnSpc>
+              <a:spcBef>
+                <a:spcPts val="1000"/>
+              </a:spcBef>
+              <a:buFont typeface="Arial" panose="020B0604020202020204" pitchFamily="34" charset="0"/>
+              <a:buChar char="•"/>
+              <a:defRPr sz="2800" kern="1200">
+                <a:solidFill>
+                  <a:schemeClr val="tx1"/>
+                </a:solidFill>
+                <a:latin typeface="Arial" panose="020B0604020202020204" pitchFamily="34" charset="0"/>
+                <a:ea typeface="+mn-ea"/>
+                <a:cs typeface="Arial" panose="020B0604020202020204" pitchFamily="34" charset="0"/>
+              </a:defRPr>
+            </a:lvl1pPr>
+            <a:lvl2pPr marL="685800" indent="-228600" algn="l" defTabSz="914400" rtl="0" eaLnBrk="1" latinLnBrk="0" hangingPunct="1">
+              <a:lnSpc>
+                <a:spcPct val="90000"/>
+              </a:lnSpc>
+              <a:spcBef>
+                <a:spcPts val="500"/>
+              </a:spcBef>
+              <a:buFont typeface="Arial" panose="020B0604020202020204" pitchFamily="34" charset="0"/>
+              <a:buChar char="•"/>
+              <a:defRPr sz="2400" kern="1200">
+                <a:solidFill>
+                  <a:schemeClr val="tx1"/>
+                </a:solidFill>
+                <a:latin typeface="Arial" panose="020B0604020202020204" pitchFamily="34" charset="0"/>
+                <a:ea typeface="+mn-ea"/>
+                <a:cs typeface="Arial" panose="020B0604020202020204" pitchFamily="34" charset="0"/>
+              </a:defRPr>
+            </a:lvl2pPr>
+            <a:lvl3pPr marL="1143000" indent="-228600" algn="l" defTabSz="914400" rtl="0" eaLnBrk="1" latinLnBrk="0" hangingPunct="1">
+              <a:lnSpc>
+                <a:spcPct val="90000"/>
+              </a:lnSpc>
+              <a:spcBef>
+                <a:spcPts val="500"/>
+              </a:spcBef>
+              <a:buFont typeface="Arial" panose="020B0604020202020204" pitchFamily="34" charset="0"/>
+              <a:buChar char="•"/>
+              <a:defRPr sz="2000" kern="1200">
+                <a:solidFill>
+                  <a:schemeClr val="tx1"/>
+                </a:solidFill>
+                <a:latin typeface="Arial" panose="020B0604020202020204" pitchFamily="34" charset="0"/>
+                <a:ea typeface="+mn-ea"/>
+                <a:cs typeface="Arial" panose="020B0604020202020204" pitchFamily="34" charset="0"/>
+              </a:defRPr>
+            </a:lvl3pPr>
+            <a:lvl4pPr marL="1600200" indent="-228600" algn="l" defTabSz="914400" rtl="0" eaLnBrk="1" latinLnBrk="0" hangingPunct="1">
+              <a:lnSpc>
+                <a:spcPct val="90000"/>
+              </a:lnSpc>
+              <a:spcBef>
+                <a:spcPts val="500"/>
+              </a:spcBef>
+              <a:buFont typeface="Arial" panose="020B0604020202020204" pitchFamily="34" charset="0"/>
+              <a:buChar char="•"/>
+              <a:defRPr sz="1800" kern="1200">
+                <a:solidFill>
+                  <a:schemeClr val="tx1"/>
+                </a:solidFill>
+                <a:latin typeface="Arial" panose="020B0604020202020204" pitchFamily="34" charset="0"/>
+                <a:ea typeface="+mn-ea"/>
+                <a:cs typeface="Arial" panose="020B0604020202020204" pitchFamily="34" charset="0"/>
+              </a:defRPr>
+            </a:lvl4pPr>
+            <a:lvl5pPr marL="2057400" indent="-228600" algn="l" defTabSz="914400" rtl="0" eaLnBrk="1" latinLnBrk="0" hangingPunct="1">
+              <a:lnSpc>
+                <a:spcPct val="90000"/>
+              </a:lnSpc>
+              <a:spcBef>
+                <a:spcPts val="500"/>
+              </a:spcBef>
+              <a:buFont typeface="Arial" panose="020B0604020202020204" pitchFamily="34" charset="0"/>
+              <a:buChar char="•"/>
+              <a:defRPr sz="1800" kern="1200">
+                <a:solidFill>
+                  <a:schemeClr val="tx1"/>
+                </a:solidFill>
+                <a:latin typeface="Arial" panose="020B0604020202020204" pitchFamily="34" charset="0"/>
+                <a:ea typeface="+mn-ea"/>
+                <a:cs typeface="Arial" panose="020B0604020202020204" pitchFamily="34" charset="0"/>
+              </a:defRPr>
+            </a:lvl5pPr>
+            <a:lvl6pPr marL="2514600" indent="-228600" algn="l" defTabSz="914400" rtl="0" eaLnBrk="1" latinLnBrk="0" hangingPunct="1">
+              <a:lnSpc>
+                <a:spcPct val="90000"/>
+              </a:lnSpc>
+              <a:spcBef>
+                <a:spcPts val="500"/>
+              </a:spcBef>
+              <a:buFont typeface="Arial" panose="020B0604020202020204" pitchFamily="34" charset="0"/>
+              <a:buChar char="•"/>
+              <a:defRPr sz="1800" kern="1200">
+                <a:solidFill>
+                  <a:schemeClr val="tx1"/>
+                </a:solidFill>
+                <a:latin typeface="+mn-lt"/>
+                <a:ea typeface="+mn-ea"/>
+                <a:cs typeface="+mn-cs"/>
+              </a:defRPr>
+            </a:lvl6pPr>
+            <a:lvl7pPr marL="2971800" indent="-228600" algn="l" defTabSz="914400" rtl="0" eaLnBrk="1" latinLnBrk="0" hangingPunct="1">
+              <a:lnSpc>
+                <a:spcPct val="90000"/>
+              </a:lnSpc>
+              <a:spcBef>
+                <a:spcPts val="500"/>
+              </a:spcBef>
+              <a:buFont typeface="Arial" panose="020B0604020202020204" pitchFamily="34" charset="0"/>
+              <a:buChar char="•"/>
+              <a:defRPr sz="1800" kern="1200">
+                <a:solidFill>
+                  <a:schemeClr val="tx1"/>
+                </a:solidFill>
+                <a:latin typeface="+mn-lt"/>
+                <a:ea typeface="+mn-ea"/>
+                <a:cs typeface="+mn-cs"/>
+              </a:defRPr>
+            </a:lvl7pPr>
+            <a:lvl8pPr marL="3429000" indent="-228600" algn="l" defTabSz="914400" rtl="0" eaLnBrk="1" latinLnBrk="0" hangingPunct="1">
+              <a:lnSpc>
+                <a:spcPct val="90000"/>
+              </a:lnSpc>
+              <a:spcBef>
+                <a:spcPts val="500"/>
+              </a:spcBef>
+              <a:buFont typeface="Arial" panose="020B0604020202020204" pitchFamily="34" charset="0"/>
+              <a:buChar char="•"/>
+              <a:defRPr sz="1800" kern="1200">
+                <a:solidFill>
+                  <a:schemeClr val="tx1"/>
+                </a:solidFill>
+                <a:latin typeface="+mn-lt"/>
+                <a:ea typeface="+mn-ea"/>
+                <a:cs typeface="+mn-cs"/>
+              </a:defRPr>
+            </a:lvl8pPr>
+            <a:lvl9pPr marL="3886200" indent="-228600" algn="l" defTabSz="914400" rtl="0" eaLnBrk="1" latinLnBrk="0" hangingPunct="1">
+              <a:lnSpc>
+                <a:spcPct val="90000"/>
+              </a:lnSpc>
+              <a:spcBef>
+                <a:spcPts val="500"/>
+              </a:spcBef>
+              <a:buFont typeface="Arial" panose="020B0604020202020204" pitchFamily="34" charset="0"/>
+              <a:buChar char="•"/>
+              <a:defRPr sz="1800" kern="1200">
+                <a:solidFill>
+                  <a:schemeClr val="tx1"/>
+                </a:solidFill>
+                <a:latin typeface="+mn-lt"/>
+                <a:ea typeface="+mn-ea"/>
+                <a:cs typeface="+mn-cs"/>
+              </a:defRPr>
+            </a:lvl9pPr>
+          </a:lstStyle>
           <a:p>
             <a:pPr marL="0" indent="0">
+              <a:buFont typeface="Arial" panose="020B0604020202020204" pitchFamily="34" charset="0"/>
               <a:buNone/>
             </a:pPr>
             <a:r>
@@ -7687,6 +5978,7 @@
           </a:p>
           <a:p>
             <a:pPr marL="0" indent="0">
+              <a:buFont typeface="Arial" panose="020B0604020202020204" pitchFamily="34" charset="0"/>
               <a:buNone/>
             </a:pPr>
             <a:r>
@@ -7696,14 +5988,9 @@
           </a:p>
           <a:p>
             <a:pPr marL="0" indent="0">
+              <a:buFont typeface="Arial" panose="020B0604020202020204" pitchFamily="34" charset="0"/>
               <a:buNone/>
             </a:pPr>
-            <a:r>
-              <a:rPr lang="en-US" sz="1600" dirty="0">
-                <a:latin typeface="Courier" pitchFamily="2" charset="0"/>
-              </a:rPr>
-              <a:t>    // </a:t>
-            </a:r>
             <a:r>
               <a:rPr lang="en-US" sz="1600" dirty="0">
                 <a:highlight>
@@ -7711,18 +5998,19 @@
                 </a:highlight>
                 <a:latin typeface="Courier" pitchFamily="2" charset="0"/>
               </a:rPr>
-              <a:t>right side</a:t>
+              <a:t>    // left side</a:t>
             </a:r>
           </a:p>
           <a:p>
             <a:pPr marL="0" indent="0">
+              <a:buFont typeface="Arial" panose="020B0604020202020204" pitchFamily="34" charset="0"/>
               <a:buNone/>
             </a:pPr>
             <a:r>
               <a:rPr lang="en-US" sz="1600" dirty="0">
                 <a:latin typeface="Courier" pitchFamily="2" charset="0"/>
               </a:rPr>
-              <a:t>    uint8 </a:t>
+              <a:t>    </a:t>
             </a:r>
             <a:r>
               <a:rPr lang="en-US" sz="1600" dirty="0" err="1">
@@ -7751,13 +6039,14 @@
           </a:p>
           <a:p>
             <a:pPr marL="0" indent="0">
+              <a:buFont typeface="Arial" panose="020B0604020202020204" pitchFamily="34" charset="0"/>
               <a:buNone/>
             </a:pPr>
             <a:r>
               <a:rPr lang="en-US" sz="1600" dirty="0">
                 <a:latin typeface="Courier" pitchFamily="2" charset="0"/>
               </a:rPr>
-              <a:t>    uint8 </a:t>
+              <a:t>    </a:t>
             </a:r>
             <a:r>
               <a:rPr lang="en-US" sz="1600" dirty="0" err="1">
@@ -7774,6 +6063,7 @@
           </a:p>
           <a:p>
             <a:pPr marL="0" indent="0">
+              <a:buFont typeface="Arial" panose="020B0604020202020204" pitchFamily="34" charset="0"/>
               <a:buNone/>
             </a:pPr>
             <a:r>
@@ -7816,11 +6106,12 @@
               <a:rPr lang="en-US" sz="1600" dirty="0">
                 <a:latin typeface="Courier" pitchFamily="2" charset="0"/>
               </a:rPr>
-              <a:t> &lt;= 6) {</a:t>
+              <a:t> &gt;= 0) {</a:t>
             </a:r>
           </a:p>
           <a:p>
             <a:pPr marL="0" indent="0">
+              <a:buFont typeface="Arial" panose="020B0604020202020204" pitchFamily="34" charset="0"/>
               <a:buNone/>
             </a:pPr>
             <a:r>
@@ -7844,13 +6135,14 @@
           </a:p>
           <a:p>
             <a:pPr marL="0" indent="0">
+              <a:buFont typeface="Arial" panose="020B0604020202020204" pitchFamily="34" charset="0"/>
               <a:buNone/>
             </a:pPr>
             <a:r>
               <a:rPr lang="en-US" sz="1600" dirty="0">
                 <a:latin typeface="Courier" pitchFamily="2" charset="0"/>
               </a:rPr>
-              <a:t>        </a:t>
+              <a:t>        if (</a:t>
             </a:r>
             <a:r>
               <a:rPr lang="en-US" sz="1600" dirty="0" err="1">
@@ -7862,18 +6154,19 @@
               <a:rPr lang="en-US" sz="1600" dirty="0">
                 <a:latin typeface="Courier" pitchFamily="2" charset="0"/>
               </a:rPr>
-              <a:t>++;</a:t>
+              <a:t> &gt; 0) {</a:t>
             </a:r>
           </a:p>
           <a:p>
             <a:pPr marL="0" indent="0">
+              <a:buFont typeface="Arial" panose="020B0604020202020204" pitchFamily="34" charset="0"/>
               <a:buNone/>
             </a:pPr>
             <a:r>
               <a:rPr lang="en-US" sz="1600" dirty="0">
                 <a:latin typeface="Courier" pitchFamily="2" charset="0"/>
               </a:rPr>
-              <a:t>        if (</a:t>
+              <a:t>            </a:t>
             </a:r>
             <a:r>
               <a:rPr lang="en-US" sz="1600" dirty="0" err="1">
@@ -7885,11 +6178,12 @@
               <a:rPr lang="en-US" sz="1600" dirty="0">
                 <a:latin typeface="Courier" pitchFamily="2" charset="0"/>
               </a:rPr>
-              <a:t> &lt;= 6)</a:t>
+              <a:t>--;</a:t>
             </a:r>
           </a:p>
           <a:p>
             <a:pPr marL="0" indent="0">
+              <a:buFont typeface="Arial" panose="020B0604020202020204" pitchFamily="34" charset="0"/>
               <a:buNone/>
             </a:pPr>
             <a:r>
@@ -7925,6 +6219,31 @@
           </a:p>
           <a:p>
             <a:pPr marL="0" indent="0">
+              <a:buFont typeface="Arial" panose="020B0604020202020204" pitchFamily="34" charset="0"/>
+              <a:buNone/>
+            </a:pPr>
+            <a:r>
+              <a:rPr lang="en-US" sz="1600" dirty="0">
+                <a:latin typeface="Courier" pitchFamily="2" charset="0"/>
+              </a:rPr>
+              <a:t>        } else</a:t>
+            </a:r>
+          </a:p>
+          <a:p>
+            <a:pPr marL="0" indent="0">
+              <a:buFont typeface="Arial" panose="020B0604020202020204" pitchFamily="34" charset="0"/>
+              <a:buNone/>
+            </a:pPr>
+            <a:r>
+              <a:rPr lang="en-US" sz="1600" dirty="0">
+                <a:latin typeface="Courier" pitchFamily="2" charset="0"/>
+              </a:rPr>
+              <a:t>            break;</a:t>
+            </a:r>
+          </a:p>
+          <a:p>
+            <a:pPr marL="0" indent="0">
+              <a:buFont typeface="Arial" panose="020B0604020202020204" pitchFamily="34" charset="0"/>
               <a:buNone/>
             </a:pPr>
             <a:r>
@@ -7936,6 +6255,7 @@
           </a:p>
           <a:p>
             <a:pPr marL="0" indent="0">
+              <a:buFont typeface="Arial" panose="020B0604020202020204" pitchFamily="34" charset="0"/>
               <a:buNone/>
             </a:pPr>
             <a:r>
@@ -8106,7 +6426,7 @@
           <p:cNvPr id="2" name="Title 1">
             <a:extLst>
               <a:ext uri="{FF2B5EF4-FFF2-40B4-BE49-F238E27FC236}">
-                <a16:creationId xmlns:a16="http://schemas.microsoft.com/office/drawing/2014/main" id="{863756BB-6FB0-4644-8838-64694BEE8DC7}"/>
+                <a16:creationId xmlns:a16="http://schemas.microsoft.com/office/drawing/2014/main" id="{8E9BAB96-24AB-BF4F-98DC-E5C90853B89B}"/>
               </a:ext>
             </a:extLst>
           </p:cNvPr>
@@ -8126,17 +6446,128 @@
               <a:rPr lang="en-US" b="1" dirty="0"/>
               <a:t>The Concept</a:t>
             </a:r>
+            <a:endParaRPr lang="de-CH" dirty="0"/>
           </a:p>
         </p:txBody>
       </p:sp>
-      <mc:AlternateContent xmlns:mc="http://schemas.openxmlformats.org/markup-compatibility/2006" xmlns:a14="http://schemas.microsoft.com/office/drawing/2010/main">
-        <mc:Choice Requires="a14">
+      <p:sp>
+        <p:nvSpPr>
+          <p:cNvPr id="3" name="Content Placeholder 2">
+            <a:extLst>
+              <a:ext uri="{FF2B5EF4-FFF2-40B4-BE49-F238E27FC236}">
+                <a16:creationId xmlns:a16="http://schemas.microsoft.com/office/drawing/2014/main" id="{1CA4A746-6F98-CC42-8301-7289DE305403}"/>
+              </a:ext>
+            </a:extLst>
+          </p:cNvPr>
+          <p:cNvSpPr>
+            <a:spLocks noGrp="1"/>
+          </p:cNvSpPr>
+          <p:nvPr>
+            <p:ph sz="half" idx="1"/>
+          </p:nvPr>
+        </p:nvSpPr>
+        <p:spPr/>
+        <p:txBody>
+          <a:bodyPr>
+            <a:normAutofit fontScale="92500" lnSpcReduction="10000"/>
+          </a:bodyPr>
+          <a:lstStyle/>
+          <a:p>
+            <a:pPr marL="0" indent="0">
+              <a:buNone/>
+            </a:pPr>
+            <a:r>
+              <a:rPr lang="en-US" dirty="0"/>
+              <a:t>Let’s create a simple turn-based game for 2 players.</a:t>
+            </a:r>
+          </a:p>
+          <a:p>
+            <a:pPr>
+              <a:buFont typeface="Wingdings" pitchFamily="2" charset="2"/>
+              <a:buChar char="Ø"/>
+            </a:pPr>
+            <a:r>
+              <a:rPr lang="en-US" sz="2600" dirty="0"/>
+              <a:t>Connect Four</a:t>
+            </a:r>
+          </a:p>
+          <a:p>
+            <a:pPr>
+              <a:buFont typeface="Wingdings" pitchFamily="2" charset="2"/>
+              <a:buChar char="Ø"/>
+            </a:pPr>
+            <a:r>
+              <a:rPr lang="en-US" sz="2600" dirty="0"/>
+              <a:t>Front-End necessary</a:t>
+            </a:r>
+          </a:p>
+          <a:p>
+            <a:pPr marL="0" indent="0">
+              <a:buNone/>
+            </a:pPr>
+            <a:endParaRPr lang="en-US" dirty="0"/>
+          </a:p>
+          <a:p>
+            <a:pPr marL="0" indent="0">
+              <a:buNone/>
+            </a:pPr>
+            <a:r>
+              <a:rPr lang="en-US" dirty="0"/>
+              <a:t>Let them play for ETH and we take a cut.</a:t>
+            </a:r>
+          </a:p>
+          <a:p>
+            <a:pPr>
+              <a:buFont typeface="Wingdings" pitchFamily="2" charset="2"/>
+              <a:buChar char="Ø"/>
+            </a:pPr>
+            <a:r>
+              <a:rPr lang="en-US" sz="2600" dirty="0"/>
+              <a:t>Connect four is a solved game!</a:t>
+            </a:r>
+          </a:p>
+          <a:p>
+            <a:pPr>
+              <a:buFont typeface="Wingdings" pitchFamily="2" charset="2"/>
+              <a:buChar char="Ø"/>
+            </a:pPr>
+            <a:r>
+              <a:rPr lang="en-US" sz="2600" dirty="0"/>
+              <a:t>Restrictions</a:t>
+            </a:r>
+          </a:p>
+          <a:p>
+            <a:pPr>
+              <a:buFont typeface="Wingdings" pitchFamily="2" charset="2"/>
+              <a:buChar char="Ø"/>
+            </a:pPr>
+            <a:r>
+              <a:rPr lang="en-US" sz="2600" dirty="0"/>
+              <a:t>Incentives</a:t>
+            </a:r>
+          </a:p>
+          <a:p>
+            <a:pPr marL="0" indent="0">
+              <a:buNone/>
+            </a:pPr>
+            <a:endParaRPr lang="de-CH" dirty="0"/>
+          </a:p>
+          <a:p>
+            <a:pPr marL="0" indent="0">
+              <a:buNone/>
+            </a:pPr>
+            <a:endParaRPr lang="de-CH" dirty="0"/>
+          </a:p>
+        </p:txBody>
+      </p:sp>
+      <mc:AlternateContent xmlns:mc="http://schemas.openxmlformats.org/markup-compatibility/2006">
+        <mc:Choice xmlns:a14="http://schemas.microsoft.com/office/drawing/2010/main" Requires="a14">
           <p:sp>
             <p:nvSpPr>
-              <p:cNvPr id="3" name="Content Placeholder 2">
+              <p:cNvPr id="4" name="Content Placeholder 3">
                 <a:extLst>
                   <a:ext uri="{FF2B5EF4-FFF2-40B4-BE49-F238E27FC236}">
-                    <a16:creationId xmlns:a16="http://schemas.microsoft.com/office/drawing/2014/main" id="{D1FBC470-7E96-4D45-93B1-4836AE1A3671}"/>
+                    <a16:creationId xmlns:a16="http://schemas.microsoft.com/office/drawing/2014/main" id="{22B111C3-DF7B-3B4E-8D5E-C087FBCD34B6}"/>
                   </a:ext>
                 </a:extLst>
               </p:cNvPr>
@@ -8144,17 +6575,14 @@
                 <a:spLocks noGrp="1"/>
               </p:cNvSpPr>
               <p:nvPr>
-                <p:ph idx="1"/>
+                <p:ph sz="half" idx="2"/>
               </p:nvPr>
             </p:nvSpPr>
-            <p:spPr>
-              <a:xfrm>
-                <a:off x="4772025" y="1526382"/>
-                <a:ext cx="6172200" cy="4873625"/>
-              </a:xfrm>
-            </p:spPr>
+            <p:spPr/>
             <p:txBody>
-              <a:bodyPr/>
+              <a:bodyPr>
+                <a:normAutofit fontScale="92500" lnSpcReduction="10000"/>
+              </a:bodyPr>
               <a:lstStyle/>
               <a:p>
                 <a:pPr marL="0" indent="0">
@@ -8195,7 +6623,7 @@
                           <m:begChr m:val="["/>
                           <m:endChr m:val="]"/>
                           <m:ctrlPr>
-                            <a:rPr lang="de-CH" i="1" smtClean="0">
+                            <a:rPr lang="de-CH" i="1">
                               <a:latin typeface="Cambria Math" panose="02040503050406030204" pitchFamily="18" charset="0"/>
                             </a:rPr>
                           </m:ctrlPr>
@@ -8212,7 +6640,7 @@
                                 </m:mc>
                               </m:mcs>
                               <m:ctrlPr>
-                                <a:rPr lang="de-CH" b="0" i="1" smtClean="0">
+                                <a:rPr lang="de-CH" i="1">
                                   <a:latin typeface="Cambria Math" panose="02040503050406030204" pitchFamily="18" charset="0"/>
                                 </a:rPr>
                               </m:ctrlPr>
@@ -8223,7 +6651,7 @@
                                   <m:rPr>
                                     <m:brk m:alnAt="7"/>
                                   </m:rPr>
-                                  <a:rPr lang="de-CH" b="0" i="1" smtClean="0">
+                                  <a:rPr lang="de-CH" i="1">
                                     <a:latin typeface="Cambria Math" panose="02040503050406030204" pitchFamily="18" charset="0"/>
                                   </a:rPr>
                                   <m:t>0</m:t>
@@ -8231,7 +6659,7 @@
                               </m:e>
                               <m:e>
                                 <m:r>
-                                  <a:rPr lang="de-CH" b="0" i="1" smtClean="0">
+                                  <a:rPr lang="de-CH" i="1">
                                     <a:latin typeface="Cambria Math" panose="02040503050406030204" pitchFamily="18" charset="0"/>
                                   </a:rPr>
                                   <m:t>1</m:t>
@@ -8239,7 +6667,7 @@
                               </m:e>
                               <m:e>
                                 <m:r>
-                                  <a:rPr lang="de-CH" b="0" i="1" smtClean="0">
+                                  <a:rPr lang="de-CH" i="1">
                                     <a:latin typeface="Cambria Math" panose="02040503050406030204" pitchFamily="18" charset="0"/>
                                   </a:rPr>
                                   <m:t>0</m:t>
@@ -8249,7 +6677,7 @@
                             <m:mr>
                               <m:e>
                                 <m:r>
-                                  <a:rPr lang="de-CH" b="0" i="1" smtClean="0">
+                                  <a:rPr lang="de-CH" i="1">
                                     <a:latin typeface="Cambria Math" panose="02040503050406030204" pitchFamily="18" charset="0"/>
                                   </a:rPr>
                                   <m:t>0</m:t>
@@ -8257,7 +6685,7 @@
                               </m:e>
                               <m:e>
                                 <m:r>
-                                  <a:rPr lang="de-CH" b="0" i="1" smtClean="0">
+                                  <a:rPr lang="de-CH" i="1">
                                     <a:latin typeface="Cambria Math" panose="02040503050406030204" pitchFamily="18" charset="0"/>
                                   </a:rPr>
                                   <m:t>2</m:t>
@@ -8265,7 +6693,7 @@
                               </m:e>
                               <m:e>
                                 <m:r>
-                                  <a:rPr lang="de-CH" b="0" i="1" smtClean="0">
+                                  <a:rPr lang="de-CH" i="1">
                                     <a:latin typeface="Cambria Math" panose="02040503050406030204" pitchFamily="18" charset="0"/>
                                   </a:rPr>
                                   <m:t>2</m:t>
@@ -8275,7 +6703,7 @@
                             <m:mr>
                               <m:e>
                                 <m:r>
-                                  <a:rPr lang="de-CH" b="0" i="1" smtClean="0">
+                                  <a:rPr lang="de-CH" i="1">
                                     <a:latin typeface="Cambria Math" panose="02040503050406030204" pitchFamily="18" charset="0"/>
                                   </a:rPr>
                                   <m:t>1</m:t>
@@ -8283,7 +6711,7 @@
                               </m:e>
                               <m:e>
                                 <m:r>
-                                  <a:rPr lang="de-CH" b="0" i="1" smtClean="0">
+                                  <a:rPr lang="de-CH" i="1">
                                     <a:latin typeface="Cambria Math" panose="02040503050406030204" pitchFamily="18" charset="0"/>
                                   </a:rPr>
                                   <m:t>2</m:t>
@@ -8291,7 +6719,7 @@
                               </m:e>
                               <m:e>
                                 <m:r>
-                                  <a:rPr lang="de-CH" b="0" i="1" smtClean="0">
+                                  <a:rPr lang="de-CH" i="1">
                                     <a:latin typeface="Cambria Math" panose="02040503050406030204" pitchFamily="18" charset="0"/>
                                   </a:rPr>
                                   <m:t>1</m:t>
@@ -8301,7 +6729,7 @@
                             <m:mr>
                               <m:e>
                                 <m:r>
-                                  <a:rPr lang="de-CH" b="0" i="1" smtClean="0">
+                                  <a:rPr lang="de-CH" i="1">
                                     <a:latin typeface="Cambria Math" panose="02040503050406030204" pitchFamily="18" charset="0"/>
                                   </a:rPr>
                                   <m:t>1</m:t>
@@ -8309,7 +6737,7 @@
                               </m:e>
                               <m:e>
                                 <m:r>
-                                  <a:rPr lang="de-CH" b="0" i="1" smtClean="0">
+                                  <a:rPr lang="de-CH" i="1">
                                     <a:latin typeface="Cambria Math" panose="02040503050406030204" pitchFamily="18" charset="0"/>
                                   </a:rPr>
                                   <m:t>2</m:t>
@@ -8317,7 +6745,7 @@
                               </m:e>
                               <m:e>
                                 <m:r>
-                                  <a:rPr lang="de-CH" b="0" i="1" smtClean="0">
+                                  <a:rPr lang="de-CH" i="1">
                                     <a:latin typeface="Cambria Math" panose="02040503050406030204" pitchFamily="18" charset="0"/>
                                   </a:rPr>
                                   <m:t>1</m:t>
@@ -8327,7 +6755,7 @@
                             <m:mr>
                               <m:e>
                                 <m:r>
-                                  <a:rPr lang="de-CH" b="0" i="1" smtClean="0">
+                                  <a:rPr lang="de-CH" i="1">
                                     <a:latin typeface="Cambria Math" panose="02040503050406030204" pitchFamily="18" charset="0"/>
                                   </a:rPr>
                                   <m:t>2</m:t>
@@ -8335,7 +6763,7 @@
                               </m:e>
                               <m:e>
                                 <m:r>
-                                  <a:rPr lang="de-CH" b="0" i="1" smtClean="0">
+                                  <a:rPr lang="de-CH" i="1">
                                     <a:latin typeface="Cambria Math" panose="02040503050406030204" pitchFamily="18" charset="0"/>
                                   </a:rPr>
                                   <m:t>1</m:t>
@@ -8343,7 +6771,7 @@
                               </m:e>
                               <m:e>
                                 <m:r>
-                                  <a:rPr lang="de-CH" b="0" i="1" smtClean="0">
+                                  <a:rPr lang="de-CH" i="1">
                                     <a:latin typeface="Cambria Math" panose="02040503050406030204" pitchFamily="18" charset="0"/>
                                   </a:rPr>
                                   <m:t>2</m:t>
@@ -8353,7 +6781,7 @@
                             <m:mr>
                               <m:e>
                                 <m:r>
-                                  <a:rPr lang="de-CH" b="0" i="1" smtClean="0">
+                                  <a:rPr lang="de-CH" i="1">
                                     <a:latin typeface="Cambria Math" panose="02040503050406030204" pitchFamily="18" charset="0"/>
                                   </a:rPr>
                                   <m:t>2</m:t>
@@ -8361,7 +6789,7 @@
                               </m:e>
                               <m:e>
                                 <m:r>
-                                  <a:rPr lang="de-CH" b="0" i="1" smtClean="0">
+                                  <a:rPr lang="de-CH" i="1">
                                     <a:latin typeface="Cambria Math" panose="02040503050406030204" pitchFamily="18" charset="0"/>
                                   </a:rPr>
                                   <m:t>1</m:t>
@@ -8369,7 +6797,7 @@
                               </m:e>
                               <m:e>
                                 <m:r>
-                                  <a:rPr lang="de-CH" b="0" i="1" smtClean="0">
+                                  <a:rPr lang="de-CH" i="1">
                                     <a:latin typeface="Cambria Math" panose="02040503050406030204" pitchFamily="18" charset="0"/>
                                   </a:rPr>
                                   <m:t>1</m:t>
@@ -8378,7 +6806,7 @@
                             </m:mr>
                           </m:m>
                           <m:r>
-                            <a:rPr lang="de-CH" b="0" i="1" smtClean="0">
+                            <a:rPr lang="de-CH" i="1">
                               <a:latin typeface="Cambria Math" panose="02040503050406030204" pitchFamily="18" charset="0"/>
                             </a:rPr>
                             <m:t>     </m:t>
@@ -8394,7 +6822,7 @@
                                 </m:mc>
                               </m:mcs>
                               <m:ctrlPr>
-                                <a:rPr lang="de-CH" b="0" i="1" smtClean="0">
+                                <a:rPr lang="de-CH" i="1">
                                   <a:latin typeface="Cambria Math" panose="02040503050406030204" pitchFamily="18" charset="0"/>
                                 </a:rPr>
                               </m:ctrlPr>
@@ -8405,7 +6833,7 @@
                                   <m:rPr>
                                     <m:brk m:alnAt="7"/>
                                   </m:rPr>
-                                  <a:rPr lang="de-CH" b="0" i="1" smtClean="0">
+                                  <a:rPr lang="de-CH" i="1">
                                     <a:latin typeface="Cambria Math" panose="02040503050406030204" pitchFamily="18" charset="0"/>
                                   </a:rPr>
                                   <m:t>0</m:t>
@@ -8413,7 +6841,7 @@
                               </m:e>
                               <m:e>
                                 <m:r>
-                                  <a:rPr lang="de-CH" b="0" i="1" smtClean="0">
+                                  <a:rPr lang="de-CH" i="1">
                                     <a:latin typeface="Cambria Math" panose="02040503050406030204" pitchFamily="18" charset="0"/>
                                   </a:rPr>
                                   <m:t>1</m:t>
@@ -8423,7 +6851,7 @@
                             <m:mr>
                               <m:e>
                                 <m:r>
-                                  <a:rPr lang="de-CH" b="0" i="1" smtClean="0">
+                                  <a:rPr lang="de-CH" i="1">
                                     <a:latin typeface="Cambria Math" panose="02040503050406030204" pitchFamily="18" charset="0"/>
                                   </a:rPr>
                                   <m:t>2</m:t>
@@ -8431,7 +6859,7 @@
                               </m:e>
                               <m:e>
                                 <m:r>
-                                  <a:rPr lang="de-CH" b="0" i="1" smtClean="0">
+                                  <a:rPr lang="de-CH" i="1">
                                     <a:latin typeface="Cambria Math" panose="02040503050406030204" pitchFamily="18" charset="0"/>
                                   </a:rPr>
                                   <m:t>2</m:t>
@@ -8441,7 +6869,7 @@
                             <m:mr>
                               <m:e>
                                 <m:r>
-                                  <a:rPr lang="de-CH" b="0" i="1" smtClean="0">
+                                  <a:rPr lang="de-CH" i="1">
                                     <a:latin typeface="Cambria Math" panose="02040503050406030204" pitchFamily="18" charset="0"/>
                                   </a:rPr>
                                   <m:t>1</m:t>
@@ -8449,7 +6877,7 @@
                               </m:e>
                               <m:e>
                                 <m:r>
-                                  <a:rPr lang="de-CH" b="0" i="1" smtClean="0">
+                                  <a:rPr lang="de-CH" i="1">
                                     <a:latin typeface="Cambria Math" panose="02040503050406030204" pitchFamily="18" charset="0"/>
                                   </a:rPr>
                                   <m:t>2</m:t>
@@ -8459,7 +6887,7 @@
                             <m:mr>
                               <m:e>
                                 <m:r>
-                                  <a:rPr lang="de-CH" b="0" i="1" smtClean="0">
+                                  <a:rPr lang="de-CH" i="1">
                                     <a:latin typeface="Cambria Math" panose="02040503050406030204" pitchFamily="18" charset="0"/>
                                   </a:rPr>
                                   <m:t>2</m:t>
@@ -8467,7 +6895,7 @@
                               </m:e>
                               <m:e>
                                 <m:r>
-                                  <a:rPr lang="de-CH" b="0" i="1" smtClean="0">
+                                  <a:rPr lang="de-CH" i="1">
                                     <a:latin typeface="Cambria Math" panose="02040503050406030204" pitchFamily="18" charset="0"/>
                                   </a:rPr>
                                   <m:t>2</m:t>
@@ -8477,7 +6905,7 @@
                             <m:mr>
                               <m:e>
                                 <m:r>
-                                  <a:rPr lang="de-CH" b="0" i="1" smtClean="0">
+                                  <a:rPr lang="de-CH" i="1">
                                     <a:latin typeface="Cambria Math" panose="02040503050406030204" pitchFamily="18" charset="0"/>
                                   </a:rPr>
                                   <m:t>1</m:t>
@@ -8485,7 +6913,7 @@
                               </m:e>
                               <m:e>
                                 <m:r>
-                                  <a:rPr lang="de-CH" b="0" i="1" smtClean="0">
+                                  <a:rPr lang="de-CH" i="1">
                                     <a:latin typeface="Cambria Math" panose="02040503050406030204" pitchFamily="18" charset="0"/>
                                   </a:rPr>
                                   <m:t>1</m:t>
@@ -8495,7 +6923,7 @@
                             <m:mr>
                               <m:e>
                                 <m:r>
-                                  <a:rPr lang="de-CH" b="0" i="1" smtClean="0">
+                                  <a:rPr lang="de-CH" i="1">
                                     <a:latin typeface="Cambria Math" panose="02040503050406030204" pitchFamily="18" charset="0"/>
                                   </a:rPr>
                                   <m:t>1</m:t>
@@ -8503,7 +6931,7 @@
                               </m:e>
                               <m:e>
                                 <m:r>
-                                  <a:rPr lang="de-CH" b="0" i="1" smtClean="0">
+                                  <a:rPr lang="de-CH" i="1">
                                     <a:latin typeface="Cambria Math" panose="02040503050406030204" pitchFamily="18" charset="0"/>
                                   </a:rPr>
                                   <m:t>2</m:t>
@@ -8512,7 +6940,7 @@
                             </m:mr>
                           </m:m>
                           <m:r>
-                            <a:rPr lang="de-CH" b="0" i="1" smtClean="0">
+                            <a:rPr lang="de-CH" i="1">
                               <a:latin typeface="Cambria Math" panose="02040503050406030204" pitchFamily="18" charset="0"/>
                             </a:rPr>
                             <m:t>     </m:t>
@@ -8528,7 +6956,7 @@
                                 </m:mc>
                               </m:mcs>
                               <m:ctrlPr>
-                                <a:rPr lang="de-CH" b="0" i="1" smtClean="0">
+                                <a:rPr lang="de-CH" i="1">
                                   <a:latin typeface="Cambria Math" panose="02040503050406030204" pitchFamily="18" charset="0"/>
                                 </a:rPr>
                               </m:ctrlPr>
@@ -8539,7 +6967,7 @@
                                   <m:rPr>
                                     <m:brk m:alnAt="7"/>
                                   </m:rPr>
-                                  <a:rPr lang="de-CH" b="0" i="1" smtClean="0">
+                                  <a:rPr lang="de-CH" i="1">
                                     <a:latin typeface="Cambria Math" panose="02040503050406030204" pitchFamily="18" charset="0"/>
                                   </a:rPr>
                                   <m:t>0</m:t>
@@ -8547,7 +6975,7 @@
                               </m:e>
                               <m:e>
                                 <m:r>
-                                  <a:rPr lang="de-CH" b="0" i="1" smtClean="0">
+                                  <a:rPr lang="de-CH" i="1">
                                     <a:latin typeface="Cambria Math" panose="02040503050406030204" pitchFamily="18" charset="0"/>
                                   </a:rPr>
                                   <m:t>0</m:t>
@@ -8557,7 +6985,7 @@
                             <m:mr>
                               <m:e>
                                 <m:r>
-                                  <a:rPr lang="de-CH" b="0" i="1" smtClean="0">
+                                  <a:rPr lang="de-CH" i="1">
                                     <a:latin typeface="Cambria Math" panose="02040503050406030204" pitchFamily="18" charset="0"/>
                                   </a:rPr>
                                   <m:t>0</m:t>
@@ -8565,7 +6993,7 @@
                               </m:e>
                               <m:e>
                                 <m:r>
-                                  <a:rPr lang="de-CH" b="0" i="1" smtClean="0">
+                                  <a:rPr lang="de-CH" i="1">
                                     <a:latin typeface="Cambria Math" panose="02040503050406030204" pitchFamily="18" charset="0"/>
                                   </a:rPr>
                                   <m:t>0</m:t>
@@ -8575,7 +7003,7 @@
                             <m:mr>
                               <m:e>
                                 <m:r>
-                                  <a:rPr lang="de-CH" b="0" i="1" smtClean="0">
+                                  <a:rPr lang="de-CH" i="1">
                                     <a:latin typeface="Cambria Math" panose="02040503050406030204" pitchFamily="18" charset="0"/>
                                   </a:rPr>
                                   <m:t>0</m:t>
@@ -8583,7 +7011,7 @@
                               </m:e>
                               <m:e>
                                 <m:r>
-                                  <a:rPr lang="de-CH" b="0" i="1" smtClean="0">
+                                  <a:rPr lang="de-CH" i="1">
                                     <a:latin typeface="Cambria Math" panose="02040503050406030204" pitchFamily="18" charset="0"/>
                                   </a:rPr>
                                   <m:t>0</m:t>
@@ -8593,7 +7021,7 @@
                             <m:mr>
                               <m:e>
                                 <m:r>
-                                  <a:rPr lang="de-CH" b="0" i="1" smtClean="0">
+                                  <a:rPr lang="de-CH" i="1">
                                     <a:latin typeface="Cambria Math" panose="02040503050406030204" pitchFamily="18" charset="0"/>
                                   </a:rPr>
                                   <m:t>0</m:t>
@@ -8601,7 +7029,7 @@
                               </m:e>
                               <m:e>
                                 <m:r>
-                                  <a:rPr lang="de-CH" b="0" i="1" smtClean="0">
+                                  <a:rPr lang="de-CH" i="1">
                                     <a:latin typeface="Cambria Math" panose="02040503050406030204" pitchFamily="18" charset="0"/>
                                   </a:rPr>
                                   <m:t>0</m:t>
@@ -8611,7 +7039,7 @@
                             <m:mr>
                               <m:e>
                                 <m:r>
-                                  <a:rPr lang="de-CH" b="0" i="1" smtClean="0">
+                                  <a:rPr lang="de-CH" i="1">
                                     <a:latin typeface="Cambria Math" panose="02040503050406030204" pitchFamily="18" charset="0"/>
                                   </a:rPr>
                                   <m:t>0</m:t>
@@ -8619,7 +7047,7 @@
                               </m:e>
                               <m:e>
                                 <m:r>
-                                  <a:rPr lang="de-CH" b="0" i="1" smtClean="0">
+                                  <a:rPr lang="de-CH" i="1">
                                     <a:latin typeface="Cambria Math" panose="02040503050406030204" pitchFamily="18" charset="0"/>
                                   </a:rPr>
                                   <m:t>0</m:t>
@@ -8629,7 +7057,7 @@
                             <m:mr>
                               <m:e>
                                 <m:r>
-                                  <a:rPr lang="de-CH" b="0" i="1" smtClean="0">
+                                  <a:rPr lang="de-CH" i="1">
                                     <a:latin typeface="Cambria Math" panose="02040503050406030204" pitchFamily="18" charset="0"/>
                                   </a:rPr>
                                   <m:t>0</m:t>
@@ -8637,7 +7065,7 @@
                               </m:e>
                               <m:e>
                                 <m:r>
-                                  <a:rPr lang="de-CH" b="0" i="1" smtClean="0">
+                                  <a:rPr lang="de-CH" i="1">
                                     <a:latin typeface="Cambria Math" panose="02040503050406030204" pitchFamily="18" charset="0"/>
                                   </a:rPr>
                                   <m:t>0</m:t>
@@ -8652,16 +7080,22 @@
                 </a14:m>
                 <a:endParaRPr lang="de-CH" dirty="0"/>
               </a:p>
+              <a:p>
+                <a:pPr marL="0" indent="0">
+                  <a:buNone/>
+                </a:pPr>
+                <a:endParaRPr lang="de-CH" dirty="0"/>
+              </a:p>
             </p:txBody>
           </p:sp>
         </mc:Choice>
-        <mc:Fallback xmlns="">
+        <mc:Fallback>
           <p:sp>
             <p:nvSpPr>
-              <p:cNvPr id="3" name="Content Placeholder 2">
+              <p:cNvPr id="4" name="Content Placeholder 3">
                 <a:extLst>
                   <a:ext uri="{FF2B5EF4-FFF2-40B4-BE49-F238E27FC236}">
-                    <a16:creationId xmlns:a16="http://schemas.microsoft.com/office/drawing/2014/main" id="{D1FBC470-7E96-4D45-93B1-4836AE1A3671}"/>
+                    <a16:creationId xmlns:a16="http://schemas.microsoft.com/office/drawing/2014/main" id="{22B111C3-DF7B-3B4E-8D5E-C087FBCD34B6}"/>
                   </a:ext>
                 </a:extLst>
               </p:cNvPr>
@@ -8669,16 +7103,12 @@
                 <a:spLocks noGrp="1" noRot="1" noChangeAspect="1" noMove="1" noResize="1" noEditPoints="1" noAdjustHandles="1" noChangeArrowheads="1" noChangeShapeType="1" noTextEdit="1"/>
               </p:cNvSpPr>
               <p:nvPr>
-                <p:ph idx="1"/>
+                <p:ph sz="half" idx="2"/>
               </p:nvPr>
             </p:nvSpPr>
             <p:spPr>
-              <a:xfrm>
-                <a:off x="4772025" y="1526382"/>
-                <a:ext cx="6172200" cy="4873625"/>
-              </a:xfrm>
               <a:blipFill>
-                <a:blip r:embed="rId3"/>
+                <a:blip r:embed="rId2"/>
                 <a:stretch>
                   <a:fillRect/>
                 </a:stretch>
@@ -8699,104 +7129,10 @@
           </p:sp>
         </mc:Fallback>
       </mc:AlternateContent>
-      <p:sp>
-        <p:nvSpPr>
-          <p:cNvPr id="4" name="Text Placeholder 3">
-            <a:extLst>
-              <a:ext uri="{FF2B5EF4-FFF2-40B4-BE49-F238E27FC236}">
-                <a16:creationId xmlns:a16="http://schemas.microsoft.com/office/drawing/2014/main" id="{1BED88FD-1B1C-2540-80AB-437C98DBD68E}"/>
-              </a:ext>
-            </a:extLst>
-          </p:cNvPr>
-          <p:cNvSpPr>
-            <a:spLocks noGrp="1"/>
-          </p:cNvSpPr>
-          <p:nvPr>
-            <p:ph type="body" sz="half" idx="2"/>
-          </p:nvPr>
-        </p:nvSpPr>
-        <p:spPr/>
-        <p:txBody>
-          <a:bodyPr/>
-          <a:lstStyle/>
-          <a:p>
-            <a:r>
-              <a:rPr lang="en-US" dirty="0"/>
-              <a:t>Let’s create a simple turn-based game for 2 players.</a:t>
-            </a:r>
-          </a:p>
-          <a:p>
-            <a:pPr marL="285750" indent="-285750">
-              <a:buFont typeface="Wingdings" pitchFamily="2" charset="2"/>
-              <a:buChar char="Ø"/>
-            </a:pPr>
-            <a:r>
-              <a:rPr lang="en-US" dirty="0"/>
-              <a:t>Connect Four</a:t>
-            </a:r>
-          </a:p>
-          <a:p>
-            <a:pPr marL="285750" indent="-285750">
-              <a:buFont typeface="Wingdings" pitchFamily="2" charset="2"/>
-              <a:buChar char="Ø"/>
-            </a:pPr>
-            <a:r>
-              <a:rPr lang="en-US" dirty="0"/>
-              <a:t>Front-End necessary</a:t>
-            </a:r>
-          </a:p>
-          <a:p>
-            <a:pPr marL="285750" indent="-285750">
-              <a:buFont typeface="Wingdings" pitchFamily="2" charset="2"/>
-              <a:buChar char="Ø"/>
-            </a:pPr>
-            <a:endParaRPr lang="en-US" dirty="0"/>
-          </a:p>
-          <a:p>
-            <a:r>
-              <a:rPr lang="en-US" dirty="0"/>
-              <a:t>Let them play for ETH and we take a cut.</a:t>
-            </a:r>
-          </a:p>
-          <a:p>
-            <a:pPr marL="285750" indent="-285750">
-              <a:buFont typeface="Wingdings" pitchFamily="2" charset="2"/>
-              <a:buChar char="Ø"/>
-            </a:pPr>
-            <a:r>
-              <a:rPr lang="en-US" dirty="0"/>
-              <a:t>Connect four is a solved game!</a:t>
-            </a:r>
-          </a:p>
-          <a:p>
-            <a:pPr marL="285750" indent="-285750">
-              <a:buFont typeface="Wingdings" pitchFamily="2" charset="2"/>
-              <a:buChar char="Ø"/>
-            </a:pPr>
-            <a:r>
-              <a:rPr lang="en-US" dirty="0"/>
-              <a:t>Restrictions</a:t>
-            </a:r>
-          </a:p>
-          <a:p>
-            <a:pPr marL="285750" indent="-285750">
-              <a:buFont typeface="Wingdings" pitchFamily="2" charset="2"/>
-              <a:buChar char="Ø"/>
-            </a:pPr>
-            <a:r>
-              <a:rPr lang="en-US" dirty="0"/>
-              <a:t>Incentives</a:t>
-            </a:r>
-          </a:p>
-          <a:p>
-            <a:endParaRPr lang="de-CH" dirty="0"/>
-          </a:p>
-        </p:txBody>
-      </p:sp>
     </p:spTree>
     <p:extLst>
       <p:ext uri="{BB962C8B-B14F-4D97-AF65-F5344CB8AC3E}">
-        <p14:creationId xmlns:p14="http://schemas.microsoft.com/office/powerpoint/2010/main" val="4230465762"/>
+        <p14:creationId xmlns:p14="http://schemas.microsoft.com/office/powerpoint/2010/main" val="902508378"/>
       </p:ext>
     </p:extLst>
   </p:cSld>
@@ -8828,7 +7164,7 @@
           <p:cNvPr id="2" name="Title 1">
             <a:extLst>
               <a:ext uri="{FF2B5EF4-FFF2-40B4-BE49-F238E27FC236}">
-                <a16:creationId xmlns:a16="http://schemas.microsoft.com/office/drawing/2014/main" id="{50E311C7-14E9-C54A-B5B7-7D9F239BAF83}"/>
+                <a16:creationId xmlns:a16="http://schemas.microsoft.com/office/drawing/2014/main" id="{8E9BAB96-24AB-BF4F-98DC-E5C90853B89B}"/>
               </a:ext>
             </a:extLst>
           </p:cNvPr>
@@ -8839,12 +7175,7 @@
             <p:ph type="title"/>
           </p:nvPr>
         </p:nvSpPr>
-        <p:spPr>
-          <a:xfrm>
-            <a:off x="839788" y="457200"/>
-            <a:ext cx="3932237" cy="1600200"/>
-          </a:xfrm>
-        </p:spPr>
+        <p:spPr/>
         <p:txBody>
           <a:bodyPr/>
           <a:lstStyle/>
@@ -8853,15 +7184,16 @@
               <a:rPr lang="en-US" b="1" dirty="0"/>
               <a:t>The Concept</a:t>
             </a:r>
+            <a:endParaRPr lang="de-CH" dirty="0"/>
           </a:p>
         </p:txBody>
       </p:sp>
       <p:sp>
         <p:nvSpPr>
-          <p:cNvPr id="4" name="Text Placeholder 3">
+          <p:cNvPr id="3" name="Content Placeholder 2">
             <a:extLst>
               <a:ext uri="{FF2B5EF4-FFF2-40B4-BE49-F238E27FC236}">
-                <a16:creationId xmlns:a16="http://schemas.microsoft.com/office/drawing/2014/main" id="{34133CA2-A5D4-ED44-A03D-8451F72F93BD}"/>
+                <a16:creationId xmlns:a16="http://schemas.microsoft.com/office/drawing/2014/main" id="{1CA4A746-6F98-CC42-8301-7289DE305403}"/>
               </a:ext>
             </a:extLst>
           </p:cNvPr>
@@ -8869,111 +7201,685 @@
             <a:spLocks noGrp="1"/>
           </p:cNvSpPr>
           <p:nvPr>
-            <p:ph type="body" sz="half" idx="2"/>
-          </p:nvPr>
-        </p:nvSpPr>
-        <p:spPr>
-          <a:xfrm>
-            <a:off x="839788" y="2057400"/>
-            <a:ext cx="3932237" cy="3811588"/>
-          </a:xfrm>
-        </p:spPr>
+            <p:ph sz="half" idx="1"/>
+          </p:nvPr>
+        </p:nvSpPr>
+        <p:spPr/>
         <p:txBody>
-          <a:bodyPr/>
+          <a:bodyPr>
+            <a:normAutofit fontScale="92500" lnSpcReduction="10000"/>
+          </a:bodyPr>
           <a:lstStyle/>
           <a:p>
+            <a:pPr marL="0" indent="0">
+              <a:buNone/>
+            </a:pPr>
             <a:r>
               <a:rPr lang="en-US" dirty="0"/>
               <a:t>Let’s create a simple turn-based game for 2 players.</a:t>
             </a:r>
           </a:p>
           <a:p>
-            <a:pPr marL="285750" indent="-285750">
+            <a:pPr>
               <a:buFont typeface="Wingdings" pitchFamily="2" charset="2"/>
               <a:buChar char="Ø"/>
             </a:pPr>
             <a:r>
-              <a:rPr lang="en-US" dirty="0"/>
+              <a:rPr lang="en-US" sz="2600" dirty="0"/>
               <a:t>Connect Four</a:t>
             </a:r>
           </a:p>
           <a:p>
-            <a:pPr marL="285750" indent="-285750">
+            <a:pPr>
               <a:buFont typeface="Wingdings" pitchFamily="2" charset="2"/>
               <a:buChar char="Ø"/>
             </a:pPr>
             <a:r>
+              <a:rPr lang="en-US" sz="2600" dirty="0"/>
+              <a:t>Front-End necessary</a:t>
+            </a:r>
+          </a:p>
+          <a:p>
+            <a:pPr marL="0" indent="0">
+              <a:buNone/>
+            </a:pPr>
+            <a:endParaRPr lang="en-US" dirty="0"/>
+          </a:p>
+          <a:p>
+            <a:pPr marL="0" indent="0">
+              <a:buNone/>
+            </a:pPr>
+            <a:r>
               <a:rPr lang="en-US" dirty="0"/>
-              <a:t>Front-End necessary</a:t>
-            </a:r>
-          </a:p>
-          <a:p>
-            <a:pPr marL="285750" indent="-285750">
+              <a:t>Let them play for ETH and we take a cut.</a:t>
+            </a:r>
+          </a:p>
+          <a:p>
+            <a:pPr>
               <a:buFont typeface="Wingdings" pitchFamily="2" charset="2"/>
               <a:buChar char="Ø"/>
             </a:pPr>
-            <a:endParaRPr lang="en-US" dirty="0"/>
-          </a:p>
-          <a:p>
-            <a:r>
-              <a:rPr lang="en-US" dirty="0"/>
-              <a:t>Let them play for ETH and we take a cut.</a:t>
-            </a:r>
-          </a:p>
-          <a:p>
-            <a:pPr marL="285750" indent="-285750">
+            <a:r>
+              <a:rPr lang="en-US" sz="2600" dirty="0"/>
+              <a:t>Connect four is a solved game!</a:t>
+            </a:r>
+          </a:p>
+          <a:p>
+            <a:pPr>
               <a:buFont typeface="Wingdings" pitchFamily="2" charset="2"/>
               <a:buChar char="Ø"/>
             </a:pPr>
             <a:r>
-              <a:rPr lang="en-US" dirty="0"/>
-              <a:t>Connect four is a solved game!</a:t>
-            </a:r>
-          </a:p>
-          <a:p>
-            <a:pPr marL="285750" indent="-285750">
+              <a:rPr lang="en-US" sz="2600" dirty="0"/>
+              <a:t>Restrictions</a:t>
+            </a:r>
+          </a:p>
+          <a:p>
+            <a:pPr>
               <a:buFont typeface="Wingdings" pitchFamily="2" charset="2"/>
               <a:buChar char="Ø"/>
             </a:pPr>
             <a:r>
-              <a:rPr lang="en-US" dirty="0"/>
-              <a:t>Restrictions</a:t>
-            </a:r>
-          </a:p>
-          <a:p>
-            <a:pPr marL="285750" indent="-285750">
-              <a:buFont typeface="Wingdings" pitchFamily="2" charset="2"/>
-              <a:buChar char="Ø"/>
+              <a:rPr lang="en-US" sz="2600" dirty="0"/>
+              <a:t>Incentives</a:t>
+            </a:r>
+          </a:p>
+          <a:p>
+            <a:pPr marL="0" indent="0">
+              <a:buNone/>
             </a:pPr>
-            <a:r>
-              <a:rPr lang="en-US" dirty="0"/>
-              <a:t>Incentives</a:t>
-            </a:r>
-          </a:p>
-          <a:p>
-            <a:pPr marL="285750" indent="-285750">
-              <a:buFont typeface="Wingdings" pitchFamily="2" charset="2"/>
-              <a:buChar char="Ø"/>
+            <a:endParaRPr lang="de-CH" dirty="0"/>
+          </a:p>
+          <a:p>
+            <a:pPr marL="0" indent="0">
+              <a:buNone/>
             </a:pPr>
-            <a:endParaRPr lang="en-US" dirty="0"/>
+            <a:endParaRPr lang="de-CH" dirty="0"/>
           </a:p>
         </p:txBody>
       </p:sp>
+      <mc:AlternateContent xmlns:mc="http://schemas.openxmlformats.org/markup-compatibility/2006">
+        <mc:Choice xmlns:a14="http://schemas.microsoft.com/office/drawing/2010/main" Requires="a14">
+          <p:sp>
+            <p:nvSpPr>
+              <p:cNvPr id="4" name="Content Placeholder 3">
+                <a:extLst>
+                  <a:ext uri="{FF2B5EF4-FFF2-40B4-BE49-F238E27FC236}">
+                    <a16:creationId xmlns:a16="http://schemas.microsoft.com/office/drawing/2014/main" id="{22B111C3-DF7B-3B4E-8D5E-C087FBCD34B6}"/>
+                  </a:ext>
+                </a:extLst>
+              </p:cNvPr>
+              <p:cNvSpPr>
+                <a:spLocks noGrp="1"/>
+              </p:cNvSpPr>
+              <p:nvPr>
+                <p:ph sz="half" idx="2"/>
+              </p:nvPr>
+            </p:nvSpPr>
+            <p:spPr/>
+            <p:txBody>
+              <a:bodyPr>
+                <a:normAutofit fontScale="92500" lnSpcReduction="10000"/>
+              </a:bodyPr>
+              <a:lstStyle/>
+              <a:p>
+                <a:pPr marL="0" indent="0">
+                  <a:buNone/>
+                </a:pPr>
+                <a:endParaRPr lang="de-CH" i="1" dirty="0">
+                  <a:latin typeface="Cambria Math" panose="02040503050406030204" pitchFamily="18" charset="0"/>
+                </a:endParaRPr>
+              </a:p>
+              <a:p>
+                <a:pPr marL="0" indent="0">
+                  <a:buNone/>
+                </a:pPr>
+                <a:endParaRPr lang="de-CH" i="1" dirty="0">
+                  <a:latin typeface="Cambria Math" panose="02040503050406030204" pitchFamily="18" charset="0"/>
+                </a:endParaRPr>
+              </a:p>
+              <a:p>
+                <a:pPr marL="0" indent="0">
+                  <a:buNone/>
+                </a:pPr>
+                <a:endParaRPr lang="de-CH" i="1" dirty="0">
+                  <a:latin typeface="Cambria Math" panose="02040503050406030204" pitchFamily="18" charset="0"/>
+                </a:endParaRPr>
+              </a:p>
+              <a:p>
+                <a:pPr marL="0" indent="0">
+                  <a:buNone/>
+                </a:pPr>
+                <a14:m>
+                  <m:oMathPara xmlns:m="http://schemas.openxmlformats.org/officeDocument/2006/math">
+                    <m:oMathParaPr>
+                      <m:jc m:val="centerGroup"/>
+                    </m:oMathParaPr>
+                    <m:oMath xmlns:m="http://schemas.openxmlformats.org/officeDocument/2006/math">
+                      <m:d>
+                        <m:dPr>
+                          <m:begChr m:val="["/>
+                          <m:endChr m:val="]"/>
+                          <m:ctrlPr>
+                            <a:rPr lang="de-CH" i="1">
+                              <a:latin typeface="Cambria Math" panose="02040503050406030204" pitchFamily="18" charset="0"/>
+                            </a:rPr>
+                          </m:ctrlPr>
+                        </m:dPr>
+                        <m:e>
+                          <m:m>
+                            <m:mPr>
+                              <m:mcs>
+                                <m:mc>
+                                  <m:mcPr>
+                                    <m:count m:val="3"/>
+                                    <m:mcJc m:val="center"/>
+                                  </m:mcPr>
+                                </m:mc>
+                              </m:mcs>
+                              <m:ctrlPr>
+                                <a:rPr lang="de-CH" i="1">
+                                  <a:latin typeface="Cambria Math" panose="02040503050406030204" pitchFamily="18" charset="0"/>
+                                </a:rPr>
+                              </m:ctrlPr>
+                            </m:mPr>
+                            <m:mr>
+                              <m:e>
+                                <m:r>
+                                  <m:rPr>
+                                    <m:brk m:alnAt="7"/>
+                                  </m:rPr>
+                                  <a:rPr lang="de-CH" i="1">
+                                    <a:latin typeface="Cambria Math" panose="02040503050406030204" pitchFamily="18" charset="0"/>
+                                  </a:rPr>
+                                  <m:t>0</m:t>
+                                </m:r>
+                              </m:e>
+                              <m:e>
+                                <m:r>
+                                  <a:rPr lang="de-CH" i="1">
+                                    <a:latin typeface="Cambria Math" panose="02040503050406030204" pitchFamily="18" charset="0"/>
+                                  </a:rPr>
+                                  <m:t>1</m:t>
+                                </m:r>
+                              </m:e>
+                              <m:e>
+                                <m:r>
+                                  <a:rPr lang="de-CH" i="1">
+                                    <a:latin typeface="Cambria Math" panose="02040503050406030204" pitchFamily="18" charset="0"/>
+                                  </a:rPr>
+                                  <m:t>0</m:t>
+                                </m:r>
+                              </m:e>
+                            </m:mr>
+                            <m:mr>
+                              <m:e>
+                                <m:r>
+                                  <a:rPr lang="de-CH" i="1">
+                                    <a:latin typeface="Cambria Math" panose="02040503050406030204" pitchFamily="18" charset="0"/>
+                                  </a:rPr>
+                                  <m:t>0</m:t>
+                                </m:r>
+                              </m:e>
+                              <m:e>
+                                <m:r>
+                                  <a:rPr lang="de-CH" i="1">
+                                    <a:latin typeface="Cambria Math" panose="02040503050406030204" pitchFamily="18" charset="0"/>
+                                  </a:rPr>
+                                  <m:t>2</m:t>
+                                </m:r>
+                              </m:e>
+                              <m:e>
+                                <m:r>
+                                  <a:rPr lang="de-CH" i="1">
+                                    <a:latin typeface="Cambria Math" panose="02040503050406030204" pitchFamily="18" charset="0"/>
+                                  </a:rPr>
+                                  <m:t>2</m:t>
+                                </m:r>
+                              </m:e>
+                            </m:mr>
+                            <m:mr>
+                              <m:e>
+                                <m:r>
+                                  <a:rPr lang="de-CH" i="1">
+                                    <a:latin typeface="Cambria Math" panose="02040503050406030204" pitchFamily="18" charset="0"/>
+                                  </a:rPr>
+                                  <m:t>1</m:t>
+                                </m:r>
+                              </m:e>
+                              <m:e>
+                                <m:r>
+                                  <a:rPr lang="de-CH" i="1">
+                                    <a:latin typeface="Cambria Math" panose="02040503050406030204" pitchFamily="18" charset="0"/>
+                                  </a:rPr>
+                                  <m:t>2</m:t>
+                                </m:r>
+                              </m:e>
+                              <m:e>
+                                <m:r>
+                                  <a:rPr lang="de-CH" i="1">
+                                    <a:latin typeface="Cambria Math" panose="02040503050406030204" pitchFamily="18" charset="0"/>
+                                  </a:rPr>
+                                  <m:t>1</m:t>
+                                </m:r>
+                              </m:e>
+                            </m:mr>
+                            <m:mr>
+                              <m:e>
+                                <m:r>
+                                  <a:rPr lang="de-CH" i="1">
+                                    <a:latin typeface="Cambria Math" panose="02040503050406030204" pitchFamily="18" charset="0"/>
+                                  </a:rPr>
+                                  <m:t>1</m:t>
+                                </m:r>
+                              </m:e>
+                              <m:e>
+                                <m:r>
+                                  <a:rPr lang="de-CH" i="1">
+                                    <a:latin typeface="Cambria Math" panose="02040503050406030204" pitchFamily="18" charset="0"/>
+                                  </a:rPr>
+                                  <m:t>2</m:t>
+                                </m:r>
+                              </m:e>
+                              <m:e>
+                                <m:r>
+                                  <a:rPr lang="de-CH" i="1">
+                                    <a:latin typeface="Cambria Math" panose="02040503050406030204" pitchFamily="18" charset="0"/>
+                                  </a:rPr>
+                                  <m:t>1</m:t>
+                                </m:r>
+                              </m:e>
+                            </m:mr>
+                            <m:mr>
+                              <m:e>
+                                <m:r>
+                                  <a:rPr lang="de-CH" i="1">
+                                    <a:latin typeface="Cambria Math" panose="02040503050406030204" pitchFamily="18" charset="0"/>
+                                  </a:rPr>
+                                  <m:t>2</m:t>
+                                </m:r>
+                              </m:e>
+                              <m:e>
+                                <m:r>
+                                  <a:rPr lang="de-CH" i="1">
+                                    <a:latin typeface="Cambria Math" panose="02040503050406030204" pitchFamily="18" charset="0"/>
+                                  </a:rPr>
+                                  <m:t>1</m:t>
+                                </m:r>
+                              </m:e>
+                              <m:e>
+                                <m:r>
+                                  <a:rPr lang="de-CH" i="1">
+                                    <a:latin typeface="Cambria Math" panose="02040503050406030204" pitchFamily="18" charset="0"/>
+                                  </a:rPr>
+                                  <m:t>2</m:t>
+                                </m:r>
+                              </m:e>
+                            </m:mr>
+                            <m:mr>
+                              <m:e>
+                                <m:r>
+                                  <a:rPr lang="de-CH" i="1">
+                                    <a:latin typeface="Cambria Math" panose="02040503050406030204" pitchFamily="18" charset="0"/>
+                                  </a:rPr>
+                                  <m:t>2</m:t>
+                                </m:r>
+                              </m:e>
+                              <m:e>
+                                <m:r>
+                                  <a:rPr lang="de-CH" i="1">
+                                    <a:latin typeface="Cambria Math" panose="02040503050406030204" pitchFamily="18" charset="0"/>
+                                  </a:rPr>
+                                  <m:t>1</m:t>
+                                </m:r>
+                              </m:e>
+                              <m:e>
+                                <m:r>
+                                  <a:rPr lang="de-CH" i="1">
+                                    <a:latin typeface="Cambria Math" panose="02040503050406030204" pitchFamily="18" charset="0"/>
+                                  </a:rPr>
+                                  <m:t>1</m:t>
+                                </m:r>
+                              </m:e>
+                            </m:mr>
+                          </m:m>
+                          <m:r>
+                            <a:rPr lang="de-CH" i="1">
+                              <a:latin typeface="Cambria Math" panose="02040503050406030204" pitchFamily="18" charset="0"/>
+                            </a:rPr>
+                            <m:t>     </m:t>
+                          </m:r>
+                          <m:m>
+                            <m:mPr>
+                              <m:mcs>
+                                <m:mc>
+                                  <m:mcPr>
+                                    <m:count m:val="2"/>
+                                    <m:mcJc m:val="center"/>
+                                  </m:mcPr>
+                                </m:mc>
+                              </m:mcs>
+                              <m:ctrlPr>
+                                <a:rPr lang="de-CH" i="1">
+                                  <a:latin typeface="Cambria Math" panose="02040503050406030204" pitchFamily="18" charset="0"/>
+                                </a:rPr>
+                              </m:ctrlPr>
+                            </m:mPr>
+                            <m:mr>
+                              <m:e>
+                                <m:r>
+                                  <m:rPr>
+                                    <m:brk m:alnAt="7"/>
+                                  </m:rPr>
+                                  <a:rPr lang="de-CH" i="1">
+                                    <a:latin typeface="Cambria Math" panose="02040503050406030204" pitchFamily="18" charset="0"/>
+                                  </a:rPr>
+                                  <m:t>0</m:t>
+                                </m:r>
+                              </m:e>
+                              <m:e>
+                                <m:r>
+                                  <a:rPr lang="de-CH" i="1">
+                                    <a:latin typeface="Cambria Math" panose="02040503050406030204" pitchFamily="18" charset="0"/>
+                                  </a:rPr>
+                                  <m:t>1</m:t>
+                                </m:r>
+                              </m:e>
+                            </m:mr>
+                            <m:mr>
+                              <m:e>
+                                <m:r>
+                                  <a:rPr lang="de-CH" i="1">
+                                    <a:latin typeface="Cambria Math" panose="02040503050406030204" pitchFamily="18" charset="0"/>
+                                  </a:rPr>
+                                  <m:t>2</m:t>
+                                </m:r>
+                              </m:e>
+                              <m:e>
+                                <m:r>
+                                  <a:rPr lang="de-CH" i="1">
+                                    <a:latin typeface="Cambria Math" panose="02040503050406030204" pitchFamily="18" charset="0"/>
+                                  </a:rPr>
+                                  <m:t>2</m:t>
+                                </m:r>
+                              </m:e>
+                            </m:mr>
+                            <m:mr>
+                              <m:e>
+                                <m:r>
+                                  <a:rPr lang="de-CH" i="1">
+                                    <a:latin typeface="Cambria Math" panose="02040503050406030204" pitchFamily="18" charset="0"/>
+                                  </a:rPr>
+                                  <m:t>1</m:t>
+                                </m:r>
+                              </m:e>
+                              <m:e>
+                                <m:r>
+                                  <a:rPr lang="de-CH" i="1">
+                                    <a:latin typeface="Cambria Math" panose="02040503050406030204" pitchFamily="18" charset="0"/>
+                                  </a:rPr>
+                                  <m:t>2</m:t>
+                                </m:r>
+                              </m:e>
+                            </m:mr>
+                            <m:mr>
+                              <m:e>
+                                <m:r>
+                                  <a:rPr lang="de-CH" i="1">
+                                    <a:latin typeface="Cambria Math" panose="02040503050406030204" pitchFamily="18" charset="0"/>
+                                  </a:rPr>
+                                  <m:t>2</m:t>
+                                </m:r>
+                              </m:e>
+                              <m:e>
+                                <m:r>
+                                  <a:rPr lang="de-CH" i="1">
+                                    <a:latin typeface="Cambria Math" panose="02040503050406030204" pitchFamily="18" charset="0"/>
+                                  </a:rPr>
+                                  <m:t>2</m:t>
+                                </m:r>
+                              </m:e>
+                            </m:mr>
+                            <m:mr>
+                              <m:e>
+                                <m:r>
+                                  <a:rPr lang="de-CH" i="1">
+                                    <a:latin typeface="Cambria Math" panose="02040503050406030204" pitchFamily="18" charset="0"/>
+                                  </a:rPr>
+                                  <m:t>1</m:t>
+                                </m:r>
+                              </m:e>
+                              <m:e>
+                                <m:r>
+                                  <a:rPr lang="de-CH" i="1">
+                                    <a:latin typeface="Cambria Math" panose="02040503050406030204" pitchFamily="18" charset="0"/>
+                                  </a:rPr>
+                                  <m:t>1</m:t>
+                                </m:r>
+                              </m:e>
+                            </m:mr>
+                            <m:mr>
+                              <m:e>
+                                <m:r>
+                                  <a:rPr lang="de-CH" i="1">
+                                    <a:latin typeface="Cambria Math" panose="02040503050406030204" pitchFamily="18" charset="0"/>
+                                  </a:rPr>
+                                  <m:t>1</m:t>
+                                </m:r>
+                              </m:e>
+                              <m:e>
+                                <m:r>
+                                  <a:rPr lang="de-CH" i="1">
+                                    <a:latin typeface="Cambria Math" panose="02040503050406030204" pitchFamily="18" charset="0"/>
+                                  </a:rPr>
+                                  <m:t>2</m:t>
+                                </m:r>
+                              </m:e>
+                            </m:mr>
+                          </m:m>
+                          <m:r>
+                            <a:rPr lang="de-CH" i="1">
+                              <a:latin typeface="Cambria Math" panose="02040503050406030204" pitchFamily="18" charset="0"/>
+                            </a:rPr>
+                            <m:t>     </m:t>
+                          </m:r>
+                          <m:m>
+                            <m:mPr>
+                              <m:mcs>
+                                <m:mc>
+                                  <m:mcPr>
+                                    <m:count m:val="2"/>
+                                    <m:mcJc m:val="center"/>
+                                  </m:mcPr>
+                                </m:mc>
+                              </m:mcs>
+                              <m:ctrlPr>
+                                <a:rPr lang="de-CH" i="1">
+                                  <a:latin typeface="Cambria Math" panose="02040503050406030204" pitchFamily="18" charset="0"/>
+                                </a:rPr>
+                              </m:ctrlPr>
+                            </m:mPr>
+                            <m:mr>
+                              <m:e>
+                                <m:r>
+                                  <m:rPr>
+                                    <m:brk m:alnAt="7"/>
+                                  </m:rPr>
+                                  <a:rPr lang="de-CH" i="1">
+                                    <a:latin typeface="Cambria Math" panose="02040503050406030204" pitchFamily="18" charset="0"/>
+                                  </a:rPr>
+                                  <m:t>0</m:t>
+                                </m:r>
+                              </m:e>
+                              <m:e>
+                                <m:r>
+                                  <a:rPr lang="de-CH" i="1">
+                                    <a:latin typeface="Cambria Math" panose="02040503050406030204" pitchFamily="18" charset="0"/>
+                                  </a:rPr>
+                                  <m:t>0</m:t>
+                                </m:r>
+                              </m:e>
+                            </m:mr>
+                            <m:mr>
+                              <m:e>
+                                <m:r>
+                                  <a:rPr lang="de-CH" i="1">
+                                    <a:latin typeface="Cambria Math" panose="02040503050406030204" pitchFamily="18" charset="0"/>
+                                  </a:rPr>
+                                  <m:t>0</m:t>
+                                </m:r>
+                              </m:e>
+                              <m:e>
+                                <m:r>
+                                  <a:rPr lang="de-CH" i="1">
+                                    <a:latin typeface="Cambria Math" panose="02040503050406030204" pitchFamily="18" charset="0"/>
+                                  </a:rPr>
+                                  <m:t>0</m:t>
+                                </m:r>
+                              </m:e>
+                            </m:mr>
+                            <m:mr>
+                              <m:e>
+                                <m:r>
+                                  <a:rPr lang="de-CH" i="1">
+                                    <a:latin typeface="Cambria Math" panose="02040503050406030204" pitchFamily="18" charset="0"/>
+                                  </a:rPr>
+                                  <m:t>0</m:t>
+                                </m:r>
+                              </m:e>
+                              <m:e>
+                                <m:r>
+                                  <a:rPr lang="de-CH" i="1">
+                                    <a:latin typeface="Cambria Math" panose="02040503050406030204" pitchFamily="18" charset="0"/>
+                                  </a:rPr>
+                                  <m:t>0</m:t>
+                                </m:r>
+                              </m:e>
+                            </m:mr>
+                            <m:mr>
+                              <m:e>
+                                <m:r>
+                                  <a:rPr lang="de-CH" i="1">
+                                    <a:latin typeface="Cambria Math" panose="02040503050406030204" pitchFamily="18" charset="0"/>
+                                  </a:rPr>
+                                  <m:t>0</m:t>
+                                </m:r>
+                              </m:e>
+                              <m:e>
+                                <m:r>
+                                  <a:rPr lang="de-CH" i="1">
+                                    <a:latin typeface="Cambria Math" panose="02040503050406030204" pitchFamily="18" charset="0"/>
+                                  </a:rPr>
+                                  <m:t>0</m:t>
+                                </m:r>
+                              </m:e>
+                            </m:mr>
+                            <m:mr>
+                              <m:e>
+                                <m:r>
+                                  <a:rPr lang="de-CH" i="1">
+                                    <a:latin typeface="Cambria Math" panose="02040503050406030204" pitchFamily="18" charset="0"/>
+                                  </a:rPr>
+                                  <m:t>0</m:t>
+                                </m:r>
+                              </m:e>
+                              <m:e>
+                                <m:r>
+                                  <a:rPr lang="de-CH" i="1">
+                                    <a:latin typeface="Cambria Math" panose="02040503050406030204" pitchFamily="18" charset="0"/>
+                                  </a:rPr>
+                                  <m:t>0</m:t>
+                                </m:r>
+                              </m:e>
+                            </m:mr>
+                            <m:mr>
+                              <m:e>
+                                <m:r>
+                                  <a:rPr lang="de-CH" i="1">
+                                    <a:latin typeface="Cambria Math" panose="02040503050406030204" pitchFamily="18" charset="0"/>
+                                  </a:rPr>
+                                  <m:t>0</m:t>
+                                </m:r>
+                              </m:e>
+                              <m:e>
+                                <m:r>
+                                  <a:rPr lang="de-CH" i="1">
+                                    <a:latin typeface="Cambria Math" panose="02040503050406030204" pitchFamily="18" charset="0"/>
+                                  </a:rPr>
+                                  <m:t>0</m:t>
+                                </m:r>
+                              </m:e>
+                            </m:mr>
+                          </m:m>
+                        </m:e>
+                      </m:d>
+                    </m:oMath>
+                  </m:oMathPara>
+                </a14:m>
+                <a:endParaRPr lang="de-CH" dirty="0"/>
+              </a:p>
+              <a:p>
+                <a:pPr marL="0" indent="0">
+                  <a:buNone/>
+                </a:pPr>
+                <a:endParaRPr lang="de-CH" dirty="0"/>
+              </a:p>
+            </p:txBody>
+          </p:sp>
+        </mc:Choice>
+        <mc:Fallback>
+          <p:sp>
+            <p:nvSpPr>
+              <p:cNvPr id="4" name="Content Placeholder 3">
+                <a:extLst>
+                  <a:ext uri="{FF2B5EF4-FFF2-40B4-BE49-F238E27FC236}">
+                    <a16:creationId xmlns:a16="http://schemas.microsoft.com/office/drawing/2014/main" id="{22B111C3-DF7B-3B4E-8D5E-C087FBCD34B6}"/>
+                  </a:ext>
+                </a:extLst>
+              </p:cNvPr>
+              <p:cNvSpPr>
+                <a:spLocks noGrp="1" noRot="1" noChangeAspect="1" noMove="1" noResize="1" noEditPoints="1" noAdjustHandles="1" noChangeArrowheads="1" noChangeShapeType="1" noTextEdit="1"/>
+              </p:cNvSpPr>
+              <p:nvPr>
+                <p:ph sz="half" idx="2"/>
+              </p:nvPr>
+            </p:nvSpPr>
+            <p:spPr>
+              <a:blipFill>
+                <a:blip r:embed="rId2"/>
+                <a:stretch>
+                  <a:fillRect/>
+                </a:stretch>
+              </a:blipFill>
+            </p:spPr>
+            <p:txBody>
+              <a:bodyPr/>
+              <a:lstStyle/>
+              <a:p>
+                <a:r>
+                  <a:rPr lang="de-CH">
+                    <a:noFill/>
+                  </a:rPr>
+                  <a:t> </a:t>
+                </a:r>
+              </a:p>
+            </p:txBody>
+          </p:sp>
+        </mc:Fallback>
+      </mc:AlternateContent>
       <p:pic>
         <p:nvPicPr>
           <p:cNvPr id="5" name="Picture 10" descr="https://www.shopbecker.com/_resources/_assets/_global/media/processed/00045/resized/fnhwix.MB4430.Connect-Four-Game.500.500.4840a8bb-e5d3-4da1-a5d6-a79579043a1e.jpg">
             <a:extLst>
               <a:ext uri="{FF2B5EF4-FFF2-40B4-BE49-F238E27FC236}">
-                <a16:creationId xmlns:a16="http://schemas.microsoft.com/office/drawing/2014/main" id="{6FAE638A-534B-194F-88BE-5DD5313F88BC}"/>
+                <a16:creationId xmlns:a16="http://schemas.microsoft.com/office/drawing/2014/main" id="{82305CA0-06CD-7942-85C4-6FFD8AB8549B}"/>
               </a:ext>
             </a:extLst>
           </p:cNvPr>
           <p:cNvPicPr>
-            <a:picLocks noGrp="1" noChangeAspect="1" noChangeArrowheads="1"/>
+            <a:picLocks noChangeAspect="1" noChangeArrowheads="1"/>
           </p:cNvPicPr>
-          <p:nvPr>
-            <p:ph type="pic" idx="1"/>
-          </p:nvPr>
+          <p:nvPr/>
         </p:nvPicPr>
         <p:blipFill rotWithShape="1">
           <a:blip r:embed="rId3">
@@ -8988,7 +7894,7 @@
         </p:blipFill>
         <p:spPr bwMode="auto">
           <a:xfrm>
-            <a:off x="4772025" y="1526382"/>
+            <a:off x="5181600" y="1564481"/>
             <a:ext cx="6172200" cy="4873625"/>
           </a:xfrm>
           <a:prstGeom prst="rect">
@@ -9009,7 +7915,7 @@
     </p:spTree>
     <p:extLst>
       <p:ext uri="{BB962C8B-B14F-4D97-AF65-F5344CB8AC3E}">
-        <p14:creationId xmlns:p14="http://schemas.microsoft.com/office/powerpoint/2010/main" val="903534945"/>
+        <p14:creationId xmlns:p14="http://schemas.microsoft.com/office/powerpoint/2010/main" val="4040871622"/>
       </p:ext>
     </p:extLst>
   </p:cSld>
@@ -9041,7 +7947,7 @@
           <p:cNvPr id="2" name="Title 1">
             <a:extLst>
               <a:ext uri="{FF2B5EF4-FFF2-40B4-BE49-F238E27FC236}">
-                <a16:creationId xmlns:a16="http://schemas.microsoft.com/office/drawing/2014/main" id="{A89F8A60-00EB-B942-92D6-60A398F7C04B}"/>
+                <a16:creationId xmlns:a16="http://schemas.microsoft.com/office/drawing/2014/main" id="{B8C276A3-3A17-3644-AD57-D1426E423E1F}"/>
               </a:ext>
             </a:extLst>
           </p:cNvPr>
@@ -9061,15 +7967,16 @@
               <a:rPr lang="en-US" b="1" dirty="0"/>
               <a:t>Adjustments</a:t>
             </a:r>
+            <a:endParaRPr lang="de-CH" dirty="0"/>
           </a:p>
         </p:txBody>
       </p:sp>
       <p:sp>
         <p:nvSpPr>
-          <p:cNvPr id="4" name="Text Placeholder 3">
+          <p:cNvPr id="3" name="Content Placeholder 2">
             <a:extLst>
               <a:ext uri="{FF2B5EF4-FFF2-40B4-BE49-F238E27FC236}">
-                <a16:creationId xmlns:a16="http://schemas.microsoft.com/office/drawing/2014/main" id="{C605BA83-06C6-D84C-B279-4918DA4A0CCD}"/>
+                <a16:creationId xmlns:a16="http://schemas.microsoft.com/office/drawing/2014/main" id="{E593ED2E-5B89-2A41-93DC-0735B277ABD6}"/>
               </a:ext>
             </a:extLst>
           </p:cNvPr>
@@ -9077,13 +7984,13 @@
             <a:spLocks noGrp="1"/>
           </p:cNvSpPr>
           <p:nvPr>
-            <p:ph type="body" sz="half" idx="2"/>
+            <p:ph sz="half" idx="1"/>
           </p:nvPr>
         </p:nvSpPr>
         <p:spPr/>
         <p:txBody>
           <a:bodyPr>
-            <a:normAutofit/>
+            <a:normAutofit fontScale="92500" lnSpcReduction="10000"/>
           </a:bodyPr>
           <a:lstStyle/>
           <a:p>
@@ -9098,7 +8005,7 @@
               <a:buChar char="Ø"/>
             </a:pPr>
             <a:r>
-              <a:rPr lang="en-US" dirty="0"/>
+              <a:rPr lang="en-US" sz="2600" dirty="0"/>
               <a:t>Modify the rules and make it harder!</a:t>
             </a:r>
           </a:p>
@@ -9117,7 +8024,7 @@
               <a:buChar char="Ø"/>
             </a:pPr>
             <a:r>
-              <a:rPr lang="en-US" dirty="0"/>
+              <a:rPr lang="en-US" sz="2600" dirty="0"/>
               <a:t>Bet can be 0.01 to 5.00 ETH</a:t>
             </a:r>
           </a:p>
@@ -9136,21 +8043,27 @@
               <a:buChar char="Ø"/>
             </a:pPr>
             <a:r>
-              <a:rPr lang="en-US" dirty="0"/>
+              <a:rPr lang="en-US" sz="2600" dirty="0"/>
               <a:t>Incentive for losing player to give up</a:t>
             </a:r>
           </a:p>
           <a:p>
             <a:endParaRPr lang="en-US" dirty="0"/>
+          </a:p>
+          <a:p>
+            <a:pPr marL="0" indent="0">
+              <a:buNone/>
+            </a:pPr>
+            <a:endParaRPr lang="de-CH" dirty="0"/>
           </a:p>
         </p:txBody>
       </p:sp>
       <p:pic>
         <p:nvPicPr>
-          <p:cNvPr id="10" name="Content Placeholder 9">
+          <p:cNvPr id="5" name="Content Placeholder 9">
             <a:extLst>
               <a:ext uri="{FF2B5EF4-FFF2-40B4-BE49-F238E27FC236}">
-                <a16:creationId xmlns:a16="http://schemas.microsoft.com/office/drawing/2014/main" id="{2BE25BA5-C9FA-304C-B9BD-AD10472FB8A2}"/>
+                <a16:creationId xmlns:a16="http://schemas.microsoft.com/office/drawing/2014/main" id="{01400DE9-2FD8-6647-BB41-1966617CE08D}"/>
               </a:ext>
             </a:extLst>
           </p:cNvPr>
@@ -9158,25 +8071,25 @@
             <a:picLocks noGrp="1" noChangeAspect="1"/>
           </p:cNvPicPr>
           <p:nvPr>
-            <p:ph idx="1"/>
+            <p:ph sz="half" idx="2"/>
           </p:nvPr>
         </p:nvPicPr>
         <p:blipFill rotWithShape="1">
-          <a:blip r:embed="rId3"/>
+          <a:blip r:embed="rId2"/>
           <a:srcRect t="-32" b="-508"/>
           <a:stretch/>
         </p:blipFill>
         <p:spPr>
           <a:xfrm>
-            <a:off x="4772025" y="1664838"/>
-            <a:ext cx="5308600" cy="4596713"/>
+            <a:off x="5636012" y="1825625"/>
+            <a:ext cx="5025250" cy="4351338"/>
           </a:xfrm>
         </p:spPr>
       </p:pic>
     </p:spTree>
     <p:extLst>
       <p:ext uri="{BB962C8B-B14F-4D97-AF65-F5344CB8AC3E}">
-        <p14:creationId xmlns:p14="http://schemas.microsoft.com/office/powerpoint/2010/main" val="441839509"/>
+        <p14:creationId xmlns:p14="http://schemas.microsoft.com/office/powerpoint/2010/main" val="358911455"/>
       </p:ext>
     </p:extLst>
   </p:cSld>
@@ -9208,7 +8121,7 @@
           <p:cNvPr id="2" name="Title 1">
             <a:extLst>
               <a:ext uri="{FF2B5EF4-FFF2-40B4-BE49-F238E27FC236}">
-                <a16:creationId xmlns:a16="http://schemas.microsoft.com/office/drawing/2014/main" id="{61E4E1CA-843C-1941-9B1A-D9F28CEDF8D7}"/>
+                <a16:creationId xmlns:a16="http://schemas.microsoft.com/office/drawing/2014/main" id="{D4F04F08-0A71-A94E-A963-3BA4DA951872}"/>
               </a:ext>
             </a:extLst>
           </p:cNvPr>
@@ -9219,9 +8132,7 @@
             <p:ph type="title"/>
           </p:nvPr>
         </p:nvSpPr>
-        <p:spPr>
-          <a:noFill/>
-        </p:spPr>
+        <p:spPr/>
         <p:txBody>
           <a:bodyPr/>
           <a:lstStyle/>
@@ -9230,15 +8141,16 @@
               <a:rPr lang="en-US" b="1" dirty="0"/>
               <a:t>The Smart Contract</a:t>
             </a:r>
+            <a:endParaRPr lang="de-CH" dirty="0"/>
           </a:p>
         </p:txBody>
       </p:sp>
       <p:sp>
         <p:nvSpPr>
-          <p:cNvPr id="4" name="Text Placeholder 3">
+          <p:cNvPr id="3" name="Content Placeholder 2">
             <a:extLst>
               <a:ext uri="{FF2B5EF4-FFF2-40B4-BE49-F238E27FC236}">
-                <a16:creationId xmlns:a16="http://schemas.microsoft.com/office/drawing/2014/main" id="{3D8FF477-EC51-A540-B560-A720C3DA959D}"/>
+                <a16:creationId xmlns:a16="http://schemas.microsoft.com/office/drawing/2014/main" id="{C03D1EC6-3BF0-734B-A55C-77C6AD3272CC}"/>
               </a:ext>
             </a:extLst>
           </p:cNvPr>
@@ -9246,18 +8158,17 @@
             <a:spLocks noGrp="1"/>
           </p:cNvSpPr>
           <p:nvPr>
-            <p:ph type="body" sz="half" idx="2"/>
-          </p:nvPr>
-        </p:nvSpPr>
-        <p:spPr>
-          <a:noFill/>
-        </p:spPr>
+            <p:ph idx="1"/>
+          </p:nvPr>
+        </p:nvSpPr>
+        <p:spPr/>
         <p:txBody>
-          <a:bodyPr>
-            <a:normAutofit/>
-          </a:bodyPr>
+          <a:bodyPr/>
           <a:lstStyle/>
           <a:p>
+            <a:pPr marL="0" indent="0">
+              <a:buNone/>
+            </a:pPr>
             <a:r>
               <a:rPr lang="en-US" dirty="0"/>
               <a:t>What the smart contract does:</a:t>
@@ -9267,61 +8178,64 @@
             <a:endParaRPr lang="en-US" dirty="0"/>
           </a:p>
           <a:p>
-            <a:pPr marL="285750" indent="-285750">
-              <a:buFont typeface="Arial" panose="020B0604020202020204" pitchFamily="34" charset="0"/>
-              <a:buChar char="•"/>
+            <a:pPr>
+              <a:buFont typeface="Wingdings" pitchFamily="2" charset="2"/>
+              <a:buChar char="Ø"/>
             </a:pPr>
             <a:r>
-              <a:rPr lang="en-US" dirty="0"/>
+              <a:rPr lang="en-US" sz="2400" dirty="0"/>
               <a:t>Provides the rule set and enforces it</a:t>
             </a:r>
           </a:p>
           <a:p>
-            <a:pPr marL="285750" indent="-285750">
-              <a:buFont typeface="Arial" panose="020B0604020202020204" pitchFamily="34" charset="0"/>
-              <a:buChar char="•"/>
+            <a:pPr>
+              <a:buFont typeface="Wingdings" pitchFamily="2" charset="2"/>
+              <a:buChar char="Ø"/>
             </a:pPr>
             <a:r>
-              <a:rPr lang="en-US" dirty="0"/>
+              <a:rPr lang="en-US" sz="2400" dirty="0"/>
               <a:t>Checks for equal bets</a:t>
             </a:r>
           </a:p>
           <a:p>
-            <a:pPr marL="285750" indent="-285750">
-              <a:buFont typeface="Arial" panose="020B0604020202020204" pitchFamily="34" charset="0"/>
-              <a:buChar char="•"/>
+            <a:pPr>
+              <a:buFont typeface="Wingdings" pitchFamily="2" charset="2"/>
+              <a:buChar char="Ø"/>
             </a:pPr>
             <a:r>
-              <a:rPr lang="en-US" b="1" dirty="0"/>
+              <a:rPr lang="en-US" sz="2400" b="1" dirty="0"/>
               <a:t>Sets up the game (PRNG)</a:t>
             </a:r>
           </a:p>
           <a:p>
-            <a:pPr marL="285750" indent="-285750">
-              <a:buFont typeface="Arial" panose="020B0604020202020204" pitchFamily="34" charset="0"/>
-              <a:buChar char="•"/>
+            <a:pPr>
+              <a:buFont typeface="Wingdings" pitchFamily="2" charset="2"/>
+              <a:buChar char="Ø"/>
             </a:pPr>
             <a:r>
-              <a:rPr lang="en-US" b="1" dirty="0"/>
+              <a:rPr lang="en-US" sz="2400" b="1" dirty="0"/>
               <a:t>Most challenging function: has a player won the game?</a:t>
             </a:r>
           </a:p>
           <a:p>
-            <a:pPr marL="285750" indent="-285750">
-              <a:buFont typeface="Arial" panose="020B0604020202020204" pitchFamily="34" charset="0"/>
-              <a:buChar char="•"/>
+            <a:pPr>
+              <a:buFont typeface="Wingdings" pitchFamily="2" charset="2"/>
+              <a:buChar char="Ø"/>
             </a:pPr>
             <a:r>
-              <a:rPr lang="en-US" dirty="0"/>
+              <a:rPr lang="en-US" sz="2400" dirty="0"/>
               <a:t>Payout</a:t>
             </a:r>
+          </a:p>
+          <a:p>
+            <a:endParaRPr lang="de-CH" dirty="0"/>
           </a:p>
         </p:txBody>
       </p:sp>
     </p:spTree>
     <p:extLst>
       <p:ext uri="{BB962C8B-B14F-4D97-AF65-F5344CB8AC3E}">
-        <p14:creationId xmlns:p14="http://schemas.microsoft.com/office/powerpoint/2010/main" val="498028741"/>
+        <p14:creationId xmlns:p14="http://schemas.microsoft.com/office/powerpoint/2010/main" val="954291761"/>
       </p:ext>
     </p:extLst>
   </p:cSld>
@@ -9868,7 +8782,7 @@
           <p:cNvPr id="2" name="Title 1">
             <a:extLst>
               <a:ext uri="{FF2B5EF4-FFF2-40B4-BE49-F238E27FC236}">
-                <a16:creationId xmlns:a16="http://schemas.microsoft.com/office/drawing/2014/main" id="{7C20874F-9735-774A-B0CC-5F9F831AFD54}"/>
+                <a16:creationId xmlns:a16="http://schemas.microsoft.com/office/drawing/2014/main" id="{9894F834-4052-DB49-8AC4-7ACF6C08BD47}"/>
               </a:ext>
             </a:extLst>
           </p:cNvPr>
@@ -9888,15 +8802,16 @@
               <a:rPr lang="en-US" b="1" dirty="0"/>
               <a:t>Pseudo-Random Number Generator</a:t>
             </a:r>
+            <a:endParaRPr lang="de-CH" dirty="0"/>
           </a:p>
         </p:txBody>
       </p:sp>
       <p:sp>
         <p:nvSpPr>
-          <p:cNvPr id="4" name="Text Placeholder 3">
+          <p:cNvPr id="3" name="Content Placeholder 2">
             <a:extLst>
               <a:ext uri="{FF2B5EF4-FFF2-40B4-BE49-F238E27FC236}">
-                <a16:creationId xmlns:a16="http://schemas.microsoft.com/office/drawing/2014/main" id="{55E12506-6DDB-CF4F-B87E-6FB0F6EA642C}"/>
+                <a16:creationId xmlns:a16="http://schemas.microsoft.com/office/drawing/2014/main" id="{0E3739D3-99DA-6D43-9BEC-AE46B9F56CC4}"/>
               </a:ext>
             </a:extLst>
           </p:cNvPr>
@@ -9904,35 +8819,22 @@
             <a:spLocks noGrp="1"/>
           </p:cNvSpPr>
           <p:nvPr>
-            <p:ph type="body" sz="half" idx="2"/>
-          </p:nvPr>
-        </p:nvSpPr>
-        <p:spPr>
-          <a:xfrm>
-            <a:off x="839788" y="2184721"/>
-            <a:ext cx="3932237" cy="3811588"/>
-          </a:xfrm>
-        </p:spPr>
+            <p:ph idx="1"/>
+          </p:nvPr>
+        </p:nvSpPr>
+        <p:spPr/>
         <p:txBody>
-          <a:bodyPr>
-            <a:normAutofit/>
-          </a:bodyPr>
+          <a:bodyPr/>
           <a:lstStyle/>
           <a:p>
-            <a:pPr marL="285750" indent="-285750">
-              <a:buFont typeface="Arial" panose="020B0604020202020204" pitchFamily="34" charset="0"/>
-              <a:buChar char="•"/>
-            </a:pPr>
+            <a:pPr marL="285750" indent="-285750"/>
             <a:r>
               <a:rPr lang="en-US" dirty="0"/>
               <a:t>Don’t use block variables of a past block</a:t>
             </a:r>
           </a:p>
           <a:p>
-            <a:pPr marL="285750" indent="-285750">
-              <a:buFont typeface="Arial" panose="020B0604020202020204" pitchFamily="34" charset="0"/>
-              <a:buChar char="•"/>
-            </a:pPr>
+            <a:pPr marL="285750" indent="-285750"/>
             <a:r>
               <a:rPr lang="en-US" dirty="0"/>
               <a:t>Block variables of current block? </a:t>
@@ -9944,7 +8846,7 @@
               <a:buChar char="Ø"/>
             </a:pPr>
             <a:r>
-              <a:rPr lang="en-US" sz="1500" dirty="0"/>
+              <a:rPr lang="en-US" dirty="0"/>
               <a:t>Block hash?  …not possible</a:t>
             </a:r>
           </a:p>
@@ -9954,15 +8856,12 @@
               <a:buChar char="Ø"/>
             </a:pPr>
             <a:r>
-              <a:rPr lang="en-US" sz="1500" dirty="0"/>
+              <a:rPr lang="en-US" dirty="0"/>
               <a:t>Others? …possible but not safe</a:t>
             </a:r>
           </a:p>
           <a:p>
-            <a:pPr marL="285750" indent="-285750">
-              <a:buFont typeface="Arial" panose="020B0604020202020204" pitchFamily="34" charset="0"/>
-              <a:buChar char="•"/>
-            </a:pPr>
+            <a:pPr marL="285750" indent="-285750"/>
             <a:r>
               <a:rPr lang="en-US" dirty="0"/>
               <a:t>Our solution: </a:t>
@@ -9974,7 +8873,7 @@
               <a:buChar char="Ø"/>
             </a:pPr>
             <a:r>
-              <a:rPr lang="en-US" sz="1500" dirty="0"/>
+              <a:rPr lang="en-US" dirty="0"/>
               <a:t>Two-step approach</a:t>
             </a:r>
           </a:p>
@@ -9993,21 +8892,24 @@
             <a:endParaRPr lang="en-US" dirty="0"/>
           </a:p>
           <a:p>
-            <a:pPr marL="285750" indent="-285750">
-              <a:buFont typeface="Arial" panose="020B0604020202020204" pitchFamily="34" charset="0"/>
-              <a:buChar char="•"/>
+            <a:pPr marL="285750" indent="-285750"/>
+            <a:endParaRPr lang="en-US" dirty="0"/>
+          </a:p>
+          <a:p>
+            <a:endParaRPr lang="en-US" dirty="0"/>
+          </a:p>
+          <a:p>
+            <a:pPr marL="0" indent="0">
+              <a:buNone/>
             </a:pPr>
-            <a:endParaRPr lang="en-US" dirty="0"/>
-          </a:p>
-          <a:p>
-            <a:endParaRPr lang="en-US" dirty="0"/>
+            <a:endParaRPr lang="de-CH" dirty="0"/>
           </a:p>
         </p:txBody>
       </p:sp>
     </p:spTree>
     <p:extLst>
       <p:ext uri="{BB962C8B-B14F-4D97-AF65-F5344CB8AC3E}">
-        <p14:creationId xmlns:p14="http://schemas.microsoft.com/office/powerpoint/2010/main" val="1737886097"/>
+        <p14:creationId xmlns:p14="http://schemas.microsoft.com/office/powerpoint/2010/main" val="2922995041"/>
       </p:ext>
     </p:extLst>
   </p:cSld>
@@ -10039,7 +8941,7 @@
           <p:cNvPr id="2" name="Title 1">
             <a:extLst>
               <a:ext uri="{FF2B5EF4-FFF2-40B4-BE49-F238E27FC236}">
-                <a16:creationId xmlns:a16="http://schemas.microsoft.com/office/drawing/2014/main" id="{7C20874F-9735-774A-B0CC-5F9F831AFD54}"/>
+                <a16:creationId xmlns:a16="http://schemas.microsoft.com/office/drawing/2014/main" id="{9C4C4569-9481-1045-8DA4-D2293C2A41CC}"/>
               </a:ext>
             </a:extLst>
           </p:cNvPr>
@@ -10059,15 +8961,16 @@
               <a:rPr lang="en-US" b="1" dirty="0"/>
               <a:t>Pseudo-Random Number Generator</a:t>
             </a:r>
+            <a:endParaRPr lang="de-CH" dirty="0"/>
           </a:p>
         </p:txBody>
       </p:sp>
       <p:sp>
         <p:nvSpPr>
-          <p:cNvPr id="7" name="Textfeld 6">
+          <p:cNvPr id="5" name="Textfeld 6">
             <a:extLst>
               <a:ext uri="{FF2B5EF4-FFF2-40B4-BE49-F238E27FC236}">
-                <a16:creationId xmlns:a16="http://schemas.microsoft.com/office/drawing/2014/main" id="{66ABB8C3-EB98-034C-89B1-C955C99431A3}"/>
+                <a16:creationId xmlns:a16="http://schemas.microsoft.com/office/drawing/2014/main" id="{6481F2E1-ED83-FD4E-8987-DED3734FA285}"/>
               </a:ext>
             </a:extLst>
           </p:cNvPr>
@@ -10444,14 +9347,14 @@
           </a:p>
         </p:txBody>
       </p:sp>
-      <mc:AlternateContent xmlns:mc="http://schemas.openxmlformats.org/markup-compatibility/2006" xmlns:a14="http://schemas.microsoft.com/office/drawing/2010/main">
-        <mc:Choice Requires="a14">
+      <mc:AlternateContent xmlns:mc="http://schemas.openxmlformats.org/markup-compatibility/2006">
+        <mc:Choice xmlns:a14="http://schemas.microsoft.com/office/drawing/2010/main" Requires="a14">
           <p:sp>
             <p:nvSpPr>
-              <p:cNvPr id="3" name="Textfeld 2">
+              <p:cNvPr id="6" name="Textfeld 2">
                 <a:extLst>
                   <a:ext uri="{FF2B5EF4-FFF2-40B4-BE49-F238E27FC236}">
-                    <a16:creationId xmlns:a16="http://schemas.microsoft.com/office/drawing/2014/main" id="{8A21588E-ABA0-41C2-8B5A-0A0E80B69530}"/>
+                    <a16:creationId xmlns:a16="http://schemas.microsoft.com/office/drawing/2014/main" id="{C8BBC1AA-45D0-4B49-BE0E-10CBD631A513}"/>
                   </a:ext>
                 </a:extLst>
               </p:cNvPr>
@@ -10629,13 +9532,13 @@
             </p:txBody>
           </p:sp>
         </mc:Choice>
-        <mc:Fallback xmlns="">
+        <mc:Fallback>
           <p:sp>
             <p:nvSpPr>
-              <p:cNvPr id="3" name="Textfeld 2">
+              <p:cNvPr id="6" name="Textfeld 2">
                 <a:extLst>
                   <a:ext uri="{FF2B5EF4-FFF2-40B4-BE49-F238E27FC236}">
-                    <a16:creationId xmlns:a16="http://schemas.microsoft.com/office/drawing/2014/main" id="{8A21588E-ABA0-41C2-8B5A-0A0E80B69530}"/>
+                    <a16:creationId xmlns:a16="http://schemas.microsoft.com/office/drawing/2014/main" id="{C8BBC1AA-45D0-4B49-BE0E-10CBD631A513}"/>
                   </a:ext>
                 </a:extLst>
               </p:cNvPr>
@@ -10676,10 +9579,10 @@
       </mc:AlternateContent>
       <p:cxnSp>
         <p:nvCxnSpPr>
-          <p:cNvPr id="5" name="Gerade Verbindung mit Pfeil 4">
+          <p:cNvPr id="7" name="Gerade Verbindung mit Pfeil 4">
             <a:extLst>
               <a:ext uri="{FF2B5EF4-FFF2-40B4-BE49-F238E27FC236}">
-                <a16:creationId xmlns:a16="http://schemas.microsoft.com/office/drawing/2014/main" id="{8449302C-18C7-41FC-B285-1BD558D5FDF5}"/>
+                <a16:creationId xmlns:a16="http://schemas.microsoft.com/office/drawing/2014/main" id="{19CF2AE2-D0D8-5142-B25F-779A464F1C0B}"/>
               </a:ext>
             </a:extLst>
           </p:cNvPr>
@@ -10721,7 +9624,7 @@
     </p:spTree>
     <p:extLst>
       <p:ext uri="{BB962C8B-B14F-4D97-AF65-F5344CB8AC3E}">
-        <p14:creationId xmlns:p14="http://schemas.microsoft.com/office/powerpoint/2010/main" val="3689785415"/>
+        <p14:creationId xmlns:p14="http://schemas.microsoft.com/office/powerpoint/2010/main" val="3018577331"/>
       </p:ext>
     </p:extLst>
   </p:cSld>

--- a/presentation/nice fonts_migo.pptx
+++ b/presentation/nice fonts_migo.pptx
@@ -13,8 +13,8 @@
     <p:sldId id="277" r:id="rId4"/>
     <p:sldId id="278" r:id="rId5"/>
     <p:sldId id="279" r:id="rId6"/>
-    <p:sldId id="262" r:id="rId7"/>
-    <p:sldId id="266" r:id="rId8"/>
+    <p:sldId id="282" r:id="rId7"/>
+    <p:sldId id="283" r:id="rId8"/>
     <p:sldId id="280" r:id="rId9"/>
     <p:sldId id="281" r:id="rId10"/>
     <p:sldId id="273" r:id="rId11"/>
@@ -144,20 +144,6 @@
 </p:cmAuthorLst>
 </file>
 
-<file path=ppt/comments/comment1.xml><?xml version="1.0" encoding="utf-8"?>
-<p:cmLst xmlns:a="http://schemas.openxmlformats.org/drawingml/2006/main" xmlns:r="http://schemas.openxmlformats.org/officeDocument/2006/relationships" xmlns:p="http://schemas.openxmlformats.org/presentationml/2006/main">
-  <p:cm authorId="2" dt="2018-12-08T13:32:52.520" idx="1">
-    <p:pos x="10" y="10"/>
-    <p:text>Left side</p:text>
-    <p:extLst>
-      <p:ext uri="{C676402C-5697-4E1C-873F-D02D1690AC5C}">
-        <p15:threadingInfo xmlns:p15="http://schemas.microsoft.com/office/powerpoint/2012/main" timeZoneBias="-60"/>
-      </p:ext>
-    </p:extLst>
-  </p:cm>
-</p:cmLst>
-</file>
-
 <file path=ppt/notesMasters/notesMaster1.xml><?xml version="1.0" encoding="utf-8"?>
 <p:notesMaster xmlns:a="http://schemas.openxmlformats.org/drawingml/2006/main" xmlns:r="http://schemas.openxmlformats.org/officeDocument/2006/relationships" xmlns:p="http://schemas.openxmlformats.org/presentationml/2006/main">
   <p:cSld>
@@ -636,447 +622,6 @@
           <a:bodyPr/>
           <a:lstStyle/>
           <a:p>
-            <a:r>
-              <a:rPr lang="de-CH" dirty="0" err="1"/>
-              <a:t>Explain</a:t>
-            </a:r>
-            <a:r>
-              <a:rPr lang="de-CH" dirty="0"/>
-              <a:t> OUR </a:t>
-            </a:r>
-            <a:r>
-              <a:rPr lang="de-CH" dirty="0" err="1"/>
-              <a:t>rules</a:t>
-            </a:r>
-            <a:endParaRPr lang="de-CH" dirty="0"/>
-          </a:p>
-          <a:p>
-            <a:r>
-              <a:rPr lang="de-CH" dirty="0" err="1"/>
-              <a:t>Possiblity</a:t>
-            </a:r>
-            <a:r>
-              <a:rPr lang="de-CH" dirty="0"/>
-              <a:t> </a:t>
-            </a:r>
-            <a:r>
-              <a:rPr lang="de-CH" dirty="0" err="1"/>
-              <a:t>to</a:t>
-            </a:r>
-            <a:r>
-              <a:rPr lang="de-CH" dirty="0"/>
-              <a:t> </a:t>
-            </a:r>
-            <a:r>
-              <a:rPr lang="de-CH" dirty="0" err="1"/>
-              <a:t>win</a:t>
-            </a:r>
-            <a:r>
-              <a:rPr lang="de-CH" dirty="0"/>
-              <a:t> (BLUE)</a:t>
-            </a:r>
-          </a:p>
-          <a:p>
-            <a:r>
-              <a:rPr lang="de-CH" dirty="0"/>
-              <a:t>Special </a:t>
-            </a:r>
-            <a:r>
-              <a:rPr lang="de-CH" dirty="0" err="1"/>
-              <a:t>case</a:t>
-            </a:r>
-            <a:r>
-              <a:rPr lang="de-CH" dirty="0"/>
-              <a:t>: </a:t>
-            </a:r>
-            <a:r>
-              <a:rPr lang="de-CH" dirty="0" err="1"/>
-              <a:t>there</a:t>
-            </a:r>
-            <a:r>
-              <a:rPr lang="de-CH" dirty="0"/>
-              <a:t> </a:t>
-            </a:r>
-            <a:r>
-              <a:rPr lang="de-CH" dirty="0" err="1"/>
-              <a:t>may</a:t>
-            </a:r>
-            <a:r>
-              <a:rPr lang="de-CH" dirty="0"/>
-              <a:t> </a:t>
-            </a:r>
-            <a:r>
-              <a:rPr lang="de-CH" dirty="0" err="1"/>
-              <a:t>be</a:t>
-            </a:r>
-            <a:r>
-              <a:rPr lang="de-CH" dirty="0"/>
-              <a:t> 5 in a </a:t>
-            </a:r>
-            <a:r>
-              <a:rPr lang="de-CH" dirty="0" err="1"/>
-              <a:t>row</a:t>
-            </a:r>
-            <a:r>
-              <a:rPr lang="de-CH" dirty="0"/>
-              <a:t>! </a:t>
-            </a:r>
-            <a:r>
-              <a:rPr lang="de-CH" dirty="0" err="1"/>
-              <a:t>Make</a:t>
-            </a:r>
-            <a:r>
-              <a:rPr lang="de-CH" dirty="0"/>
-              <a:t> </a:t>
-            </a:r>
-            <a:r>
-              <a:rPr lang="de-CH" dirty="0" err="1"/>
-              <a:t>sure</a:t>
-            </a:r>
-            <a:r>
-              <a:rPr lang="de-CH" dirty="0"/>
-              <a:t> </a:t>
-            </a:r>
-            <a:r>
-              <a:rPr lang="de-CH" dirty="0" err="1"/>
-              <a:t>the</a:t>
-            </a:r>
-            <a:r>
-              <a:rPr lang="de-CH" dirty="0"/>
-              <a:t> </a:t>
-            </a:r>
-            <a:r>
-              <a:rPr lang="de-CH" dirty="0" err="1"/>
-              <a:t>contract</a:t>
-            </a:r>
-            <a:r>
-              <a:rPr lang="de-CH" dirty="0"/>
-              <a:t> </a:t>
-            </a:r>
-            <a:r>
-              <a:rPr lang="de-CH" dirty="0" err="1"/>
-              <a:t>allows</a:t>
-            </a:r>
-            <a:r>
-              <a:rPr lang="de-CH" dirty="0"/>
-              <a:t> </a:t>
-            </a:r>
-            <a:r>
-              <a:rPr lang="de-CH" dirty="0" err="1"/>
-              <a:t>this</a:t>
-            </a:r>
-            <a:r>
-              <a:rPr lang="de-CH" dirty="0"/>
-              <a:t> </a:t>
-            </a:r>
-            <a:r>
-              <a:rPr lang="de-CH" dirty="0" err="1"/>
-              <a:t>as</a:t>
-            </a:r>
-            <a:r>
-              <a:rPr lang="de-CH" dirty="0"/>
-              <a:t> </a:t>
-            </a:r>
-            <a:r>
-              <a:rPr lang="de-CH" dirty="0" err="1"/>
-              <a:t>well</a:t>
-            </a:r>
-            <a:r>
-              <a:rPr lang="de-CH" dirty="0"/>
-              <a:t>!</a:t>
-            </a:r>
-          </a:p>
-        </p:txBody>
-      </p:sp>
-      <p:sp>
-        <p:nvSpPr>
-          <p:cNvPr id="4" name="Slide Number Placeholder 3"/>
-          <p:cNvSpPr>
-            <a:spLocks noGrp="1"/>
-          </p:cNvSpPr>
-          <p:nvPr>
-            <p:ph type="sldNum" sz="quarter" idx="5"/>
-          </p:nvPr>
-        </p:nvSpPr>
-        <p:spPr/>
-        <p:txBody>
-          <a:bodyPr/>
-          <a:lstStyle/>
-          <a:p>
-            <a:fld id="{F079726E-9332-8945-9B56-DA4499D9CAE0}" type="slidenum">
-              <a:rPr lang="de-CH" smtClean="0"/>
-              <a:t>6</a:t>
-            </a:fld>
-            <a:endParaRPr lang="de-CH"/>
-          </a:p>
-        </p:txBody>
-      </p:sp>
-    </p:spTree>
-    <p:extLst>
-      <p:ext uri="{BB962C8B-B14F-4D97-AF65-F5344CB8AC3E}">
-        <p14:creationId xmlns:p14="http://schemas.microsoft.com/office/powerpoint/2010/main" val="3705695672"/>
-      </p:ext>
-    </p:extLst>
-  </p:cSld>
-  <p:clrMapOvr>
-    <a:masterClrMapping/>
-  </p:clrMapOvr>
-</p:notes>
-</file>
-
-<file path=ppt/notesSlides/notesSlide3.xml><?xml version="1.0" encoding="utf-8"?>
-<p:notes xmlns:a="http://schemas.openxmlformats.org/drawingml/2006/main" xmlns:r="http://schemas.openxmlformats.org/officeDocument/2006/relationships" xmlns:p="http://schemas.openxmlformats.org/presentationml/2006/main">
-  <p:cSld>
-    <p:spTree>
-      <p:nvGrpSpPr>
-        <p:cNvPr id="1" name=""/>
-        <p:cNvGrpSpPr/>
-        <p:nvPr/>
-      </p:nvGrpSpPr>
-      <p:grpSpPr>
-        <a:xfrm>
-          <a:off x="0" y="0"/>
-          <a:ext cx="0" cy="0"/>
-          <a:chOff x="0" y="0"/>
-          <a:chExt cx="0" cy="0"/>
-        </a:xfrm>
-      </p:grpSpPr>
-      <p:sp>
-        <p:nvSpPr>
-          <p:cNvPr id="2" name="Slide Image Placeholder 1"/>
-          <p:cNvSpPr>
-            <a:spLocks noGrp="1" noRot="1" noChangeAspect="1"/>
-          </p:cNvSpPr>
-          <p:nvPr>
-            <p:ph type="sldImg"/>
-          </p:nvPr>
-        </p:nvSpPr>
-        <p:spPr/>
-      </p:sp>
-      <p:sp>
-        <p:nvSpPr>
-          <p:cNvPr id="3" name="Notes Placeholder 2"/>
-          <p:cNvSpPr>
-            <a:spLocks noGrp="1"/>
-          </p:cNvSpPr>
-          <p:nvPr>
-            <p:ph type="body" idx="1"/>
-          </p:nvPr>
-        </p:nvSpPr>
-        <p:spPr/>
-        <p:txBody>
-          <a:bodyPr/>
-          <a:lstStyle/>
-          <a:p>
-            <a:r>
-              <a:rPr lang="de-CH" dirty="0" err="1"/>
-              <a:t>Possibility</a:t>
-            </a:r>
-            <a:r>
-              <a:rPr lang="de-CH" dirty="0"/>
-              <a:t> </a:t>
-            </a:r>
-            <a:r>
-              <a:rPr lang="de-CH" dirty="0" err="1"/>
-              <a:t>to</a:t>
-            </a:r>
-            <a:r>
-              <a:rPr lang="de-CH" dirty="0"/>
-              <a:t> </a:t>
-            </a:r>
-            <a:r>
-              <a:rPr lang="de-CH" dirty="0" err="1"/>
-              <a:t>win</a:t>
-            </a:r>
-            <a:r>
-              <a:rPr lang="de-CH" dirty="0"/>
-              <a:t> (RED)</a:t>
-            </a:r>
-          </a:p>
-          <a:p>
-            <a:r>
-              <a:rPr lang="de-CH" dirty="0"/>
-              <a:t>Special Case: </a:t>
-            </a:r>
-            <a:r>
-              <a:rPr lang="de-CH" dirty="0" err="1"/>
-              <a:t>player</a:t>
-            </a:r>
-            <a:r>
-              <a:rPr lang="de-CH" dirty="0"/>
-              <a:t> </a:t>
-            </a:r>
-            <a:r>
-              <a:rPr lang="de-CH" dirty="0" err="1"/>
-              <a:t>wins</a:t>
-            </a:r>
-            <a:r>
-              <a:rPr lang="de-CH" dirty="0"/>
-              <a:t> in </a:t>
-            </a:r>
-            <a:r>
-              <a:rPr lang="de-CH" dirty="0" err="1"/>
-              <a:t>two</a:t>
-            </a:r>
-            <a:r>
-              <a:rPr lang="de-CH" dirty="0"/>
-              <a:t> </a:t>
-            </a:r>
-            <a:r>
-              <a:rPr lang="de-CH" dirty="0" err="1"/>
-              <a:t>ways</a:t>
-            </a:r>
-            <a:r>
-              <a:rPr lang="de-CH" dirty="0"/>
-              <a:t>. </a:t>
-            </a:r>
-            <a:r>
-              <a:rPr lang="de-CH" dirty="0" err="1"/>
-              <a:t>Make</a:t>
-            </a:r>
-            <a:r>
-              <a:rPr lang="de-CH" dirty="0"/>
-              <a:t> </a:t>
-            </a:r>
-            <a:r>
-              <a:rPr lang="de-CH" dirty="0" err="1"/>
-              <a:t>sure</a:t>
-            </a:r>
-            <a:r>
-              <a:rPr lang="de-CH" dirty="0"/>
-              <a:t> </a:t>
-            </a:r>
-            <a:r>
-              <a:rPr lang="de-CH" dirty="0" err="1"/>
-              <a:t>the</a:t>
-            </a:r>
-            <a:r>
-              <a:rPr lang="de-CH" dirty="0"/>
-              <a:t> </a:t>
-            </a:r>
-            <a:r>
-              <a:rPr lang="de-CH" dirty="0" err="1"/>
-              <a:t>contract</a:t>
-            </a:r>
-            <a:r>
-              <a:rPr lang="de-CH" dirty="0"/>
-              <a:t> </a:t>
-            </a:r>
-            <a:r>
-              <a:rPr lang="de-CH" dirty="0" err="1"/>
-              <a:t>doesn’t</a:t>
-            </a:r>
-            <a:r>
-              <a:rPr lang="de-CH" dirty="0"/>
-              <a:t> do </a:t>
-            </a:r>
-            <a:r>
-              <a:rPr lang="de-CH" dirty="0" err="1"/>
-              <a:t>anything</a:t>
-            </a:r>
-            <a:r>
-              <a:rPr lang="de-CH" dirty="0"/>
-              <a:t> </a:t>
-            </a:r>
-            <a:r>
-              <a:rPr lang="de-CH" dirty="0" err="1"/>
-              <a:t>twice</a:t>
-            </a:r>
-            <a:r>
-              <a:rPr lang="de-CH" dirty="0"/>
-              <a:t>... (like a </a:t>
-            </a:r>
-            <a:r>
-              <a:rPr lang="de-CH" dirty="0" err="1"/>
-              <a:t>payout</a:t>
-            </a:r>
-            <a:r>
-              <a:rPr lang="de-CH" dirty="0"/>
-              <a:t>)</a:t>
-            </a:r>
-          </a:p>
-        </p:txBody>
-      </p:sp>
-      <p:sp>
-        <p:nvSpPr>
-          <p:cNvPr id="4" name="Slide Number Placeholder 3"/>
-          <p:cNvSpPr>
-            <a:spLocks noGrp="1"/>
-          </p:cNvSpPr>
-          <p:nvPr>
-            <p:ph type="sldNum" sz="quarter" idx="5"/>
-          </p:nvPr>
-        </p:nvSpPr>
-        <p:spPr/>
-        <p:txBody>
-          <a:bodyPr/>
-          <a:lstStyle/>
-          <a:p>
-            <a:fld id="{F079726E-9332-8945-9B56-DA4499D9CAE0}" type="slidenum">
-              <a:rPr lang="de-CH" smtClean="0"/>
-              <a:t>7</a:t>
-            </a:fld>
-            <a:endParaRPr lang="de-CH"/>
-          </a:p>
-        </p:txBody>
-      </p:sp>
-    </p:spTree>
-    <p:extLst>
-      <p:ext uri="{BB962C8B-B14F-4D97-AF65-F5344CB8AC3E}">
-        <p14:creationId xmlns:p14="http://schemas.microsoft.com/office/powerpoint/2010/main" val="2954590792"/>
-      </p:ext>
-    </p:extLst>
-  </p:cSld>
-  <p:clrMapOvr>
-    <a:masterClrMapping/>
-  </p:clrMapOvr>
-</p:notes>
-</file>
-
-<file path=ppt/notesSlides/notesSlide4.xml><?xml version="1.0" encoding="utf-8"?>
-<p:notes xmlns:a="http://schemas.openxmlformats.org/drawingml/2006/main" xmlns:r="http://schemas.openxmlformats.org/officeDocument/2006/relationships" xmlns:p="http://schemas.openxmlformats.org/presentationml/2006/main">
-  <p:cSld>
-    <p:spTree>
-      <p:nvGrpSpPr>
-        <p:cNvPr id="1" name=""/>
-        <p:cNvGrpSpPr/>
-        <p:nvPr/>
-      </p:nvGrpSpPr>
-      <p:grpSpPr>
-        <a:xfrm>
-          <a:off x="0" y="0"/>
-          <a:ext cx="0" cy="0"/>
-          <a:chOff x="0" y="0"/>
-          <a:chExt cx="0" cy="0"/>
-        </a:xfrm>
-      </p:grpSpPr>
-      <p:sp>
-        <p:nvSpPr>
-          <p:cNvPr id="2" name="Slide Image Placeholder 1"/>
-          <p:cNvSpPr>
-            <a:spLocks noGrp="1" noRot="1" noChangeAspect="1"/>
-          </p:cNvSpPr>
-          <p:nvPr>
-            <p:ph type="sldImg"/>
-          </p:nvPr>
-        </p:nvSpPr>
-        <p:spPr/>
-      </p:sp>
-      <p:sp>
-        <p:nvSpPr>
-          <p:cNvPr id="3" name="Notes Placeholder 2"/>
-          <p:cNvSpPr>
-            <a:spLocks noGrp="1"/>
-          </p:cNvSpPr>
-          <p:nvPr>
-            <p:ph type="body" idx="1"/>
-          </p:nvPr>
-        </p:nvSpPr>
-        <p:spPr/>
-        <p:txBody>
-          <a:bodyPr/>
-          <a:lstStyle/>
-          <a:p>
             <a:endParaRPr lang="de-CH" dirty="0"/>
           </a:p>
         </p:txBody>
@@ -1117,7 +662,7 @@
 </p:notes>
 </file>
 
-<file path=ppt/notesSlides/notesSlide5.xml><?xml version="1.0" encoding="utf-8"?>
+<file path=ppt/notesSlides/notesSlide3.xml><?xml version="1.0" encoding="utf-8"?>
 <p:notes xmlns:a="http://schemas.openxmlformats.org/drawingml/2006/main" xmlns:r="http://schemas.openxmlformats.org/officeDocument/2006/relationships" xmlns:p="http://schemas.openxmlformats.org/presentationml/2006/main">
   <p:cSld>
     <p:spTree>
@@ -7994,6 +7539,9 @@
           </a:bodyPr>
           <a:lstStyle/>
           <a:p>
+            <a:pPr marL="0" indent="0">
+              <a:buNone/>
+            </a:pPr>
             <a:r>
               <a:rPr lang="en-US" dirty="0"/>
               <a:t>Solved game:</a:t>
@@ -8013,6 +7561,9 @@
             <a:endParaRPr lang="en-US" dirty="0"/>
           </a:p>
           <a:p>
+            <a:pPr marL="0" indent="0">
+              <a:buNone/>
+            </a:pPr>
             <a:r>
               <a:rPr lang="en-US" dirty="0"/>
               <a:t>Restrictions:</a:t>
@@ -8032,6 +7583,9 @@
             <a:endParaRPr lang="en-US" dirty="0"/>
           </a:p>
           <a:p>
+            <a:pPr marL="0" indent="0">
+              <a:buNone/>
+            </a:pPr>
             <a:r>
               <a:rPr lang="en-US" dirty="0"/>
               <a:t>Incentives:</a:t>
@@ -8267,7 +7821,7 @@
           <p:cNvPr id="2" name="Title 1">
             <a:extLst>
               <a:ext uri="{FF2B5EF4-FFF2-40B4-BE49-F238E27FC236}">
-                <a16:creationId xmlns:a16="http://schemas.microsoft.com/office/drawing/2014/main" id="{1A084908-BAFF-B54E-B2F8-2805A6DEC723}"/>
+                <a16:creationId xmlns:a16="http://schemas.microsoft.com/office/drawing/2014/main" id="{368BFD29-205A-E942-BF0B-E480092037AF}"/>
               </a:ext>
             </a:extLst>
           </p:cNvPr>
@@ -8287,15 +7841,99 @@
               <a:rPr lang="en-US" b="1" dirty="0"/>
               <a:t>The Rules in General</a:t>
             </a:r>
+            <a:endParaRPr lang="de-CH" dirty="0"/>
+          </a:p>
+        </p:txBody>
+      </p:sp>
+      <p:sp>
+        <p:nvSpPr>
+          <p:cNvPr id="3" name="Content Placeholder 2">
+            <a:extLst>
+              <a:ext uri="{FF2B5EF4-FFF2-40B4-BE49-F238E27FC236}">
+                <a16:creationId xmlns:a16="http://schemas.microsoft.com/office/drawing/2014/main" id="{ABB6B3EE-34EB-2947-B26B-022125505B84}"/>
+              </a:ext>
+            </a:extLst>
+          </p:cNvPr>
+          <p:cNvSpPr>
+            <a:spLocks noGrp="1"/>
+          </p:cNvSpPr>
+          <p:nvPr>
+            <p:ph sz="half" idx="1"/>
+          </p:nvPr>
+        </p:nvSpPr>
+        <p:spPr/>
+        <p:txBody>
+          <a:bodyPr>
+            <a:normAutofit fontScale="70000" lnSpcReduction="20000"/>
+          </a:bodyPr>
+          <a:lstStyle/>
+          <a:p>
+            <a:pPr marL="285750" indent="-285750"/>
+            <a:r>
+              <a:rPr lang="en-US" dirty="0"/>
+              <a:t>Player 1 sets bet (0.01 – 5.00 ETH)</a:t>
+            </a:r>
+          </a:p>
+          <a:p>
+            <a:pPr marL="285750" indent="-285750"/>
+            <a:r>
+              <a:rPr lang="en-US" dirty="0"/>
+              <a:t>Player 2 matches the bet</a:t>
+            </a:r>
+          </a:p>
+          <a:p>
+            <a:pPr marL="285750" indent="-285750"/>
+            <a:r>
+              <a:rPr lang="en-US" dirty="0"/>
+              <a:t>Player 2 starts the game with another transaction (PRNG)</a:t>
+            </a:r>
+          </a:p>
+          <a:p>
+            <a:pPr marL="285750" indent="-285750"/>
+            <a:r>
+              <a:rPr lang="en-US" dirty="0"/>
+              <a:t>The game randomly assigns one stone per player and determines the starting player</a:t>
+            </a:r>
+          </a:p>
+          <a:p>
+            <a:pPr marL="285750" indent="-285750"/>
+            <a:r>
+              <a:rPr lang="en-US" dirty="0"/>
+              <a:t>Goal: connect 4 stones of your color in a row, column or diagonal</a:t>
+            </a:r>
+          </a:p>
+          <a:p>
+            <a:pPr marL="285750" indent="-285750"/>
+            <a:r>
+              <a:rPr lang="en-US" dirty="0"/>
+              <a:t>When the time per turn runs out, any party can end the game. The idle player loses!</a:t>
+            </a:r>
+          </a:p>
+          <a:p>
+            <a:pPr marL="285750" indent="-285750"/>
+            <a:r>
+              <a:rPr lang="en-US" dirty="0"/>
+              <a:t>Giving up gives the losing player a small amount of ETH</a:t>
+            </a:r>
+          </a:p>
+          <a:p>
+            <a:pPr marL="285750" indent="-285750"/>
+            <a:r>
+              <a:rPr lang="en-US" dirty="0"/>
+              <a:t>The winner takes it all! (Well, most of it…)</a:t>
+            </a:r>
+          </a:p>
+          <a:p>
+            <a:endParaRPr lang="de-CH" dirty="0"/>
           </a:p>
         </p:txBody>
       </p:sp>
       <p:pic>
         <p:nvPicPr>
-          <p:cNvPr id="14" name="Picture Placeholder 13">
-            <a:extLst>
-              <a:ext uri="{FF2B5EF4-FFF2-40B4-BE49-F238E27FC236}">
-                <a16:creationId xmlns:a16="http://schemas.microsoft.com/office/drawing/2014/main" id="{863C0DE5-3F2D-254E-AD68-2616A5ADCC02}"/>
+          <p:cNvPr id="5" name="Picture Placeholder 13">
+            <a:extLst>
+              <a:ext uri="{FF2B5EF4-FFF2-40B4-BE49-F238E27FC236}">
+                <a16:creationId xmlns:a16="http://schemas.microsoft.com/office/drawing/2014/main" id="{98023875-F455-174E-8B38-A8E39CE5240A}"/>
               </a:ext>
             </a:extLst>
           </p:cNvPr>
@@ -8303,136 +7941,27 @@
             <a:picLocks noGrp="1" noChangeAspect="1"/>
           </p:cNvPicPr>
           <p:nvPr>
-            <p:ph type="pic" idx="1"/>
+            <p:ph sz="half" idx="2"/>
           </p:nvPr>
         </p:nvPicPr>
         <p:blipFill rotWithShape="1">
-          <a:blip r:embed="rId3"/>
+          <a:blip r:embed="rId2"/>
           <a:srcRect t="-11" b="-657"/>
           <a:stretch/>
         </p:blipFill>
         <p:spPr>
           <a:xfrm>
-            <a:off x="4772025" y="1584519"/>
-            <a:ext cx="5513450" cy="4757350"/>
+            <a:off x="6241563" y="1825625"/>
+            <a:ext cx="4316900" cy="3724918"/>
           </a:xfrm>
         </p:spPr>
       </p:pic>
-      <p:sp>
-        <p:nvSpPr>
-          <p:cNvPr id="18" name="Text Placeholder 3">
-            <a:extLst>
-              <a:ext uri="{FF2B5EF4-FFF2-40B4-BE49-F238E27FC236}">
-                <a16:creationId xmlns:a16="http://schemas.microsoft.com/office/drawing/2014/main" id="{ADDD0C0B-7D3F-B54D-A51C-3E4B2809FF82}"/>
-              </a:ext>
-            </a:extLst>
-          </p:cNvPr>
-          <p:cNvSpPr>
-            <a:spLocks noGrp="1"/>
-          </p:cNvSpPr>
-          <p:nvPr>
-            <p:ph type="body" sz="half" idx="2"/>
-          </p:nvPr>
-        </p:nvSpPr>
-        <p:spPr>
-          <a:xfrm>
-            <a:off x="839788" y="2057400"/>
-            <a:ext cx="3932237" cy="3811588"/>
-          </a:xfrm>
-        </p:spPr>
-        <p:txBody>
-          <a:bodyPr>
-            <a:noAutofit/>
-          </a:bodyPr>
-          <a:lstStyle/>
-          <a:p>
-            <a:pPr marL="285750" indent="-285750">
-              <a:buFont typeface="Arial" panose="020B0604020202020204" pitchFamily="34" charset="0"/>
-              <a:buChar char="•"/>
-            </a:pPr>
-            <a:r>
-              <a:rPr lang="en-US" sz="1500" dirty="0"/>
-              <a:t>Player 1 sets bet (0.01 – 5.00 ETH)</a:t>
-            </a:r>
-          </a:p>
-          <a:p>
-            <a:pPr marL="285750" indent="-285750">
-              <a:buFont typeface="Arial" panose="020B0604020202020204" pitchFamily="34" charset="0"/>
-              <a:buChar char="•"/>
-            </a:pPr>
-            <a:r>
-              <a:rPr lang="en-US" sz="1500" dirty="0"/>
-              <a:t>Player 2 matches the bet</a:t>
-            </a:r>
-          </a:p>
-          <a:p>
-            <a:pPr marL="285750" indent="-285750">
-              <a:buFont typeface="Arial" panose="020B0604020202020204" pitchFamily="34" charset="0"/>
-              <a:buChar char="•"/>
-            </a:pPr>
-            <a:r>
-              <a:rPr lang="en-US" sz="1500" dirty="0"/>
-              <a:t>Player 2 starts the game with another transaction (PRNG)</a:t>
-            </a:r>
-          </a:p>
-          <a:p>
-            <a:pPr marL="285750" indent="-285750">
-              <a:buFont typeface="Arial" panose="020B0604020202020204" pitchFamily="34" charset="0"/>
-              <a:buChar char="•"/>
-            </a:pPr>
-            <a:r>
-              <a:rPr lang="en-US" sz="1500" dirty="0"/>
-              <a:t>The game randomly assigns one stone per player and determines the starting player</a:t>
-            </a:r>
-          </a:p>
-          <a:p>
-            <a:pPr marL="285750" indent="-285750">
-              <a:buFont typeface="Arial" panose="020B0604020202020204" pitchFamily="34" charset="0"/>
-              <a:buChar char="•"/>
-            </a:pPr>
-            <a:r>
-              <a:rPr lang="en-US" sz="1500" dirty="0"/>
-              <a:t>Goal: connect 4 stones of your color in a row, column or diagonal</a:t>
-            </a:r>
-          </a:p>
-          <a:p>
-            <a:pPr marL="285750" indent="-285750">
-              <a:buFont typeface="Arial" panose="020B0604020202020204" pitchFamily="34" charset="0"/>
-              <a:buChar char="•"/>
-            </a:pPr>
-            <a:r>
-              <a:rPr lang="en-US" sz="1500" dirty="0"/>
-              <a:t>When the time per turn runs out, any party can end the game. The idle player loses!</a:t>
-            </a:r>
-          </a:p>
-          <a:p>
-            <a:pPr marL="285750" indent="-285750">
-              <a:buFont typeface="Arial" panose="020B0604020202020204" pitchFamily="34" charset="0"/>
-              <a:buChar char="•"/>
-            </a:pPr>
-            <a:r>
-              <a:rPr lang="en-US" sz="1500" dirty="0"/>
-              <a:t>Giving up gives the losing player a small amount of ETH</a:t>
-            </a:r>
-          </a:p>
-          <a:p>
-            <a:pPr marL="285750" indent="-285750">
-              <a:buFont typeface="Arial" panose="020B0604020202020204" pitchFamily="34" charset="0"/>
-              <a:buChar char="•"/>
-            </a:pPr>
-            <a:r>
-              <a:rPr lang="en-US" sz="1500" dirty="0"/>
-              <a:t>The winner takes it all! (Well, most of it…)</a:t>
-            </a:r>
-          </a:p>
-        </p:txBody>
-      </p:sp>
       <p:cxnSp>
         <p:nvCxnSpPr>
-          <p:cNvPr id="4" name="Straight Connector 3">
-            <a:extLst>
-              <a:ext uri="{FF2B5EF4-FFF2-40B4-BE49-F238E27FC236}">
-                <a16:creationId xmlns:a16="http://schemas.microsoft.com/office/drawing/2014/main" id="{39A94019-037F-254A-942B-74A31CDFA2F0}"/>
+          <p:cNvPr id="7" name="Straight Connector 6">
+            <a:extLst>
+              <a:ext uri="{FF2B5EF4-FFF2-40B4-BE49-F238E27FC236}">
+                <a16:creationId xmlns:a16="http://schemas.microsoft.com/office/drawing/2014/main" id="{EBD45559-F9AC-1F48-83DA-17E9798F47C9}"/>
               </a:ext>
             </a:extLst>
           </p:cNvPr>
@@ -8441,8 +7970,8 @@
         </p:nvCxnSpPr>
         <p:spPr>
           <a:xfrm>
-            <a:off x="6686550" y="5143500"/>
-            <a:ext cx="3286125" cy="0"/>
+            <a:off x="7772400" y="4586288"/>
+            <a:ext cx="2557463" cy="0"/>
           </a:xfrm>
           <a:prstGeom prst="line">
             <a:avLst/>
@@ -8471,7 +8000,7 @@
     </p:spTree>
     <p:extLst>
       <p:ext uri="{BB962C8B-B14F-4D97-AF65-F5344CB8AC3E}">
-        <p14:creationId xmlns:p14="http://schemas.microsoft.com/office/powerpoint/2010/main" val="2913826600"/>
+        <p14:creationId xmlns:p14="http://schemas.microsoft.com/office/powerpoint/2010/main" val="1530906768"/>
       </p:ext>
     </p:extLst>
   </p:cSld>
@@ -8503,7 +8032,7 @@
           <p:cNvPr id="2" name="Title 1">
             <a:extLst>
               <a:ext uri="{FF2B5EF4-FFF2-40B4-BE49-F238E27FC236}">
-                <a16:creationId xmlns:a16="http://schemas.microsoft.com/office/drawing/2014/main" id="{1A084908-BAFF-B54E-B2F8-2805A6DEC723}"/>
+                <a16:creationId xmlns:a16="http://schemas.microsoft.com/office/drawing/2014/main" id="{368BFD29-205A-E942-BF0B-E480092037AF}"/>
               </a:ext>
             </a:extLst>
           </p:cNvPr>
@@ -8514,24 +8043,30 @@
             <p:ph type="title"/>
           </p:nvPr>
         </p:nvSpPr>
-        <p:spPr/>
+        <p:spPr>
+          <a:xfrm>
+            <a:off x="838200" y="365125"/>
+            <a:ext cx="10515600" cy="1325563"/>
+          </a:xfrm>
+        </p:spPr>
         <p:txBody>
           <a:bodyPr/>
           <a:lstStyle/>
           <a:p>
             <a:r>
-              <a:rPr lang="en-US" b="1" dirty="0"/>
+              <a:rPr lang="en-US" b="1"/>
               <a:t>The Rules in General</a:t>
             </a:r>
+            <a:endParaRPr lang="de-CH" dirty="0"/>
           </a:p>
         </p:txBody>
       </p:sp>
       <p:sp>
         <p:nvSpPr>
-          <p:cNvPr id="4" name="Text Placeholder 3">
-            <a:extLst>
-              <a:ext uri="{FF2B5EF4-FFF2-40B4-BE49-F238E27FC236}">
-                <a16:creationId xmlns:a16="http://schemas.microsoft.com/office/drawing/2014/main" id="{4DF9227D-A922-BE44-BDD5-E181E5D06FA9}"/>
+          <p:cNvPr id="3" name="Content Placeholder 2">
+            <a:extLst>
+              <a:ext uri="{FF2B5EF4-FFF2-40B4-BE49-F238E27FC236}">
+                <a16:creationId xmlns:a16="http://schemas.microsoft.com/office/drawing/2014/main" id="{ABB6B3EE-34EB-2947-B26B-022125505B84}"/>
               </a:ext>
             </a:extLst>
           </p:cNvPr>
@@ -8539,108 +8074,87 @@
             <a:spLocks noGrp="1"/>
           </p:cNvSpPr>
           <p:nvPr>
-            <p:ph type="body" sz="half" idx="2"/>
-          </p:nvPr>
-        </p:nvSpPr>
-        <p:spPr/>
+            <p:ph sz="half" idx="1"/>
+          </p:nvPr>
+        </p:nvSpPr>
+        <p:spPr>
+          <a:xfrm>
+            <a:off x="838200" y="1825625"/>
+            <a:ext cx="5181600" cy="4351338"/>
+          </a:xfrm>
+        </p:spPr>
         <p:txBody>
           <a:bodyPr>
-            <a:noAutofit/>
+            <a:normAutofit fontScale="70000" lnSpcReduction="20000"/>
           </a:bodyPr>
           <a:lstStyle/>
           <a:p>
-            <a:pPr marL="285750" indent="-285750">
-              <a:buFont typeface="Arial" panose="020B0604020202020204" pitchFamily="34" charset="0"/>
-              <a:buChar char="•"/>
-            </a:pPr>
-            <a:r>
-              <a:rPr lang="en-US" sz="1500" dirty="0"/>
+            <a:pPr marL="285750" indent="-285750"/>
+            <a:r>
+              <a:rPr lang="en-US"/>
               <a:t>Player 1 sets bet (0.01 – 5.00 ETH)</a:t>
             </a:r>
           </a:p>
           <a:p>
-            <a:pPr marL="285750" indent="-285750">
-              <a:buFont typeface="Arial" panose="020B0604020202020204" pitchFamily="34" charset="0"/>
-              <a:buChar char="•"/>
-            </a:pPr>
-            <a:r>
-              <a:rPr lang="en-US" sz="1500" dirty="0"/>
+            <a:pPr marL="285750" indent="-285750"/>
+            <a:r>
+              <a:rPr lang="en-US"/>
               <a:t>Player 2 matches the bet</a:t>
             </a:r>
           </a:p>
           <a:p>
-            <a:pPr marL="285750" indent="-285750">
-              <a:buFont typeface="Arial" panose="020B0604020202020204" pitchFamily="34" charset="0"/>
-              <a:buChar char="•"/>
-            </a:pPr>
-            <a:r>
-              <a:rPr lang="en-US" sz="1500" dirty="0"/>
+            <a:pPr marL="285750" indent="-285750"/>
+            <a:r>
+              <a:rPr lang="en-US"/>
               <a:t>Player 2 starts the game with another transaction (PRNG)</a:t>
             </a:r>
           </a:p>
           <a:p>
-            <a:pPr marL="285750" indent="-285750">
-              <a:buFont typeface="Arial" panose="020B0604020202020204" pitchFamily="34" charset="0"/>
-              <a:buChar char="•"/>
-            </a:pPr>
-            <a:r>
-              <a:rPr lang="en-US" sz="1500" dirty="0"/>
+            <a:pPr marL="285750" indent="-285750"/>
+            <a:r>
+              <a:rPr lang="en-US"/>
               <a:t>The game randomly assigns one stone per player and determines the starting player</a:t>
             </a:r>
           </a:p>
           <a:p>
-            <a:pPr marL="285750" indent="-285750">
-              <a:buFont typeface="Arial" panose="020B0604020202020204" pitchFamily="34" charset="0"/>
-              <a:buChar char="•"/>
-            </a:pPr>
-            <a:r>
-              <a:rPr lang="en-US" sz="1500" dirty="0"/>
+            <a:pPr marL="285750" indent="-285750"/>
+            <a:r>
+              <a:rPr lang="en-US"/>
               <a:t>Goal: connect 4 stones of your color in a row, column or diagonal</a:t>
             </a:r>
           </a:p>
           <a:p>
-            <a:pPr marL="285750" indent="-285750">
-              <a:buFont typeface="Arial" panose="020B0604020202020204" pitchFamily="34" charset="0"/>
-              <a:buChar char="•"/>
-            </a:pPr>
-            <a:r>
-              <a:rPr lang="en-US" sz="1500" dirty="0"/>
-              <a:t>When the time per turn runs out, any party can end the game. </a:t>
-            </a:r>
-            <a:r>
-              <a:rPr lang="en-US" dirty="0"/>
-              <a:t>The idle player loses!</a:t>
-            </a:r>
-            <a:endParaRPr lang="en-US" sz="1500" dirty="0"/>
-          </a:p>
-          <a:p>
-            <a:pPr marL="285750" indent="-285750">
-              <a:buFont typeface="Arial" panose="020B0604020202020204" pitchFamily="34" charset="0"/>
-              <a:buChar char="•"/>
-            </a:pPr>
-            <a:r>
-              <a:rPr lang="en-US" sz="1500" dirty="0"/>
+            <a:pPr marL="285750" indent="-285750"/>
+            <a:r>
+              <a:rPr lang="en-US"/>
+              <a:t>When the time per turn runs out, any party can end the game. The idle player loses!</a:t>
+            </a:r>
+          </a:p>
+          <a:p>
+            <a:pPr marL="285750" indent="-285750"/>
+            <a:r>
+              <a:rPr lang="en-US"/>
               <a:t>Giving up gives the losing player a small amount of ETH</a:t>
             </a:r>
           </a:p>
           <a:p>
-            <a:pPr marL="285750" indent="-285750">
-              <a:buFont typeface="Arial" panose="020B0604020202020204" pitchFamily="34" charset="0"/>
-              <a:buChar char="•"/>
-            </a:pPr>
-            <a:r>
-              <a:rPr lang="en-US" sz="1500" dirty="0"/>
+            <a:pPr marL="285750" indent="-285750"/>
+            <a:r>
+              <a:rPr lang="en-US"/>
               <a:t>The winner takes it all! (Well, most of it…)</a:t>
             </a:r>
+          </a:p>
+          <a:p>
+            <a:endParaRPr lang="de-CH" dirty="0"/>
           </a:p>
         </p:txBody>
       </p:sp>
       <p:pic>
         <p:nvPicPr>
-          <p:cNvPr id="10" name="Picture Placeholder 9">
-            <a:extLst>
-              <a:ext uri="{FF2B5EF4-FFF2-40B4-BE49-F238E27FC236}">
-                <a16:creationId xmlns:a16="http://schemas.microsoft.com/office/drawing/2014/main" id="{6B2D416B-9826-5F41-B253-FDB1189301E9}"/>
+          <p:cNvPr id="9" name="Picture Placeholder 9">
+            <a:extLst>
+              <a:ext uri="{FF2B5EF4-FFF2-40B4-BE49-F238E27FC236}">
+                <a16:creationId xmlns:a16="http://schemas.microsoft.com/office/drawing/2014/main" id="{3DFC7ED7-E4F4-D547-81D8-3D3C6B5C87B0}"/>
               </a:ext>
             </a:extLst>
           </p:cNvPr>
@@ -8648,37 +8162,39 @@
             <a:picLocks noGrp="1" noChangeAspect="1"/>
           </p:cNvPicPr>
           <p:nvPr>
-            <p:ph type="pic" idx="1"/>
+            <p:ph sz="half" idx="2"/>
           </p:nvPr>
         </p:nvPicPr>
         <p:blipFill rotWithShape="1">
-          <a:blip r:embed="rId3"/>
+          <a:blip r:embed="rId2"/>
           <a:srcRect t="-11" b="-657"/>
           <a:stretch/>
         </p:blipFill>
         <p:spPr>
           <a:xfrm>
-            <a:off x="4772025" y="1585394"/>
-            <a:ext cx="5511421" cy="4755600"/>
+            <a:off x="6241563" y="1825625"/>
+            <a:ext cx="4316900" cy="3724918"/>
           </a:xfrm>
         </p:spPr>
       </p:pic>
       <p:cxnSp>
         <p:nvCxnSpPr>
-          <p:cNvPr id="5" name="Straight Connector 4">
-            <a:extLst>
-              <a:ext uri="{FF2B5EF4-FFF2-40B4-BE49-F238E27FC236}">
-                <a16:creationId xmlns:a16="http://schemas.microsoft.com/office/drawing/2014/main" id="{B2642D64-90AC-244C-B422-72AB65CC61CC}"/>
-              </a:ext>
-            </a:extLst>
-          </p:cNvPr>
-          <p:cNvCxnSpPr/>
+          <p:cNvPr id="10" name="Straight Connector 9">
+            <a:extLst>
+              <a:ext uri="{FF2B5EF4-FFF2-40B4-BE49-F238E27FC236}">
+                <a16:creationId xmlns:a16="http://schemas.microsoft.com/office/drawing/2014/main" id="{0C3F79DB-5537-8249-9577-964A589B3460}"/>
+              </a:ext>
+            </a:extLst>
+          </p:cNvPr>
+          <p:cNvCxnSpPr>
+            <a:cxnSpLocks/>
+          </p:cNvCxnSpPr>
           <p:nvPr/>
         </p:nvCxnSpPr>
         <p:spPr>
           <a:xfrm>
-            <a:off x="5972175" y="3500438"/>
-            <a:ext cx="0" cy="2557462"/>
+            <a:off x="7158038" y="3357563"/>
+            <a:ext cx="1914525" cy="1943100"/>
           </a:xfrm>
           <a:prstGeom prst="line">
             <a:avLst/>
@@ -8706,22 +8222,20 @@
       </p:cxnSp>
       <p:cxnSp>
         <p:nvCxnSpPr>
-          <p:cNvPr id="7" name="Straight Connector 6">
-            <a:extLst>
-              <a:ext uri="{FF2B5EF4-FFF2-40B4-BE49-F238E27FC236}">
-                <a16:creationId xmlns:a16="http://schemas.microsoft.com/office/drawing/2014/main" id="{F3540E74-D73E-4D4F-8364-0673CDA09C81}"/>
-              </a:ext>
-            </a:extLst>
-          </p:cNvPr>
-          <p:cNvCxnSpPr>
-            <a:cxnSpLocks/>
-          </p:cNvCxnSpPr>
+          <p:cNvPr id="14" name="Straight Connector 13">
+            <a:extLst>
+              <a:ext uri="{FF2B5EF4-FFF2-40B4-BE49-F238E27FC236}">
+                <a16:creationId xmlns:a16="http://schemas.microsoft.com/office/drawing/2014/main" id="{93400CB0-6488-5C41-AC28-9E7708980108}"/>
+              </a:ext>
+            </a:extLst>
+          </p:cNvPr>
+          <p:cNvCxnSpPr/>
           <p:nvPr/>
         </p:nvCxnSpPr>
         <p:spPr>
           <a:xfrm>
-            <a:off x="5972175" y="3500438"/>
-            <a:ext cx="2443163" cy="2557462"/>
+            <a:off x="7158038" y="3357563"/>
+            <a:ext cx="0" cy="1900237"/>
           </a:xfrm>
           <a:prstGeom prst="line">
             <a:avLst/>
@@ -8750,7 +8264,7 @@
     </p:spTree>
     <p:extLst>
       <p:ext uri="{BB962C8B-B14F-4D97-AF65-F5344CB8AC3E}">
-        <p14:creationId xmlns:p14="http://schemas.microsoft.com/office/powerpoint/2010/main" val="4476558"/>
+        <p14:creationId xmlns:p14="http://schemas.microsoft.com/office/powerpoint/2010/main" val="2386110142"/>
       </p:ext>
     </p:extLst>
   </p:cSld>
@@ -8827,14 +8341,28 @@
           <a:bodyPr/>
           <a:lstStyle/>
           <a:p>
-            <a:pPr marL="285750" indent="-285750"/>
+            <a:pPr marL="0" indent="0">
+              <a:buNone/>
+            </a:pPr>
             <a:r>
               <a:rPr lang="en-US" dirty="0"/>
               <a:t>Don’t use block variables of a past block</a:t>
             </a:r>
           </a:p>
           <a:p>
-            <a:pPr marL="285750" indent="-285750"/>
+            <a:pPr lvl="1">
+              <a:buFont typeface="Wingdings" pitchFamily="2" charset="2"/>
+              <a:buChar char="Ø"/>
+            </a:pPr>
+            <a:r>
+              <a:rPr lang="en-US" dirty="0"/>
+              <a:t>These variables are known and not random anymore</a:t>
+            </a:r>
+          </a:p>
+          <a:p>
+            <a:pPr marL="0" indent="0">
+              <a:buNone/>
+            </a:pPr>
             <a:r>
               <a:rPr lang="en-US" dirty="0"/>
               <a:t>Block variables of current block? </a:t>
@@ -8861,7 +8389,9 @@
             </a:r>
           </a:p>
           <a:p>
-            <a:pPr marL="285750" indent="-285750"/>
+            <a:pPr marL="0" indent="0">
+              <a:buNone/>
+            </a:pPr>
             <a:r>
               <a:rPr lang="en-US" dirty="0"/>
               <a:t>Our solution: </a:t>
@@ -8876,33 +8406,6 @@
               <a:rPr lang="en-US" dirty="0"/>
               <a:t>Two-step approach</a:t>
             </a:r>
-          </a:p>
-          <a:p>
-            <a:pPr marL="742950" lvl="1" indent="-285750">
-              <a:buFont typeface="Wingdings" pitchFamily="2" charset="2"/>
-              <a:buChar char="Ø"/>
-            </a:pPr>
-            <a:endParaRPr lang="en-US" dirty="0"/>
-          </a:p>
-          <a:p>
-            <a:pPr marL="742950" lvl="1" indent="-285750">
-              <a:buFont typeface="Wingdings" pitchFamily="2" charset="2"/>
-              <a:buChar char="Ø"/>
-            </a:pPr>
-            <a:endParaRPr lang="en-US" dirty="0"/>
-          </a:p>
-          <a:p>
-            <a:pPr marL="285750" indent="-285750"/>
-            <a:endParaRPr lang="en-US" dirty="0"/>
-          </a:p>
-          <a:p>
-            <a:endParaRPr lang="en-US" dirty="0"/>
-          </a:p>
-          <a:p>
-            <a:pPr marL="0" indent="0">
-              <a:buNone/>
-            </a:pPr>
-            <a:endParaRPr lang="de-CH" dirty="0"/>
           </a:p>
         </p:txBody>
       </p:sp>

--- a/presentation/nice fonts_migo.pptx
+++ b/presentation/nice fonts_migo.pptx
@@ -6105,8 +6105,8 @@
           </a:p>
         </p:txBody>
       </p:sp>
-      <mc:AlternateContent xmlns:mc="http://schemas.openxmlformats.org/markup-compatibility/2006">
-        <mc:Choice xmlns:a14="http://schemas.microsoft.com/office/drawing/2010/main" Requires="a14">
+      <mc:AlternateContent xmlns:mc="http://schemas.openxmlformats.org/markup-compatibility/2006" xmlns:a14="http://schemas.microsoft.com/office/drawing/2010/main">
+        <mc:Choice Requires="a14">
           <p:sp>
             <p:nvSpPr>
               <p:cNvPr id="4" name="Content Placeholder 3">
@@ -6634,7 +6634,7 @@
             </p:txBody>
           </p:sp>
         </mc:Choice>
-        <mc:Fallback>
+        <mc:Fallback xmlns="">
           <p:sp>
             <p:nvSpPr>
               <p:cNvPr id="4" name="Content Placeholder 3">
@@ -6843,8 +6843,8 @@
           </a:p>
         </p:txBody>
       </p:sp>
-      <mc:AlternateContent xmlns:mc="http://schemas.openxmlformats.org/markup-compatibility/2006">
-        <mc:Choice xmlns:a14="http://schemas.microsoft.com/office/drawing/2010/main" Requires="a14">
+      <mc:AlternateContent xmlns:mc="http://schemas.openxmlformats.org/markup-compatibility/2006" xmlns:a14="http://schemas.microsoft.com/office/drawing/2010/main">
+        <mc:Choice Requires="a14">
           <p:sp>
             <p:nvSpPr>
               <p:cNvPr id="4" name="Content Placeholder 3">
@@ -7372,7 +7372,7 @@
             </p:txBody>
           </p:sp>
         </mc:Choice>
-        <mc:Fallback>
+        <mc:Fallback xmlns="">
           <p:sp>
             <p:nvSpPr>
               <p:cNvPr id="4" name="Content Placeholder 3">
@@ -8356,7 +8356,7 @@
             </a:pPr>
             <a:r>
               <a:rPr lang="en-US" dirty="0"/>
-              <a:t>These variables are known and not random anymore</a:t>
+              <a:t>These variables are known and therefore not random at all</a:t>
             </a:r>
           </a:p>
           <a:p>
@@ -8850,8 +8850,8 @@
           </a:p>
         </p:txBody>
       </p:sp>
-      <mc:AlternateContent xmlns:mc="http://schemas.openxmlformats.org/markup-compatibility/2006">
-        <mc:Choice xmlns:a14="http://schemas.microsoft.com/office/drawing/2010/main" Requires="a14">
+      <mc:AlternateContent xmlns:mc="http://schemas.openxmlformats.org/markup-compatibility/2006" xmlns:a14="http://schemas.microsoft.com/office/drawing/2010/main">
+        <mc:Choice Requires="a14">
           <p:sp>
             <p:nvSpPr>
               <p:cNvPr id="6" name="Textfeld 2">
@@ -9035,7 +9035,7 @@
             </p:txBody>
           </p:sp>
         </mc:Choice>
-        <mc:Fallback>
+        <mc:Fallback xmlns="">
           <p:sp>
             <p:nvSpPr>
               <p:cNvPr id="6" name="Textfeld 2">

--- a/presentation/nice fonts_migo.pptx
+++ b/presentation/nice fonts_migo.pptx
@@ -5,7 +5,7 @@
     <p:sldMasterId id="2147483648" r:id="rId1"/>
   </p:sldMasterIdLst>
   <p:notesMasterIdLst>
-    <p:notesMasterId r:id="rId13"/>
+    <p:notesMasterId r:id="rId14"/>
   </p:notesMasterIdLst>
   <p:sldIdLst>
     <p:sldId id="270" r:id="rId2"/>
@@ -18,7 +18,8 @@
     <p:sldId id="263" r:id="rId9"/>
     <p:sldId id="275" r:id="rId10"/>
     <p:sldId id="273" r:id="rId11"/>
-    <p:sldId id="271" r:id="rId12"/>
+    <p:sldId id="264" r:id="rId12"/>
+    <p:sldId id="271" r:id="rId13"/>
   </p:sldIdLst>
   <p:sldSz cx="12192000" cy="6858000"/>
   <p:notesSz cx="6858000" cy="9144000"/>
@@ -144,20 +145,6 @@
 </p:cmAuthorLst>
 </file>
 
-<file path=ppt/comments/comment1.xml><?xml version="1.0" encoding="utf-8"?>
-<p:cmLst xmlns:a="http://schemas.openxmlformats.org/drawingml/2006/main" xmlns:r="http://schemas.openxmlformats.org/officeDocument/2006/relationships" xmlns:p="http://schemas.openxmlformats.org/presentationml/2006/main">
-  <p:cm authorId="2" dt="2018-12-08T13:32:52.520" idx="1">
-    <p:pos x="10" y="10"/>
-    <p:text>Left side</p:text>
-    <p:extLst>
-      <p:ext uri="{C676402C-5697-4E1C-873F-D02D1690AC5C}">
-        <p15:threadingInfo xmlns:p15="http://schemas.microsoft.com/office/powerpoint/2012/main" timeZoneBias="-60"/>
-      </p:ext>
-    </p:extLst>
-  </p:cm>
-</p:cmLst>
-</file>
-
 <file path=ppt/notesMasters/notesMaster1.xml><?xml version="1.0" encoding="utf-8"?>
 <p:notesMaster xmlns:a="http://schemas.openxmlformats.org/drawingml/2006/main" xmlns:r="http://schemas.openxmlformats.org/officeDocument/2006/relationships" xmlns:p="http://schemas.openxmlformats.org/presentationml/2006/main">
   <p:cSld>
@@ -240,7 +227,7 @@
           <a:p>
             <a:fld id="{B855FD1C-9D05-1E46-906F-8C8CAA1CCA09}" type="datetimeFigureOut">
               <a:rPr lang="de-CH" smtClean="0"/>
-              <a:t>08.12.18</a:t>
+              <a:t>08.12.2018</a:t>
             </a:fld>
             <a:endParaRPr lang="de-CH"/>
           </a:p>
@@ -1583,6 +1570,94 @@
 </p:notes>
 </file>
 
+<file path=ppt/notesSlides/notesSlide11.xml><?xml version="1.0" encoding="utf-8"?>
+<p:notes xmlns:a="http://schemas.openxmlformats.org/drawingml/2006/main" xmlns:r="http://schemas.openxmlformats.org/officeDocument/2006/relationships" xmlns:p="http://schemas.openxmlformats.org/presentationml/2006/main">
+  <p:cSld>
+    <p:spTree>
+      <p:nvGrpSpPr>
+        <p:cNvPr id="1" name=""/>
+        <p:cNvGrpSpPr/>
+        <p:nvPr/>
+      </p:nvGrpSpPr>
+      <p:grpSpPr>
+        <a:xfrm>
+          <a:off x="0" y="0"/>
+          <a:ext cx="0" cy="0"/>
+          <a:chOff x="0" y="0"/>
+          <a:chExt cx="0" cy="0"/>
+        </a:xfrm>
+      </p:grpSpPr>
+      <p:sp>
+        <p:nvSpPr>
+          <p:cNvPr id="2" name="Slide Image Placeholder 1"/>
+          <p:cNvSpPr>
+            <a:spLocks noGrp="1" noRot="1" noChangeAspect="1"/>
+          </p:cNvSpPr>
+          <p:nvPr>
+            <p:ph type="sldImg"/>
+          </p:nvPr>
+        </p:nvSpPr>
+        <p:spPr/>
+      </p:sp>
+      <p:sp>
+        <p:nvSpPr>
+          <p:cNvPr id="3" name="Notes Placeholder 2"/>
+          <p:cNvSpPr>
+            <a:spLocks noGrp="1"/>
+          </p:cNvSpPr>
+          <p:nvPr>
+            <p:ph type="body" idx="1"/>
+          </p:nvPr>
+        </p:nvSpPr>
+        <p:spPr/>
+        <p:txBody>
+          <a:bodyPr/>
+          <a:lstStyle/>
+          <a:p>
+            <a:r>
+              <a:rPr lang="en-US" dirty="0"/>
+              <a:t>As difficulty increases, so does the probability to find block hash -&gt; security flaw?</a:t>
+            </a:r>
+            <a:endParaRPr lang="de-CH" dirty="0"/>
+          </a:p>
+        </p:txBody>
+      </p:sp>
+      <p:sp>
+        <p:nvSpPr>
+          <p:cNvPr id="4" name="Slide Number Placeholder 3"/>
+          <p:cNvSpPr>
+            <a:spLocks noGrp="1"/>
+          </p:cNvSpPr>
+          <p:nvPr>
+            <p:ph type="sldNum" sz="quarter" idx="5"/>
+          </p:nvPr>
+        </p:nvSpPr>
+        <p:spPr/>
+        <p:txBody>
+          <a:bodyPr/>
+          <a:lstStyle/>
+          <a:p>
+            <a:fld id="{F079726E-9332-8945-9B56-DA4499D9CAE0}" type="slidenum">
+              <a:rPr lang="de-CH" smtClean="0"/>
+              <a:t>11</a:t>
+            </a:fld>
+            <a:endParaRPr lang="de-CH"/>
+          </a:p>
+        </p:txBody>
+      </p:sp>
+    </p:spTree>
+    <p:extLst>
+      <p:ext uri="{BB962C8B-B14F-4D97-AF65-F5344CB8AC3E}">
+        <p14:creationId xmlns:p14="http://schemas.microsoft.com/office/powerpoint/2010/main" val="2958310199"/>
+      </p:ext>
+    </p:extLst>
+  </p:cSld>
+  <p:clrMapOvr>
+    <a:masterClrMapping/>
+  </p:clrMapOvr>
+</p:notes>
+</file>
+
 <file path=ppt/notesSlides/notesSlide2.xml><?xml version="1.0" encoding="utf-8"?>
 <p:notes xmlns:a="http://schemas.openxmlformats.org/drawingml/2006/main" xmlns:r="http://schemas.openxmlformats.org/officeDocument/2006/relationships" xmlns:p="http://schemas.openxmlformats.org/presentationml/2006/main">
   <p:cSld>
@@ -4202,7 +4277,7 @@
           <a:p>
             <a:fld id="{7D7776A5-21CC-F24B-97BE-CF67D8827C44}" type="datetimeFigureOut">
               <a:rPr lang="de-CH" smtClean="0"/>
-              <a:t>08.12.18</a:t>
+              <a:t>08.12.2018</a:t>
             </a:fld>
             <a:endParaRPr lang="de-CH"/>
           </a:p>
@@ -4402,7 +4477,7 @@
           <a:p>
             <a:fld id="{7D7776A5-21CC-F24B-97BE-CF67D8827C44}" type="datetimeFigureOut">
               <a:rPr lang="de-CH" smtClean="0"/>
-              <a:t>08.12.18</a:t>
+              <a:t>08.12.2018</a:t>
             </a:fld>
             <a:endParaRPr lang="de-CH"/>
           </a:p>
@@ -4612,7 +4687,7 @@
           <a:p>
             <a:fld id="{7D7776A5-21CC-F24B-97BE-CF67D8827C44}" type="datetimeFigureOut">
               <a:rPr lang="de-CH" smtClean="0"/>
-              <a:t>08.12.18</a:t>
+              <a:t>08.12.2018</a:t>
             </a:fld>
             <a:endParaRPr lang="de-CH"/>
           </a:p>
@@ -4847,7 +4922,7 @@
           <a:p>
             <a:fld id="{7D7776A5-21CC-F24B-97BE-CF67D8827C44}" type="datetimeFigureOut">
               <a:rPr lang="de-CH" smtClean="0"/>
-              <a:t>08.12.18</a:t>
+              <a:t>08.12.2018</a:t>
             </a:fld>
             <a:endParaRPr lang="de-CH"/>
           </a:p>
@@ -5123,7 +5198,7 @@
           <a:p>
             <a:fld id="{7D7776A5-21CC-F24B-97BE-CF67D8827C44}" type="datetimeFigureOut">
               <a:rPr lang="de-CH" smtClean="0"/>
-              <a:t>08.12.18</a:t>
+              <a:t>08.12.2018</a:t>
             </a:fld>
             <a:endParaRPr lang="de-CH"/>
           </a:p>
@@ -5391,7 +5466,7 @@
           <a:p>
             <a:fld id="{7D7776A5-21CC-F24B-97BE-CF67D8827C44}" type="datetimeFigureOut">
               <a:rPr lang="de-CH" smtClean="0"/>
-              <a:t>08.12.18</a:t>
+              <a:t>08.12.2018</a:t>
             </a:fld>
             <a:endParaRPr lang="de-CH"/>
           </a:p>
@@ -5810,7 +5885,7 @@
           <a:p>
             <a:fld id="{7D7776A5-21CC-F24B-97BE-CF67D8827C44}" type="datetimeFigureOut">
               <a:rPr lang="de-CH" smtClean="0"/>
-              <a:t>08.12.18</a:t>
+              <a:t>08.12.2018</a:t>
             </a:fld>
             <a:endParaRPr lang="de-CH"/>
           </a:p>
@@ -5952,7 +6027,7 @@
           <a:p>
             <a:fld id="{7D7776A5-21CC-F24B-97BE-CF67D8827C44}" type="datetimeFigureOut">
               <a:rPr lang="de-CH" smtClean="0"/>
-              <a:t>08.12.18</a:t>
+              <a:t>08.12.2018</a:t>
             </a:fld>
             <a:endParaRPr lang="de-CH"/>
           </a:p>
@@ -6065,7 +6140,7 @@
           <a:p>
             <a:fld id="{7D7776A5-21CC-F24B-97BE-CF67D8827C44}" type="datetimeFigureOut">
               <a:rPr lang="de-CH" smtClean="0"/>
-              <a:t>08.12.18</a:t>
+              <a:t>08.12.2018</a:t>
             </a:fld>
             <a:endParaRPr lang="de-CH"/>
           </a:p>
@@ -6434,7 +6509,7 @@
           <a:p>
             <a:fld id="{7D7776A5-21CC-F24B-97BE-CF67D8827C44}" type="datetimeFigureOut">
               <a:rPr lang="de-CH" smtClean="0"/>
-              <a:t>08.12.18</a:t>
+              <a:t>08.12.2018</a:t>
             </a:fld>
             <a:endParaRPr lang="de-CH"/>
           </a:p>
@@ -6764,7 +6839,7 @@
           <a:p>
             <a:fld id="{7D7776A5-21CC-F24B-97BE-CF67D8827C44}" type="datetimeFigureOut">
               <a:rPr lang="de-CH" smtClean="0"/>
-              <a:t>08.12.18</a:t>
+              <a:t>08.12.2018</a:t>
             </a:fld>
             <a:endParaRPr lang="de-CH"/>
           </a:p>
@@ -7620,18 +7695,18 @@
           <a:lstStyle/>
           <a:p>
             <a:r>
-              <a:rPr lang="de-CH" dirty="0" err="1"/>
+              <a:rPr lang="de-CH" b="1" dirty="0" err="1"/>
               <a:t>Function</a:t>
             </a:r>
             <a:r>
-              <a:rPr lang="de-CH" dirty="0"/>
+              <a:rPr lang="de-CH" b="1" dirty="0"/>
               <a:t>: </a:t>
             </a:r>
             <a:r>
-              <a:rPr lang="de-CH" dirty="0" err="1"/>
+              <a:rPr lang="de-CH" b="1" dirty="0" err="1"/>
               <a:t>checkVictoryCondition</a:t>
             </a:r>
-            <a:endParaRPr lang="de-CH" dirty="0"/>
+            <a:endParaRPr lang="de-CH" b="1" dirty="0"/>
           </a:p>
         </p:txBody>
       </p:sp>
@@ -7832,10 +7907,22 @@
               <a:buNone/>
             </a:pPr>
             <a:r>
-              <a:rPr lang="en-US" sz="1600">
+              <a:rPr lang="en-US" sz="1600" dirty="0">
                 <a:latin typeface="Courier" pitchFamily="2" charset="0"/>
               </a:rPr>
-              <a:t>function checkVictoryCondition(uint8 _col, uint8 _row) private {</a:t>
+              <a:t>function </a:t>
+            </a:r>
+            <a:r>
+              <a:rPr lang="en-US" sz="1600" dirty="0" err="1">
+                <a:latin typeface="Courier" pitchFamily="2" charset="0"/>
+              </a:rPr>
+              <a:t>checkVictoryCondition</a:t>
+            </a:r>
+            <a:r>
+              <a:rPr lang="en-US" sz="1600" dirty="0">
+                <a:latin typeface="Courier" pitchFamily="2" charset="0"/>
+              </a:rPr>
+              <a:t>(uint8 _col, uint8 _row) private {</a:t>
             </a:r>
           </a:p>
           <a:p>
@@ -7844,7 +7931,7 @@
               <a:buNone/>
             </a:pPr>
             <a:r>
-              <a:rPr lang="en-US" sz="1600"/>
+              <a:rPr lang="en-US" sz="1600" dirty="0"/>
               <a:t>(…)</a:t>
             </a:r>
           </a:p>
@@ -7854,12 +7941,12 @@
               <a:buNone/>
             </a:pPr>
             <a:r>
-              <a:rPr lang="en-US" sz="1600">
+              <a:rPr lang="en-US" sz="1600" dirty="0">
                 <a:latin typeface="Courier" pitchFamily="2" charset="0"/>
               </a:rPr>
               <a:t>    // left side</a:t>
             </a:r>
-            <a:endParaRPr lang="en-US" sz="1600">
+            <a:endParaRPr lang="en-US" sz="1600" dirty="0">
               <a:highlight>
                 <a:srgbClr val="FFFF00"/>
               </a:highlight>
@@ -7872,10 +7959,34 @@
               <a:buNone/>
             </a:pPr>
             <a:r>
-              <a:rPr lang="en-US" sz="1600">
+              <a:rPr lang="en-US" sz="1600" dirty="0">
                 <a:latin typeface="Courier" pitchFamily="2" charset="0"/>
               </a:rPr>
-              <a:t>    currentStoneOwner = activePlayer;</a:t>
+              <a:t>    </a:t>
+            </a:r>
+            <a:r>
+              <a:rPr lang="en-US" sz="1600" dirty="0" err="1">
+                <a:latin typeface="Courier" pitchFamily="2" charset="0"/>
+              </a:rPr>
+              <a:t>currentStoneOwner</a:t>
+            </a:r>
+            <a:r>
+              <a:rPr lang="en-US" sz="1600" dirty="0">
+                <a:latin typeface="Courier" pitchFamily="2" charset="0"/>
+              </a:rPr>
+              <a:t> = </a:t>
+            </a:r>
+            <a:r>
+              <a:rPr lang="en-US" sz="1600" dirty="0" err="1">
+                <a:latin typeface="Courier" pitchFamily="2" charset="0"/>
+              </a:rPr>
+              <a:t>activePlayer</a:t>
+            </a:r>
+            <a:r>
+              <a:rPr lang="en-US" sz="1600" dirty="0">
+                <a:latin typeface="Courier" pitchFamily="2" charset="0"/>
+              </a:rPr>
+              <a:t>;</a:t>
             </a:r>
           </a:p>
           <a:p>
@@ -7884,10 +7995,22 @@
               <a:buNone/>
             </a:pPr>
             <a:r>
-              <a:rPr lang="en-US" sz="1600">
+              <a:rPr lang="en-US" sz="1600" dirty="0">
                 <a:latin typeface="Courier" pitchFamily="2" charset="0"/>
               </a:rPr>
-              <a:t>    currentCol = _col;</a:t>
+              <a:t>    </a:t>
+            </a:r>
+            <a:r>
+              <a:rPr lang="en-US" sz="1600" dirty="0" err="1">
+                <a:latin typeface="Courier" pitchFamily="2" charset="0"/>
+              </a:rPr>
+              <a:t>currentCol</a:t>
+            </a:r>
+            <a:r>
+              <a:rPr lang="en-US" sz="1600" dirty="0">
+                <a:latin typeface="Courier" pitchFamily="2" charset="0"/>
+              </a:rPr>
+              <a:t> = _col;</a:t>
             </a:r>
           </a:p>
           <a:p>
@@ -7896,10 +8019,46 @@
               <a:buNone/>
             </a:pPr>
             <a:r>
-              <a:rPr lang="en-US" sz="1600">
+              <a:rPr lang="en-US" sz="1600" dirty="0">
                 <a:latin typeface="Courier" pitchFamily="2" charset="0"/>
               </a:rPr>
-              <a:t>    while (currentStoneOwner == activePlayer &amp;&amp; currentCol &gt;= 0) {</a:t>
+              <a:t>    while (</a:t>
+            </a:r>
+            <a:r>
+              <a:rPr lang="en-US" sz="1600" dirty="0" err="1">
+                <a:latin typeface="Courier" pitchFamily="2" charset="0"/>
+              </a:rPr>
+              <a:t>currentStoneOwner</a:t>
+            </a:r>
+            <a:r>
+              <a:rPr lang="en-US" sz="1600" dirty="0">
+                <a:latin typeface="Courier" pitchFamily="2" charset="0"/>
+              </a:rPr>
+              <a:t> == </a:t>
+            </a:r>
+            <a:r>
+              <a:rPr lang="en-US" sz="1600" dirty="0" err="1">
+                <a:latin typeface="Courier" pitchFamily="2" charset="0"/>
+              </a:rPr>
+              <a:t>activePlayer</a:t>
+            </a:r>
+            <a:r>
+              <a:rPr lang="en-US" sz="1600" dirty="0">
+                <a:latin typeface="Courier" pitchFamily="2" charset="0"/>
+              </a:rPr>
+              <a:t> &amp;&amp; </a:t>
+            </a:r>
+            <a:r>
+              <a:rPr lang="en-US" sz="1600" dirty="0" err="1">
+                <a:latin typeface="Courier" pitchFamily="2" charset="0"/>
+              </a:rPr>
+              <a:t>currentCol</a:t>
+            </a:r>
+            <a:r>
+              <a:rPr lang="en-US" sz="1600" dirty="0">
+                <a:latin typeface="Courier" pitchFamily="2" charset="0"/>
+              </a:rPr>
+              <a:t> &gt;= 0) {</a:t>
             </a:r>
           </a:p>
           <a:p>
@@ -7908,10 +8067,22 @@
               <a:buNone/>
             </a:pPr>
             <a:r>
-              <a:rPr lang="en-US" sz="1600">
+              <a:rPr lang="en-US" sz="1600" dirty="0">
                 <a:latin typeface="Courier" pitchFamily="2" charset="0"/>
               </a:rPr>
-              <a:t>        victoryPoints++;</a:t>
+              <a:t>        </a:t>
+            </a:r>
+            <a:r>
+              <a:rPr lang="en-US" sz="1600" dirty="0" err="1">
+                <a:latin typeface="Courier" pitchFamily="2" charset="0"/>
+              </a:rPr>
+              <a:t>victoryPoints</a:t>
+            </a:r>
+            <a:r>
+              <a:rPr lang="en-US" sz="1600" dirty="0">
+                <a:latin typeface="Courier" pitchFamily="2" charset="0"/>
+              </a:rPr>
+              <a:t>++;</a:t>
             </a:r>
           </a:p>
           <a:p>
@@ -7920,10 +8091,22 @@
               <a:buNone/>
             </a:pPr>
             <a:r>
-              <a:rPr lang="en-US" sz="1600">
+              <a:rPr lang="en-US" sz="1600" dirty="0">
                 <a:latin typeface="Courier" pitchFamily="2" charset="0"/>
               </a:rPr>
-              <a:t>        if (currentCol &gt; 0) {</a:t>
+              <a:t>        if (</a:t>
+            </a:r>
+            <a:r>
+              <a:rPr lang="en-US" sz="1600" dirty="0" err="1">
+                <a:latin typeface="Courier" pitchFamily="2" charset="0"/>
+              </a:rPr>
+              <a:t>currentCol</a:t>
+            </a:r>
+            <a:r>
+              <a:rPr lang="en-US" sz="1600" dirty="0">
+                <a:latin typeface="Courier" pitchFamily="2" charset="0"/>
+              </a:rPr>
+              <a:t> &gt; 0) {</a:t>
             </a:r>
           </a:p>
           <a:p>
@@ -7932,10 +8115,22 @@
               <a:buNone/>
             </a:pPr>
             <a:r>
-              <a:rPr lang="en-US" sz="1600">
+              <a:rPr lang="en-US" sz="1600" dirty="0">
                 <a:latin typeface="Courier" pitchFamily="2" charset="0"/>
               </a:rPr>
-              <a:t>            currentCol--;</a:t>
+              <a:t>            </a:t>
+            </a:r>
+            <a:r>
+              <a:rPr lang="en-US" sz="1600" dirty="0" err="1">
+                <a:latin typeface="Courier" pitchFamily="2" charset="0"/>
+              </a:rPr>
+              <a:t>currentCol</a:t>
+            </a:r>
+            <a:r>
+              <a:rPr lang="en-US" sz="1600" dirty="0">
+                <a:latin typeface="Courier" pitchFamily="2" charset="0"/>
+              </a:rPr>
+              <a:t>--;</a:t>
             </a:r>
           </a:p>
           <a:p>
@@ -7944,10 +8139,34 @@
               <a:buNone/>
             </a:pPr>
             <a:r>
-              <a:rPr lang="en-US" sz="1600">
+              <a:rPr lang="en-US" sz="1600" dirty="0">
                 <a:latin typeface="Courier" pitchFamily="2" charset="0"/>
               </a:rPr>
-              <a:t>            currentStoneOwner = grid[currentCol][_row];</a:t>
+              <a:t>            </a:t>
+            </a:r>
+            <a:r>
+              <a:rPr lang="en-US" sz="1600" dirty="0" err="1">
+                <a:latin typeface="Courier" pitchFamily="2" charset="0"/>
+              </a:rPr>
+              <a:t>currentStoneOwner</a:t>
+            </a:r>
+            <a:r>
+              <a:rPr lang="en-US" sz="1600" dirty="0">
+                <a:latin typeface="Courier" pitchFamily="2" charset="0"/>
+              </a:rPr>
+              <a:t> = grid[</a:t>
+            </a:r>
+            <a:r>
+              <a:rPr lang="en-US" sz="1600" dirty="0" err="1">
+                <a:latin typeface="Courier" pitchFamily="2" charset="0"/>
+              </a:rPr>
+              <a:t>currentCol</a:t>
+            </a:r>
+            <a:r>
+              <a:rPr lang="en-US" sz="1600" dirty="0">
+                <a:latin typeface="Courier" pitchFamily="2" charset="0"/>
+              </a:rPr>
+              <a:t>][_row];</a:t>
             </a:r>
           </a:p>
           <a:p>
@@ -7956,7 +8175,7 @@
               <a:buNone/>
             </a:pPr>
             <a:r>
-              <a:rPr lang="en-US" sz="1600">
+              <a:rPr lang="en-US" sz="1600" dirty="0">
                 <a:latin typeface="Courier" pitchFamily="2" charset="0"/>
               </a:rPr>
               <a:t>        } else</a:t>
@@ -7968,7 +8187,7 @@
               <a:buNone/>
             </a:pPr>
             <a:r>
-              <a:rPr lang="en-US" sz="1600">
+              <a:rPr lang="en-US" sz="1600" dirty="0">
                 <a:latin typeface="Courier" pitchFamily="2" charset="0"/>
               </a:rPr>
               <a:t>            break;</a:t>
@@ -7980,7 +8199,7 @@
               <a:buNone/>
             </a:pPr>
             <a:r>
-              <a:rPr lang="en-US" sz="1600">
+              <a:rPr lang="en-US" sz="1600" dirty="0">
                 <a:latin typeface="Courier" pitchFamily="2" charset="0"/>
               </a:rPr>
               <a:t>    }</a:t>
@@ -7992,10 +8211,9 @@
               <a:buNone/>
             </a:pPr>
             <a:r>
-              <a:rPr lang="en-US" sz="1600"/>
+              <a:rPr lang="en-US" sz="1600" dirty="0"/>
               <a:t>(…)</a:t>
             </a:r>
-            <a:endParaRPr lang="en-US" sz="1600" dirty="0"/>
           </a:p>
         </p:txBody>
       </p:sp>
@@ -8013,6 +8231,146 @@
 </file>
 
 <file path=ppt/slides/slide11.xml><?xml version="1.0" encoding="utf-8"?>
+<p:sld xmlns:a="http://schemas.openxmlformats.org/drawingml/2006/main" xmlns:r="http://schemas.openxmlformats.org/officeDocument/2006/relationships" xmlns:p="http://schemas.openxmlformats.org/presentationml/2006/main">
+  <p:cSld>
+    <p:spTree>
+      <p:nvGrpSpPr>
+        <p:cNvPr id="1" name=""/>
+        <p:cNvGrpSpPr/>
+        <p:nvPr/>
+      </p:nvGrpSpPr>
+      <p:grpSpPr>
+        <a:xfrm>
+          <a:off x="0" y="0"/>
+          <a:ext cx="0" cy="0"/>
+          <a:chOff x="0" y="0"/>
+          <a:chExt cx="0" cy="0"/>
+        </a:xfrm>
+      </p:grpSpPr>
+      <p:sp>
+        <p:nvSpPr>
+          <p:cNvPr id="2" name="Title 1">
+            <a:extLst>
+              <a:ext uri="{FF2B5EF4-FFF2-40B4-BE49-F238E27FC236}">
+                <a16:creationId xmlns:a16="http://schemas.microsoft.com/office/drawing/2014/main" id="{898D1B8C-7724-2348-B0BA-DD8532F2D6F7}"/>
+              </a:ext>
+            </a:extLst>
+          </p:cNvPr>
+          <p:cNvSpPr>
+            <a:spLocks noGrp="1"/>
+          </p:cNvSpPr>
+          <p:nvPr>
+            <p:ph type="title"/>
+          </p:nvPr>
+        </p:nvSpPr>
+        <p:spPr/>
+        <p:txBody>
+          <a:bodyPr/>
+          <a:lstStyle/>
+          <a:p>
+            <a:r>
+              <a:rPr lang="en-US" b="1" dirty="0"/>
+              <a:t>Security Problems</a:t>
+            </a:r>
+          </a:p>
+        </p:txBody>
+      </p:sp>
+      <p:sp>
+        <p:nvSpPr>
+          <p:cNvPr id="4" name="Text Placeholder 3">
+            <a:extLst>
+              <a:ext uri="{FF2B5EF4-FFF2-40B4-BE49-F238E27FC236}">
+                <a16:creationId xmlns:a16="http://schemas.microsoft.com/office/drawing/2014/main" id="{BD819F3B-0877-B74F-A6DF-72973DA340FE}"/>
+              </a:ext>
+            </a:extLst>
+          </p:cNvPr>
+          <p:cNvSpPr>
+            <a:spLocks noGrp="1"/>
+          </p:cNvSpPr>
+          <p:nvPr>
+            <p:ph type="body" sz="half" idx="2"/>
+          </p:nvPr>
+        </p:nvSpPr>
+        <p:spPr>
+          <a:xfrm>
+            <a:off x="839788" y="2057400"/>
+            <a:ext cx="5695483" cy="3811588"/>
+          </a:xfrm>
+        </p:spPr>
+        <p:txBody>
+          <a:bodyPr>
+            <a:normAutofit/>
+          </a:bodyPr>
+          <a:lstStyle/>
+          <a:p>
+            <a:r>
+              <a:rPr lang="en-US" sz="1800" b="1" dirty="0"/>
+              <a:t>ATTENTION:</a:t>
+            </a:r>
+            <a:r>
+              <a:rPr lang="en-US" sz="1800" dirty="0"/>
+              <a:t> </a:t>
+            </a:r>
+          </a:p>
+          <a:p>
+            <a:pPr marL="285750" indent="-285750">
+              <a:spcBef>
+                <a:spcPts val="2200"/>
+              </a:spcBef>
+              <a:buFont typeface="Arial" panose="020B0604020202020204" pitchFamily="34" charset="0"/>
+              <a:buChar char="•"/>
+            </a:pPr>
+            <a:r>
+              <a:rPr lang="en-US" sz="1800" dirty="0"/>
+              <a:t>Set bet = 0 before paying out money in the code</a:t>
+            </a:r>
+          </a:p>
+          <a:p>
+            <a:pPr marL="285750" indent="-285750">
+              <a:buFont typeface="Arial" panose="020B0604020202020204" pitchFamily="34" charset="0"/>
+              <a:buChar char="•"/>
+            </a:pPr>
+            <a:r>
+              <a:rPr lang="en-US" sz="1800" dirty="0"/>
+              <a:t>Otherwise, choosing the right gas limit could be leveraged to outwit the smart contract</a:t>
+            </a:r>
+          </a:p>
+          <a:p>
+            <a:pPr marL="285750" indent="-285750">
+              <a:buFont typeface="Arial" panose="020B0604020202020204" pitchFamily="34" charset="0"/>
+              <a:buChar char="•"/>
+            </a:pPr>
+            <a:r>
+              <a:rPr lang="en-US" sz="1800" dirty="0"/>
+              <a:t>Attacker could withdraw funds over and over again</a:t>
+            </a:r>
+          </a:p>
+          <a:p>
+            <a:pPr marL="285750" indent="-285750">
+              <a:buFont typeface="Arial" panose="020B0604020202020204" pitchFamily="34" charset="0"/>
+              <a:buChar char="•"/>
+            </a:pPr>
+            <a:r>
+              <a:rPr lang="en-US" sz="1800" dirty="0"/>
+              <a:t>See The DAO</a:t>
+            </a:r>
+          </a:p>
+        </p:txBody>
+      </p:sp>
+    </p:spTree>
+    <p:extLst>
+      <p:ext uri="{BB962C8B-B14F-4D97-AF65-F5344CB8AC3E}">
+        <p14:creationId xmlns:p14="http://schemas.microsoft.com/office/powerpoint/2010/main" val="46979816"/>
+      </p:ext>
+    </p:extLst>
+  </p:cSld>
+  <p:clrMapOvr>
+    <a:masterClrMapping/>
+  </p:clrMapOvr>
+</p:sld>
+</file>
+
+<file path=ppt/slides/slide12.xml><?xml version="1.0" encoding="utf-8"?>
 <p:sld xmlns:a="http://schemas.openxmlformats.org/drawingml/2006/main" xmlns:r="http://schemas.openxmlformats.org/officeDocument/2006/relationships" xmlns:p="http://schemas.openxmlformats.org/presentationml/2006/main">
   <p:cSld>
     <p:spTree>
